--- a/Presentazione_NFC/NFC.pptx
+++ b/Presentazione_NFC/NFC.pptx
@@ -5,10 +5,10 @@
     <p:sldMasterId id="2147483672" r:id="rId4"/>
   </p:sldMasterIdLst>
   <p:notesMasterIdLst>
-    <p:notesMasterId r:id="rId14"/>
+    <p:notesMasterId r:id="rId21"/>
   </p:notesMasterIdLst>
   <p:handoutMasterIdLst>
-    <p:handoutMasterId r:id="rId15"/>
+    <p:handoutMasterId r:id="rId22"/>
   </p:handoutMasterIdLst>
   <p:sldIdLst>
     <p:sldId id="256" r:id="rId5"/>
@@ -18,8 +18,15 @@
     <p:sldId id="266" r:id="rId9"/>
     <p:sldId id="258" r:id="rId10"/>
     <p:sldId id="267" r:id="rId11"/>
-    <p:sldId id="268" r:id="rId12"/>
-    <p:sldId id="260" r:id="rId13"/>
+    <p:sldId id="269" r:id="rId12"/>
+    <p:sldId id="270" r:id="rId13"/>
+    <p:sldId id="271" r:id="rId14"/>
+    <p:sldId id="273" r:id="rId15"/>
+    <p:sldId id="272" r:id="rId16"/>
+    <p:sldId id="274" r:id="rId17"/>
+    <p:sldId id="275" r:id="rId18"/>
+    <p:sldId id="268" r:id="rId19"/>
+    <p:sldId id="260" r:id="rId20"/>
   </p:sldIdLst>
   <p:sldSz cx="12192000" cy="6858000"/>
   <p:notesSz cx="6858000" cy="9144000"/>
@@ -6331,6 +6338,88 @@
         </a:p>
       </dgm:t>
     </dgm:pt>
+    <dgm:pt modelId="{40D6CB97-82AC-4513-A1DE-B842D0E89464}">
+      <dgm:prSet phldrT="[Text]"/>
+      <dgm:spPr/>
+      <dgm:t>
+        <a:bodyPr rtlCol="0"/>
+        <a:lstStyle/>
+        <a:p>
+          <a:pPr rtl="0">
+            <a:lnSpc>
+              <a:spcPct val="100000"/>
+            </a:lnSpc>
+          </a:pPr>
+          <a:r>
+            <a:rPr lang="it-IT" noProof="0" dirty="0"/>
+            <a:t>Integrazione Android</a:t>
+          </a:r>
+        </a:p>
+      </dgm:t>
+    </dgm:pt>
+    <dgm:pt modelId="{4A85B705-D2F2-4F92-BEF4-08B85EEADE22}" type="parTrans" cxnId="{A1D65D88-98F1-4756-9D70-8D021264A86C}">
+      <dgm:prSet/>
+      <dgm:spPr/>
+      <dgm:t>
+        <a:bodyPr/>
+        <a:lstStyle/>
+        <a:p>
+          <a:endParaRPr lang="it-IT"/>
+        </a:p>
+      </dgm:t>
+    </dgm:pt>
+    <dgm:pt modelId="{FD896C80-E2FF-4578-8290-B77A2DB04F4C}" type="sibTrans" cxnId="{A1D65D88-98F1-4756-9D70-8D021264A86C}">
+      <dgm:prSet/>
+      <dgm:spPr/>
+      <dgm:t>
+        <a:bodyPr/>
+        <a:lstStyle/>
+        <a:p>
+          <a:endParaRPr lang="it-IT"/>
+        </a:p>
+      </dgm:t>
+    </dgm:pt>
+    <dgm:pt modelId="{EC62FBC4-0E77-4CE6-802D-1E24ECDB5469}">
+      <dgm:prSet phldrT="[Text]"/>
+      <dgm:spPr/>
+      <dgm:t>
+        <a:bodyPr rtlCol="0"/>
+        <a:lstStyle/>
+        <a:p>
+          <a:pPr rtl="0">
+            <a:lnSpc>
+              <a:spcPct val="100000"/>
+            </a:lnSpc>
+          </a:pPr>
+          <a:r>
+            <a:rPr lang="it-IT" noProof="0" dirty="0"/>
+            <a:t>Integrazione iOS</a:t>
+          </a:r>
+        </a:p>
+      </dgm:t>
+    </dgm:pt>
+    <dgm:pt modelId="{9C58CF19-94C5-4401-846D-F587D4A7E788}" type="parTrans" cxnId="{24381633-A32E-448E-AF35-5D64C10E9DFA}">
+      <dgm:prSet/>
+      <dgm:spPr/>
+      <dgm:t>
+        <a:bodyPr/>
+        <a:lstStyle/>
+        <a:p>
+          <a:endParaRPr lang="it-IT"/>
+        </a:p>
+      </dgm:t>
+    </dgm:pt>
+    <dgm:pt modelId="{E5CF457A-9712-4470-86C3-057A47691918}" type="sibTrans" cxnId="{24381633-A32E-448E-AF35-5D64C10E9DFA}">
+      <dgm:prSet/>
+      <dgm:spPr/>
+      <dgm:t>
+        <a:bodyPr/>
+        <a:lstStyle/>
+        <a:p>
+          <a:endParaRPr lang="it-IT"/>
+        </a:p>
+      </dgm:t>
+    </dgm:pt>
     <dgm:pt modelId="{22910523-63B1-4B45-A59B-1E5B9864C020}" type="pres">
       <dgm:prSet presAssocID="{7E5AA53B-3EEE-4DE4-BB81-9044890C2946}" presName="Name0" presStyleCnt="0">
         <dgm:presLayoutVars>
@@ -6350,7 +6439,7 @@
       <dgm:spPr/>
     </dgm:pt>
     <dgm:pt modelId="{98E378BB-772D-4E91-9CD7-F32E1FEFF3BF}" type="pres">
-      <dgm:prSet presAssocID="{7E5AA53B-3EEE-4DE4-BB81-9044890C2946}" presName="srcNode" presStyleLbl="node1" presStyleIdx="0" presStyleCnt="5"/>
+      <dgm:prSet presAssocID="{7E5AA53B-3EEE-4DE4-BB81-9044890C2946}" presName="srcNode" presStyleLbl="node1" presStyleIdx="0" presStyleCnt="7"/>
       <dgm:spPr/>
     </dgm:pt>
     <dgm:pt modelId="{F99EDADB-C523-4181-8E2F-AC3620E5F7DB}" type="pres">
@@ -6358,15 +6447,15 @@
       <dgm:spPr/>
     </dgm:pt>
     <dgm:pt modelId="{49ED3A35-1FDC-4A52-9A47-E4FE3DFBDF0E}" type="pres">
-      <dgm:prSet presAssocID="{7E5AA53B-3EEE-4DE4-BB81-9044890C2946}" presName="extraNode" presStyleLbl="node1" presStyleIdx="0" presStyleCnt="5"/>
+      <dgm:prSet presAssocID="{7E5AA53B-3EEE-4DE4-BB81-9044890C2946}" presName="extraNode" presStyleLbl="node1" presStyleIdx="0" presStyleCnt="7"/>
       <dgm:spPr/>
     </dgm:pt>
     <dgm:pt modelId="{C876A27F-350D-42D9-8E4E-C61FD8B5B7B4}" type="pres">
-      <dgm:prSet presAssocID="{7E5AA53B-3EEE-4DE4-BB81-9044890C2946}" presName="dstNode" presStyleLbl="node1" presStyleIdx="0" presStyleCnt="5"/>
+      <dgm:prSet presAssocID="{7E5AA53B-3EEE-4DE4-BB81-9044890C2946}" presName="dstNode" presStyleLbl="node1" presStyleIdx="0" presStyleCnt="7"/>
       <dgm:spPr/>
     </dgm:pt>
     <dgm:pt modelId="{319CCD4E-914E-4503-9EE3-22F1E0979871}" type="pres">
-      <dgm:prSet presAssocID="{6750AC01-D39D-4F3A-9DC8-2A211EE986A2}" presName="text_1" presStyleLbl="node1" presStyleIdx="0" presStyleCnt="5">
+      <dgm:prSet presAssocID="{6750AC01-D39D-4F3A-9DC8-2A211EE986A2}" presName="text_1" presStyleLbl="node1" presStyleIdx="0" presStyleCnt="7">
         <dgm:presLayoutVars>
           <dgm:bulletEnabled val="1"/>
         </dgm:presLayoutVars>
@@ -6378,11 +6467,11 @@
       <dgm:spPr/>
     </dgm:pt>
     <dgm:pt modelId="{AC056F4F-7013-4E8D-9EE7-F0EC657FC91B}" type="pres">
-      <dgm:prSet presAssocID="{6750AC01-D39D-4F3A-9DC8-2A211EE986A2}" presName="accentRepeatNode" presStyleLbl="solidFgAcc1" presStyleIdx="0" presStyleCnt="5"/>
+      <dgm:prSet presAssocID="{6750AC01-D39D-4F3A-9DC8-2A211EE986A2}" presName="accentRepeatNode" presStyleLbl="solidFgAcc1" presStyleIdx="0" presStyleCnt="7"/>
       <dgm:spPr/>
     </dgm:pt>
     <dgm:pt modelId="{DFACD1E7-FCA0-439C-9607-C08D5A458E92}" type="pres">
-      <dgm:prSet presAssocID="{0BEF68B8-1228-47BB-83B5-7B9CD1E3F84E}" presName="text_2" presStyleLbl="node1" presStyleIdx="1" presStyleCnt="5">
+      <dgm:prSet presAssocID="{0BEF68B8-1228-47BB-83B5-7B9CD1E3F84E}" presName="text_2" presStyleLbl="node1" presStyleIdx="1" presStyleCnt="7">
         <dgm:presLayoutVars>
           <dgm:bulletEnabled val="1"/>
         </dgm:presLayoutVars>
@@ -6394,11 +6483,11 @@
       <dgm:spPr/>
     </dgm:pt>
     <dgm:pt modelId="{7AF82817-DFC4-4EE3-99B2-E8E57D4F4F19}" type="pres">
-      <dgm:prSet presAssocID="{0BEF68B8-1228-47BB-83B5-7B9CD1E3F84E}" presName="accentRepeatNode" presStyleLbl="solidFgAcc1" presStyleIdx="1" presStyleCnt="5"/>
+      <dgm:prSet presAssocID="{0BEF68B8-1228-47BB-83B5-7B9CD1E3F84E}" presName="accentRepeatNode" presStyleLbl="solidFgAcc1" presStyleIdx="1" presStyleCnt="7"/>
       <dgm:spPr/>
     </dgm:pt>
     <dgm:pt modelId="{4F5AE812-FB5E-4848-B198-80A9E4AB0B3B}" type="pres">
-      <dgm:prSet presAssocID="{5605D28D-2CE6-4513-8566-952984E21E14}" presName="text_3" presStyleLbl="node1" presStyleIdx="2" presStyleCnt="5">
+      <dgm:prSet presAssocID="{5605D28D-2CE6-4513-8566-952984E21E14}" presName="text_3" presStyleLbl="node1" presStyleIdx="2" presStyleCnt="7">
         <dgm:presLayoutVars>
           <dgm:bulletEnabled val="1"/>
         </dgm:presLayoutVars>
@@ -6410,11 +6499,11 @@
       <dgm:spPr/>
     </dgm:pt>
     <dgm:pt modelId="{7D7D3BA7-F17E-40C8-9B20-4C6D06079711}" type="pres">
-      <dgm:prSet presAssocID="{5605D28D-2CE6-4513-8566-952984E21E14}" presName="accentRepeatNode" presStyleLbl="solidFgAcc1" presStyleIdx="2" presStyleCnt="5"/>
+      <dgm:prSet presAssocID="{5605D28D-2CE6-4513-8566-952984E21E14}" presName="accentRepeatNode" presStyleLbl="solidFgAcc1" presStyleIdx="2" presStyleCnt="7"/>
       <dgm:spPr/>
     </dgm:pt>
     <dgm:pt modelId="{72029F4C-9592-4B85-849C-6C0858C3391A}" type="pres">
-      <dgm:prSet presAssocID="{E370FC2B-D2AE-4425-A767-BDA7BC37C935}" presName="text_4" presStyleLbl="node1" presStyleIdx="3" presStyleCnt="5">
+      <dgm:prSet presAssocID="{E370FC2B-D2AE-4425-A767-BDA7BC37C935}" presName="text_4" presStyleLbl="node1" presStyleIdx="3" presStyleCnt="7">
         <dgm:presLayoutVars>
           <dgm:bulletEnabled val="1"/>
         </dgm:presLayoutVars>
@@ -6426,39 +6515,75 @@
       <dgm:spPr/>
     </dgm:pt>
     <dgm:pt modelId="{8089D354-E1E2-48D0-A0EC-7BB4B93E76DF}" type="pres">
-      <dgm:prSet presAssocID="{E370FC2B-D2AE-4425-A767-BDA7BC37C935}" presName="accentRepeatNode" presStyleLbl="solidFgAcc1" presStyleIdx="3" presStyleCnt="5"/>
+      <dgm:prSet presAssocID="{E370FC2B-D2AE-4425-A767-BDA7BC37C935}" presName="accentRepeatNode" presStyleLbl="solidFgAcc1" presStyleIdx="3" presStyleCnt="7"/>
       <dgm:spPr/>
     </dgm:pt>
-    <dgm:pt modelId="{6640D085-5645-43C0-B6B3-645B3BD200D6}" type="pres">
-      <dgm:prSet presAssocID="{3CA63C95-CE7E-4CCD-B671-684E5929C8E8}" presName="text_5" presStyleLbl="node1" presStyleIdx="4" presStyleCnt="5">
+    <dgm:pt modelId="{052D05C6-8256-4769-A688-DADC71A4BA8A}" type="pres">
+      <dgm:prSet presAssocID="{40D6CB97-82AC-4513-A1DE-B842D0E89464}" presName="text_5" presStyleLbl="node1" presStyleIdx="4" presStyleCnt="7">
         <dgm:presLayoutVars>
           <dgm:bulletEnabled val="1"/>
         </dgm:presLayoutVars>
       </dgm:prSet>
       <dgm:spPr/>
     </dgm:pt>
-    <dgm:pt modelId="{77727FC0-8AFF-4273-95D4-EA9C2CCA3190}" type="pres">
-      <dgm:prSet presAssocID="{3CA63C95-CE7E-4CCD-B671-684E5929C8E8}" presName="accent_5" presStyleCnt="0"/>
+    <dgm:pt modelId="{F6048A42-3B1A-4BD0-8726-450DC5323B2C}" type="pres">
+      <dgm:prSet presAssocID="{40D6CB97-82AC-4513-A1DE-B842D0E89464}" presName="accent_5" presStyleCnt="0"/>
+      <dgm:spPr/>
+    </dgm:pt>
+    <dgm:pt modelId="{D7AA906C-2D04-4FA0-AD45-165DEFAF6022}" type="pres">
+      <dgm:prSet presAssocID="{40D6CB97-82AC-4513-A1DE-B842D0E89464}" presName="accentRepeatNode" presStyleLbl="solidFgAcc1" presStyleIdx="4" presStyleCnt="7"/>
+      <dgm:spPr/>
+    </dgm:pt>
+    <dgm:pt modelId="{2901A785-F73A-4665-A90B-77E4A52C30B8}" type="pres">
+      <dgm:prSet presAssocID="{EC62FBC4-0E77-4CE6-802D-1E24ECDB5469}" presName="text_6" presStyleLbl="node1" presStyleIdx="5" presStyleCnt="7">
+        <dgm:presLayoutVars>
+          <dgm:bulletEnabled val="1"/>
+        </dgm:presLayoutVars>
+      </dgm:prSet>
+      <dgm:spPr/>
+    </dgm:pt>
+    <dgm:pt modelId="{55EC8576-1DA5-45BC-A30F-725C751326E3}" type="pres">
+      <dgm:prSet presAssocID="{EC62FBC4-0E77-4CE6-802D-1E24ECDB5469}" presName="accent_6" presStyleCnt="0"/>
+      <dgm:spPr/>
+    </dgm:pt>
+    <dgm:pt modelId="{84A3AB0C-6444-489C-AFA8-31C7B5060780}" type="pres">
+      <dgm:prSet presAssocID="{EC62FBC4-0E77-4CE6-802D-1E24ECDB5469}" presName="accentRepeatNode" presStyleLbl="solidFgAcc1" presStyleIdx="5" presStyleCnt="7"/>
+      <dgm:spPr/>
+    </dgm:pt>
+    <dgm:pt modelId="{002533FA-C104-4989-9766-44ED36EE0E09}" type="pres">
+      <dgm:prSet presAssocID="{3CA63C95-CE7E-4CCD-B671-684E5929C8E8}" presName="text_7" presStyleLbl="node1" presStyleIdx="6" presStyleCnt="7">
+        <dgm:presLayoutVars>
+          <dgm:bulletEnabled val="1"/>
+        </dgm:presLayoutVars>
+      </dgm:prSet>
+      <dgm:spPr/>
+    </dgm:pt>
+    <dgm:pt modelId="{FB16B94E-3A23-4197-B727-B2BCE8813F80}" type="pres">
+      <dgm:prSet presAssocID="{3CA63C95-CE7E-4CCD-B671-684E5929C8E8}" presName="accent_7" presStyleCnt="0"/>
       <dgm:spPr/>
     </dgm:pt>
     <dgm:pt modelId="{FDC5C87A-297C-44D9-8677-970CD576DB56}" type="pres">
-      <dgm:prSet presAssocID="{3CA63C95-CE7E-4CCD-B671-684E5929C8E8}" presName="accentRepeatNode" presStyleLbl="solidFgAcc1" presStyleIdx="4" presStyleCnt="5"/>
+      <dgm:prSet presAssocID="{3CA63C95-CE7E-4CCD-B671-684E5929C8E8}" presName="accentRepeatNode" presStyleLbl="solidFgAcc1" presStyleIdx="6" presStyleCnt="7"/>
       <dgm:spPr/>
     </dgm:pt>
   </dgm:ptLst>
   <dgm:cxnLst>
+    <dgm:cxn modelId="{24381633-A32E-448E-AF35-5D64C10E9DFA}" srcId="{7E5AA53B-3EEE-4DE4-BB81-9044890C2946}" destId="{EC62FBC4-0E77-4CE6-802D-1E24ECDB5469}" srcOrd="5" destOrd="0" parTransId="{9C58CF19-94C5-4401-846D-F587D4A7E788}" sibTransId="{E5CF457A-9712-4470-86C3-057A47691918}"/>
     <dgm:cxn modelId="{0B5DAE5F-BCDC-4BF7-A6E7-CF856886A64D}" srcId="{7E5AA53B-3EEE-4DE4-BB81-9044890C2946}" destId="{6750AC01-D39D-4F3A-9DC8-2A211EE986A2}" srcOrd="0" destOrd="0" parTransId="{720680DC-AAA4-4434-A582-60EBCC5BA355}" sibTransId="{CA077D98-8478-47EA-B6A9-99ACE60C64D4}"/>
     <dgm:cxn modelId="{66ED1A62-997A-49DF-B5C3-882663C93B62}" type="presOf" srcId="{5605D28D-2CE6-4513-8566-952984E21E14}" destId="{4F5AE812-FB5E-4848-B198-80A9E4AB0B3B}" srcOrd="0" destOrd="0" presId="urn:microsoft.com/office/officeart/2008/layout/VerticalCurvedList"/>
-    <dgm:cxn modelId="{04E50A63-3572-40F6-8081-32A761973577}" type="presOf" srcId="{3CA63C95-CE7E-4CCD-B671-684E5929C8E8}" destId="{6640D085-5645-43C0-B6B3-645B3BD200D6}" srcOrd="0" destOrd="0" presId="urn:microsoft.com/office/officeart/2008/layout/VerticalCurvedList"/>
-    <dgm:cxn modelId="{5A6A3F73-40A3-41DD-92C5-CA66D76BE8ED}" srcId="{7E5AA53B-3EEE-4DE4-BB81-9044890C2946}" destId="{3CA63C95-CE7E-4CCD-B671-684E5929C8E8}" srcOrd="4" destOrd="0" parTransId="{12A6A51F-29D7-44AF-9461-CCCD6932B480}" sibTransId="{7A077A78-AC77-4012-92C8-6EC9B63064AF}"/>
+    <dgm:cxn modelId="{EAB77F72-48B3-4981-B1BC-523A3C176CE9}" type="presOf" srcId="{40D6CB97-82AC-4513-A1DE-B842D0E89464}" destId="{052D05C6-8256-4769-A688-DADC71A4BA8A}" srcOrd="0" destOrd="0" presId="urn:microsoft.com/office/officeart/2008/layout/VerticalCurvedList"/>
+    <dgm:cxn modelId="{5A6A3F73-40A3-41DD-92C5-CA66D76BE8ED}" srcId="{7E5AA53B-3EEE-4DE4-BB81-9044890C2946}" destId="{3CA63C95-CE7E-4CCD-B671-684E5929C8E8}" srcOrd="6" destOrd="0" parTransId="{12A6A51F-29D7-44AF-9461-CCCD6932B480}" sibTransId="{7A077A78-AC77-4012-92C8-6EC9B63064AF}"/>
     <dgm:cxn modelId="{9FDB0D56-A4F6-4FC6-856C-FF69165C84D9}" type="presOf" srcId="{0BEF68B8-1228-47BB-83B5-7B9CD1E3F84E}" destId="{DFACD1E7-FCA0-439C-9607-C08D5A458E92}" srcOrd="0" destOrd="0" presId="urn:microsoft.com/office/officeart/2008/layout/VerticalCurvedList"/>
     <dgm:cxn modelId="{4823287C-6E7F-440F-B0F2-AF90CC6530AC}" type="presOf" srcId="{E370FC2B-D2AE-4425-A767-BDA7BC37C935}" destId="{72029F4C-9592-4B85-849C-6C0858C3391A}" srcOrd="0" destOrd="0" presId="urn:microsoft.com/office/officeart/2008/layout/VerticalCurvedList"/>
     <dgm:cxn modelId="{EDEF4F82-1237-4639-A0F7-385C1897CE66}" srcId="{7E5AA53B-3EEE-4DE4-BB81-9044890C2946}" destId="{0BEF68B8-1228-47BB-83B5-7B9CD1E3F84E}" srcOrd="1" destOrd="0" parTransId="{ED3A4BC2-B75A-4952-A38B-A42B5995DF05}" sibTransId="{FD949706-EDCC-4ADC-8EDF-8EDA49C92325}"/>
     <dgm:cxn modelId="{FAF3F884-F0CF-440F-8CB1-B7648AB1B138}" srcId="{7E5AA53B-3EEE-4DE4-BB81-9044890C2946}" destId="{5605D28D-2CE6-4513-8566-952984E21E14}" srcOrd="2" destOrd="0" parTransId="{EB15AB98-362B-4E70-A3DA-995FC3E8BA79}" sibTransId="{823D1971-2C4D-4EC5-A874-2F463DE37109}"/>
+    <dgm:cxn modelId="{A1D65D88-98F1-4756-9D70-8D021264A86C}" srcId="{7E5AA53B-3EEE-4DE4-BB81-9044890C2946}" destId="{40D6CB97-82AC-4513-A1DE-B842D0E89464}" srcOrd="4" destOrd="0" parTransId="{4A85B705-D2F2-4F92-BEF4-08B85EEADE22}" sibTransId="{FD896C80-E2FF-4578-8290-B77A2DB04F4C}"/>
+    <dgm:cxn modelId="{DB10A9AB-667E-488A-96BF-0D7402DD56CC}" type="presOf" srcId="{EC62FBC4-0E77-4CE6-802D-1E24ECDB5469}" destId="{2901A785-F73A-4665-A90B-77E4A52C30B8}" srcOrd="0" destOrd="0" presId="urn:microsoft.com/office/officeart/2008/layout/VerticalCurvedList"/>
     <dgm:cxn modelId="{F35C02DB-81BB-4D8B-9883-05F3C7AE19AC}" type="presOf" srcId="{6750AC01-D39D-4F3A-9DC8-2A211EE986A2}" destId="{319CCD4E-914E-4503-9EE3-22F1E0979871}" srcOrd="0" destOrd="0" presId="urn:microsoft.com/office/officeart/2008/layout/VerticalCurvedList"/>
     <dgm:cxn modelId="{A1D18FE4-2EE7-4490-B876-47F6C415B0FC}" srcId="{7E5AA53B-3EEE-4DE4-BB81-9044890C2946}" destId="{E370FC2B-D2AE-4425-A767-BDA7BC37C935}" srcOrd="3" destOrd="0" parTransId="{FF411FB0-D558-4958-A928-E2B0927E26D5}" sibTransId="{5075467B-7AF9-400D-95E3-3C3FCC2AD91B}"/>
     <dgm:cxn modelId="{52AB8EE8-A601-4AC3-92D8-9A7E2FA59CC4}" type="presOf" srcId="{7E5AA53B-3EEE-4DE4-BB81-9044890C2946}" destId="{22910523-63B1-4B45-A59B-1E5B9864C020}" srcOrd="0" destOrd="0" presId="urn:microsoft.com/office/officeart/2008/layout/VerticalCurvedList"/>
     <dgm:cxn modelId="{2EFFA8EE-10FB-43AB-9876-8922BF4571C6}" type="presOf" srcId="{CA077D98-8478-47EA-B6A9-99ACE60C64D4}" destId="{F99EDADB-C523-4181-8E2F-AC3620E5F7DB}" srcOrd="0" destOrd="0" presId="urn:microsoft.com/office/officeart/2008/layout/VerticalCurvedList"/>
+    <dgm:cxn modelId="{619B03F8-EBF5-4D8E-BAD9-2B75702D4EE9}" type="presOf" srcId="{3CA63C95-CE7E-4CCD-B671-684E5929C8E8}" destId="{002533FA-C104-4989-9766-44ED36EE0E09}" srcOrd="0" destOrd="0" presId="urn:microsoft.com/office/officeart/2008/layout/VerticalCurvedList"/>
     <dgm:cxn modelId="{20294F51-FC61-4069-8E54-AB1013A1174E}" type="presParOf" srcId="{22910523-63B1-4B45-A59B-1E5B9864C020}" destId="{FDE3B96E-85E7-479B-816F-4A8BB45D858A}" srcOrd="0" destOrd="0" presId="urn:microsoft.com/office/officeart/2008/layout/VerticalCurvedList"/>
     <dgm:cxn modelId="{8BC6CF3C-A2B0-4843-9E47-4909D1BAD91A}" type="presParOf" srcId="{FDE3B96E-85E7-479B-816F-4A8BB45D858A}" destId="{BA68D321-EC13-4042-A316-F5443D2912A7}" srcOrd="0" destOrd="0" presId="urn:microsoft.com/office/officeart/2008/layout/VerticalCurvedList"/>
     <dgm:cxn modelId="{9D97A466-6531-478D-AB05-B8BD634B3450}" type="presParOf" srcId="{BA68D321-EC13-4042-A316-F5443D2912A7}" destId="{98E378BB-772D-4E91-9CD7-F32E1FEFF3BF}" srcOrd="0" destOrd="0" presId="urn:microsoft.com/office/officeart/2008/layout/VerticalCurvedList"/>
@@ -6477,9 +6602,15 @@
     <dgm:cxn modelId="{CEBA5D35-DAC4-41BA-A29A-2464F170FFF2}" type="presParOf" srcId="{FDE3B96E-85E7-479B-816F-4A8BB45D858A}" destId="{72029F4C-9592-4B85-849C-6C0858C3391A}" srcOrd="7" destOrd="0" presId="urn:microsoft.com/office/officeart/2008/layout/VerticalCurvedList"/>
     <dgm:cxn modelId="{44EB454E-9DB1-4981-BAE7-6E5EFC399E00}" type="presParOf" srcId="{FDE3B96E-85E7-479B-816F-4A8BB45D858A}" destId="{51982B69-119D-4D68-A875-D95EB5432581}" srcOrd="8" destOrd="0" presId="urn:microsoft.com/office/officeart/2008/layout/VerticalCurvedList"/>
     <dgm:cxn modelId="{D2ABA69B-1AA9-47EF-9E06-E89E224090AB}" type="presParOf" srcId="{51982B69-119D-4D68-A875-D95EB5432581}" destId="{8089D354-E1E2-48D0-A0EC-7BB4B93E76DF}" srcOrd="0" destOrd="0" presId="urn:microsoft.com/office/officeart/2008/layout/VerticalCurvedList"/>
-    <dgm:cxn modelId="{61C08222-EF71-4A84-8105-12317FFE3D12}" type="presParOf" srcId="{FDE3B96E-85E7-479B-816F-4A8BB45D858A}" destId="{6640D085-5645-43C0-B6B3-645B3BD200D6}" srcOrd="9" destOrd="0" presId="urn:microsoft.com/office/officeart/2008/layout/VerticalCurvedList"/>
-    <dgm:cxn modelId="{598F9346-8FBD-49A6-B399-CD1554B27C90}" type="presParOf" srcId="{FDE3B96E-85E7-479B-816F-4A8BB45D858A}" destId="{77727FC0-8AFF-4273-95D4-EA9C2CCA3190}" srcOrd="10" destOrd="0" presId="urn:microsoft.com/office/officeart/2008/layout/VerticalCurvedList"/>
-    <dgm:cxn modelId="{EF1F6796-8213-4914-B9E4-4A199FF64ABF}" type="presParOf" srcId="{77727FC0-8AFF-4273-95D4-EA9C2CCA3190}" destId="{FDC5C87A-297C-44D9-8677-970CD576DB56}" srcOrd="0" destOrd="0" presId="urn:microsoft.com/office/officeart/2008/layout/VerticalCurvedList"/>
+    <dgm:cxn modelId="{38FCF0FB-3EB8-4239-BC9E-E1E7C203A0B9}" type="presParOf" srcId="{FDE3B96E-85E7-479B-816F-4A8BB45D858A}" destId="{052D05C6-8256-4769-A688-DADC71A4BA8A}" srcOrd="9" destOrd="0" presId="urn:microsoft.com/office/officeart/2008/layout/VerticalCurvedList"/>
+    <dgm:cxn modelId="{7106E6A1-2078-45BE-AA86-D34C13FB6152}" type="presParOf" srcId="{FDE3B96E-85E7-479B-816F-4A8BB45D858A}" destId="{F6048A42-3B1A-4BD0-8726-450DC5323B2C}" srcOrd="10" destOrd="0" presId="urn:microsoft.com/office/officeart/2008/layout/VerticalCurvedList"/>
+    <dgm:cxn modelId="{B8E6A37B-CF06-4CBF-A7DB-619CECF33B62}" type="presParOf" srcId="{F6048A42-3B1A-4BD0-8726-450DC5323B2C}" destId="{D7AA906C-2D04-4FA0-AD45-165DEFAF6022}" srcOrd="0" destOrd="0" presId="urn:microsoft.com/office/officeart/2008/layout/VerticalCurvedList"/>
+    <dgm:cxn modelId="{E0001ADB-DFAE-4623-98DC-1ECFA9F1BCEB}" type="presParOf" srcId="{FDE3B96E-85E7-479B-816F-4A8BB45D858A}" destId="{2901A785-F73A-4665-A90B-77E4A52C30B8}" srcOrd="11" destOrd="0" presId="urn:microsoft.com/office/officeart/2008/layout/VerticalCurvedList"/>
+    <dgm:cxn modelId="{76EAD489-8774-43C6-81BA-B744E92218F0}" type="presParOf" srcId="{FDE3B96E-85E7-479B-816F-4A8BB45D858A}" destId="{55EC8576-1DA5-45BC-A30F-725C751326E3}" srcOrd="12" destOrd="0" presId="urn:microsoft.com/office/officeart/2008/layout/VerticalCurvedList"/>
+    <dgm:cxn modelId="{89A2BBDA-112C-40EA-86E0-8B6B3F1B36C4}" type="presParOf" srcId="{55EC8576-1DA5-45BC-A30F-725C751326E3}" destId="{84A3AB0C-6444-489C-AFA8-31C7B5060780}" srcOrd="0" destOrd="0" presId="urn:microsoft.com/office/officeart/2008/layout/VerticalCurvedList"/>
+    <dgm:cxn modelId="{423B796D-3927-48CD-A483-D2F3F6F7D397}" type="presParOf" srcId="{FDE3B96E-85E7-479B-816F-4A8BB45D858A}" destId="{002533FA-C104-4989-9766-44ED36EE0E09}" srcOrd="13" destOrd="0" presId="urn:microsoft.com/office/officeart/2008/layout/VerticalCurvedList"/>
+    <dgm:cxn modelId="{8E630753-8D4F-4F4D-8CF3-ABB7C3F602C3}" type="presParOf" srcId="{FDE3B96E-85E7-479B-816F-4A8BB45D858A}" destId="{FB16B94E-3A23-4197-B727-B2BCE8813F80}" srcOrd="14" destOrd="0" presId="urn:microsoft.com/office/officeart/2008/layout/VerticalCurvedList"/>
+    <dgm:cxn modelId="{890C7CFA-F8E4-4286-A33F-26ACDD4AC5F6}" type="presParOf" srcId="{FB16B94E-3A23-4197-B727-B2BCE8813F80}" destId="{FDC5C87A-297C-44D9-8677-970CD576DB56}" srcOrd="0" destOrd="0" presId="urn:microsoft.com/office/officeart/2008/layout/VerticalCurvedList"/>
   </dgm:cxnLst>
   <dgm:bg/>
   <dgm:whole/>
@@ -9686,8 +9817,8 @@
       </dsp:nvSpPr>
       <dsp:spPr>
         <a:xfrm>
-          <a:off x="338329" y="222674"/>
-          <a:ext cx="6604000" cy="445634"/>
+          <a:off x="250300" y="162016"/>
+          <a:ext cx="6692030" cy="323890"/>
         </a:xfrm>
         <a:prstGeom prst="rect">
           <a:avLst/>
@@ -9743,12 +9874,12 @@
         </a:fontRef>
       </dsp:style>
       <dsp:txBody>
-        <a:bodyPr spcFirstLastPara="0" vert="horz" wrap="square" lIns="353723" tIns="55880" rIns="55880" bIns="55880" numCol="1" spcCol="1270" rtlCol="0" anchor="ctr" anchorCtr="0">
+        <a:bodyPr spcFirstLastPara="0" vert="horz" wrap="square" lIns="257088" tIns="40640" rIns="40640" bIns="40640" numCol="1" spcCol="1270" rtlCol="0" anchor="ctr" anchorCtr="0">
           <a:noAutofit/>
         </a:bodyPr>
         <a:lstStyle/>
         <a:p>
-          <a:pPr marL="0" lvl="0" indent="0" algn="l" defTabSz="977900" rtl="0">
+          <a:pPr marL="0" lvl="0" indent="0" algn="l" defTabSz="711200" rtl="0">
             <a:lnSpc>
               <a:spcPct val="100000"/>
             </a:lnSpc>
@@ -9761,14 +9892,14 @@
             <a:buNone/>
           </a:pPr>
           <a:r>
-            <a:rPr lang="it-IT" sz="2200" kern="1200" noProof="0" dirty="0"/>
+            <a:rPr lang="it-IT" sz="1600" kern="1200" noProof="0" dirty="0"/>
             <a:t>Introduzione</a:t>
           </a:r>
         </a:p>
       </dsp:txBody>
       <dsp:txXfrm>
-        <a:off x="338329" y="222674"/>
-        <a:ext cx="6604000" cy="445634"/>
+        <a:off x="250300" y="162016"/>
+        <a:ext cx="6692030" cy="323890"/>
       </dsp:txXfrm>
     </dsp:sp>
     <dsp:sp modelId="{AC056F4F-7013-4E8D-9EE7-F0EC657FC91B}">
@@ -9778,8 +9909,8 @@
       </dsp:nvSpPr>
       <dsp:spPr>
         <a:xfrm>
-          <a:off x="59807" y="166970"/>
-          <a:ext cx="557043" cy="557043"/>
+          <a:off x="47868" y="121530"/>
+          <a:ext cx="404863" cy="404863"/>
         </a:xfrm>
         <a:prstGeom prst="ellipse">
           <a:avLst/>
@@ -9825,8 +9956,8 @@
       </dsp:nvSpPr>
       <dsp:spPr>
         <a:xfrm>
-          <a:off x="657658" y="890913"/>
-          <a:ext cx="6284672" cy="445634"/>
+          <a:off x="543612" y="648137"/>
+          <a:ext cx="6398718" cy="323890"/>
         </a:xfrm>
         <a:prstGeom prst="rect">
           <a:avLst/>
@@ -9882,12 +10013,12 @@
         </a:fontRef>
       </dsp:style>
       <dsp:txBody>
-        <a:bodyPr spcFirstLastPara="0" vert="horz" wrap="square" lIns="353723" tIns="55880" rIns="55880" bIns="55880" numCol="1" spcCol="1270" rtlCol="0" anchor="ctr" anchorCtr="0">
+        <a:bodyPr spcFirstLastPara="0" vert="horz" wrap="square" lIns="257088" tIns="40640" rIns="40640" bIns="40640" numCol="1" spcCol="1270" rtlCol="0" anchor="ctr" anchorCtr="0">
           <a:noAutofit/>
         </a:bodyPr>
         <a:lstStyle/>
         <a:p>
-          <a:pPr marL="0" lvl="0" indent="0" algn="l" defTabSz="977900" rtl="0">
+          <a:pPr marL="0" lvl="0" indent="0" algn="l" defTabSz="711200" rtl="0">
             <a:lnSpc>
               <a:spcPct val="100000"/>
             </a:lnSpc>
@@ -9900,14 +10031,14 @@
             <a:buNone/>
           </a:pPr>
           <a:r>
-            <a:rPr lang="it-IT" sz="2200" kern="1200" noProof="0" dirty="0"/>
+            <a:rPr lang="it-IT" sz="1600" kern="1200" noProof="0" dirty="0"/>
             <a:t>Funzionamento</a:t>
           </a:r>
         </a:p>
       </dsp:txBody>
       <dsp:txXfrm>
-        <a:off x="657658" y="890913"/>
-        <a:ext cx="6284672" cy="445634"/>
+        <a:off x="543612" y="648137"/>
+        <a:ext cx="6398718" cy="323890"/>
       </dsp:txXfrm>
     </dsp:sp>
     <dsp:sp modelId="{7AF82817-DFC4-4EE3-99B2-E8E57D4F4F19}">
@@ -9917,8 +10048,8 @@
       </dsp:nvSpPr>
       <dsp:spPr>
         <a:xfrm>
-          <a:off x="379136" y="835208"/>
-          <a:ext cx="557043" cy="557043"/>
+          <a:off x="341180" y="607651"/>
+          <a:ext cx="404863" cy="404863"/>
         </a:xfrm>
         <a:prstGeom prst="ellipse">
           <a:avLst/>
@@ -9964,8 +10095,8 @@
       </dsp:nvSpPr>
       <dsp:spPr>
         <a:xfrm>
-          <a:off x="755666" y="1559151"/>
-          <a:ext cx="6186663" cy="445634"/>
+          <a:off x="704345" y="1133902"/>
+          <a:ext cx="6237984" cy="323890"/>
         </a:xfrm>
         <a:prstGeom prst="rect">
           <a:avLst/>
@@ -10021,12 +10152,12 @@
         </a:fontRef>
       </dsp:style>
       <dsp:txBody>
-        <a:bodyPr spcFirstLastPara="0" vert="horz" wrap="square" lIns="353723" tIns="55880" rIns="55880" bIns="55880" numCol="1" spcCol="1270" rtlCol="0" anchor="ctr" anchorCtr="0">
+        <a:bodyPr spcFirstLastPara="0" vert="horz" wrap="square" lIns="257088" tIns="40640" rIns="40640" bIns="40640" numCol="1" spcCol="1270" rtlCol="0" anchor="ctr" anchorCtr="0">
           <a:noAutofit/>
         </a:bodyPr>
         <a:lstStyle/>
         <a:p>
-          <a:pPr marL="0" lvl="0" indent="0" algn="l" defTabSz="977900" rtl="0">
+          <a:pPr marL="0" lvl="0" indent="0" algn="l" defTabSz="711200" rtl="0">
             <a:lnSpc>
               <a:spcPct val="100000"/>
             </a:lnSpc>
@@ -10039,14 +10170,14 @@
             <a:buNone/>
           </a:pPr>
           <a:r>
-            <a:rPr lang="it-IT" sz="2200" kern="1200" noProof="0" dirty="0"/>
+            <a:rPr lang="it-IT" sz="1600" kern="1200" noProof="0" dirty="0"/>
             <a:t>Utilizzi</a:t>
           </a:r>
         </a:p>
       </dsp:txBody>
       <dsp:txXfrm>
-        <a:off x="755666" y="1559151"/>
-        <a:ext cx="6186663" cy="445634"/>
+        <a:off x="704345" y="1133902"/>
+        <a:ext cx="6237984" cy="323890"/>
       </dsp:txXfrm>
     </dsp:sp>
     <dsp:sp modelId="{7D7D3BA7-F17E-40C8-9B20-4C6D06079711}">
@@ -10056,8 +10187,8 @@
       </dsp:nvSpPr>
       <dsp:spPr>
         <a:xfrm>
-          <a:off x="477144" y="1503447"/>
-          <a:ext cx="557043" cy="557043"/>
+          <a:off x="501914" y="1093416"/>
+          <a:ext cx="404863" cy="404863"/>
         </a:xfrm>
         <a:prstGeom prst="ellipse">
           <a:avLst/>
@@ -10103,8 +10234,8 @@
       </dsp:nvSpPr>
       <dsp:spPr>
         <a:xfrm>
-          <a:off x="657658" y="2227389"/>
-          <a:ext cx="6284672" cy="445634"/>
+          <a:off x="755666" y="1620023"/>
+          <a:ext cx="6186663" cy="323890"/>
         </a:xfrm>
         <a:prstGeom prst="rect">
           <a:avLst/>
@@ -10160,12 +10291,12 @@
         </a:fontRef>
       </dsp:style>
       <dsp:txBody>
-        <a:bodyPr spcFirstLastPara="0" vert="horz" wrap="square" lIns="353723" tIns="55880" rIns="55880" bIns="55880" numCol="1" spcCol="1270" rtlCol="0" anchor="ctr" anchorCtr="0">
+        <a:bodyPr spcFirstLastPara="0" vert="horz" wrap="square" lIns="257088" tIns="40640" rIns="40640" bIns="40640" numCol="1" spcCol="1270" rtlCol="0" anchor="ctr" anchorCtr="0">
           <a:noAutofit/>
         </a:bodyPr>
         <a:lstStyle/>
         <a:p>
-          <a:pPr marL="0" lvl="0" indent="0" algn="l" defTabSz="977900" rtl="0">
+          <a:pPr marL="0" lvl="0" indent="0" algn="l" defTabSz="711200" rtl="0">
             <a:lnSpc>
               <a:spcPct val="100000"/>
             </a:lnSpc>
@@ -10178,14 +10309,14 @@
             <a:buNone/>
           </a:pPr>
           <a:r>
-            <a:rPr lang="it-IT" sz="2200" kern="1200" noProof="0" dirty="0"/>
+            <a:rPr lang="it-IT" sz="1600" kern="1200" noProof="0" dirty="0"/>
             <a:t>Novità</a:t>
           </a:r>
         </a:p>
       </dsp:txBody>
       <dsp:txXfrm>
-        <a:off x="657658" y="2227389"/>
-        <a:ext cx="6284672" cy="445634"/>
+        <a:off x="755666" y="1620023"/>
+        <a:ext cx="6186663" cy="323890"/>
       </dsp:txXfrm>
     </dsp:sp>
     <dsp:sp modelId="{8089D354-E1E2-48D0-A0EC-7BB4B93E76DF}">
@@ -10195,8 +10326,8 @@
       </dsp:nvSpPr>
       <dsp:spPr>
         <a:xfrm>
-          <a:off x="379136" y="2171685"/>
-          <a:ext cx="557043" cy="557043"/>
+          <a:off x="553234" y="1579537"/>
+          <a:ext cx="404863" cy="404863"/>
         </a:xfrm>
         <a:prstGeom prst="ellipse">
           <a:avLst/>
@@ -10235,15 +10366,15 @@
         <a:fontRef idx="minor"/>
       </dsp:style>
     </dsp:sp>
-    <dsp:sp modelId="{6640D085-5645-43C0-B6B3-645B3BD200D6}">
+    <dsp:sp modelId="{052D05C6-8256-4769-A688-DADC71A4BA8A}">
       <dsp:nvSpPr>
         <dsp:cNvPr id="0" name=""/>
         <dsp:cNvSpPr/>
       </dsp:nvSpPr>
       <dsp:spPr>
         <a:xfrm>
-          <a:off x="338329" y="2895628"/>
-          <a:ext cx="6604000" cy="445634"/>
+          <a:off x="704345" y="2106144"/>
+          <a:ext cx="6237984" cy="323890"/>
         </a:xfrm>
         <a:prstGeom prst="rect">
           <a:avLst/>
@@ -10299,12 +10430,12 @@
         </a:fontRef>
       </dsp:style>
       <dsp:txBody>
-        <a:bodyPr spcFirstLastPara="0" vert="horz" wrap="square" lIns="353723" tIns="55880" rIns="55880" bIns="55880" numCol="1" spcCol="1270" rtlCol="0" anchor="ctr" anchorCtr="0">
+        <a:bodyPr spcFirstLastPara="0" vert="horz" wrap="square" lIns="257088" tIns="40640" rIns="40640" bIns="40640" numCol="1" spcCol="1270" rtlCol="0" anchor="ctr" anchorCtr="0">
           <a:noAutofit/>
         </a:bodyPr>
         <a:lstStyle/>
         <a:p>
-          <a:pPr marL="0" lvl="0" indent="0" algn="l" defTabSz="977900" rtl="0">
+          <a:pPr marL="0" lvl="0" indent="0" algn="l" defTabSz="711200" rtl="0">
             <a:lnSpc>
               <a:spcPct val="100000"/>
             </a:lnSpc>
@@ -10317,14 +10448,292 @@
             <a:buNone/>
           </a:pPr>
           <a:r>
-            <a:rPr lang="it-IT" sz="2200" kern="1200" noProof="0" dirty="0"/>
+            <a:rPr lang="it-IT" sz="1600" kern="1200" noProof="0" dirty="0"/>
+            <a:t>Integrazione Android</a:t>
+          </a:r>
+        </a:p>
+      </dsp:txBody>
+      <dsp:txXfrm>
+        <a:off x="704345" y="2106144"/>
+        <a:ext cx="6237984" cy="323890"/>
+      </dsp:txXfrm>
+    </dsp:sp>
+    <dsp:sp modelId="{D7AA906C-2D04-4FA0-AD45-165DEFAF6022}">
+      <dsp:nvSpPr>
+        <dsp:cNvPr id="0" name=""/>
+        <dsp:cNvSpPr/>
+      </dsp:nvSpPr>
+      <dsp:spPr>
+        <a:xfrm>
+          <a:off x="501914" y="2065658"/>
+          <a:ext cx="404863" cy="404863"/>
+        </a:xfrm>
+        <a:prstGeom prst="ellipse">
+          <a:avLst/>
+        </a:prstGeom>
+        <a:solidFill>
+          <a:schemeClr val="lt1">
+            <a:hueOff val="0"/>
+            <a:satOff val="0"/>
+            <a:lumOff val="0"/>
+            <a:alphaOff val="0"/>
+          </a:schemeClr>
+        </a:solidFill>
+        <a:ln w="12700" cap="rnd" cmpd="sng" algn="ctr">
+          <a:solidFill>
+            <a:schemeClr val="accent2">
+              <a:hueOff val="0"/>
+              <a:satOff val="0"/>
+              <a:lumOff val="0"/>
+              <a:alphaOff val="0"/>
+            </a:schemeClr>
+          </a:solidFill>
+          <a:prstDash val="solid"/>
+        </a:ln>
+        <a:effectLst/>
+      </dsp:spPr>
+      <dsp:style>
+        <a:lnRef idx="1">
+          <a:scrgbClr r="0" g="0" b="0"/>
+        </a:lnRef>
+        <a:fillRef idx="1">
+          <a:scrgbClr r="0" g="0" b="0"/>
+        </a:fillRef>
+        <a:effectRef idx="0">
+          <a:scrgbClr r="0" g="0" b="0"/>
+        </a:effectRef>
+        <a:fontRef idx="minor"/>
+      </dsp:style>
+    </dsp:sp>
+    <dsp:sp modelId="{2901A785-F73A-4665-A90B-77E4A52C30B8}">
+      <dsp:nvSpPr>
+        <dsp:cNvPr id="0" name=""/>
+        <dsp:cNvSpPr/>
+      </dsp:nvSpPr>
+      <dsp:spPr>
+        <a:xfrm>
+          <a:off x="543612" y="2591909"/>
+          <a:ext cx="6398718" cy="323890"/>
+        </a:xfrm>
+        <a:prstGeom prst="rect">
+          <a:avLst/>
+        </a:prstGeom>
+        <a:gradFill rotWithShape="0">
+          <a:gsLst>
+            <a:gs pos="0">
+              <a:schemeClr val="accent2">
+                <a:hueOff val="0"/>
+                <a:satOff val="0"/>
+                <a:lumOff val="0"/>
+                <a:alphaOff val="0"/>
+                <a:tint val="98000"/>
+                <a:lumMod val="110000"/>
+              </a:schemeClr>
+            </a:gs>
+            <a:gs pos="84000">
+              <a:schemeClr val="accent2">
+                <a:hueOff val="0"/>
+                <a:satOff val="0"/>
+                <a:lumOff val="0"/>
+                <a:alphaOff val="0"/>
+                <a:shade val="90000"/>
+                <a:lumMod val="88000"/>
+              </a:schemeClr>
+            </a:gs>
+          </a:gsLst>
+          <a:lin ang="5400000" scaled="0"/>
+        </a:gradFill>
+        <a:ln>
+          <a:noFill/>
+        </a:ln>
+        <a:effectLst>
+          <a:outerShdw blurRad="38100" dist="25400" dir="5400000" rotWithShape="0">
+            <a:srgbClr val="000000">
+              <a:alpha val="55000"/>
+            </a:srgbClr>
+          </a:outerShdw>
+        </a:effectLst>
+      </dsp:spPr>
+      <dsp:style>
+        <a:lnRef idx="0">
+          <a:scrgbClr r="0" g="0" b="0"/>
+        </a:lnRef>
+        <a:fillRef idx="3">
+          <a:scrgbClr r="0" g="0" b="0"/>
+        </a:fillRef>
+        <a:effectRef idx="2">
+          <a:scrgbClr r="0" g="0" b="0"/>
+        </a:effectRef>
+        <a:fontRef idx="minor">
+          <a:schemeClr val="lt1"/>
+        </a:fontRef>
+      </dsp:style>
+      <dsp:txBody>
+        <a:bodyPr spcFirstLastPara="0" vert="horz" wrap="square" lIns="257088" tIns="40640" rIns="40640" bIns="40640" numCol="1" spcCol="1270" rtlCol="0" anchor="ctr" anchorCtr="0">
+          <a:noAutofit/>
+        </a:bodyPr>
+        <a:lstStyle/>
+        <a:p>
+          <a:pPr marL="0" lvl="0" indent="0" algn="l" defTabSz="711200" rtl="0">
+            <a:lnSpc>
+              <a:spcPct val="100000"/>
+            </a:lnSpc>
+            <a:spcBef>
+              <a:spcPct val="0"/>
+            </a:spcBef>
+            <a:spcAft>
+              <a:spcPct val="35000"/>
+            </a:spcAft>
+            <a:buNone/>
+          </a:pPr>
+          <a:r>
+            <a:rPr lang="it-IT" sz="1600" kern="1200" noProof="0" dirty="0"/>
+            <a:t>Integrazione iOS</a:t>
+          </a:r>
+        </a:p>
+      </dsp:txBody>
+      <dsp:txXfrm>
+        <a:off x="543612" y="2591909"/>
+        <a:ext cx="6398718" cy="323890"/>
+      </dsp:txXfrm>
+    </dsp:sp>
+    <dsp:sp modelId="{84A3AB0C-6444-489C-AFA8-31C7B5060780}">
+      <dsp:nvSpPr>
+        <dsp:cNvPr id="0" name=""/>
+        <dsp:cNvSpPr/>
+      </dsp:nvSpPr>
+      <dsp:spPr>
+        <a:xfrm>
+          <a:off x="341180" y="2551423"/>
+          <a:ext cx="404863" cy="404863"/>
+        </a:xfrm>
+        <a:prstGeom prst="ellipse">
+          <a:avLst/>
+        </a:prstGeom>
+        <a:solidFill>
+          <a:schemeClr val="lt1">
+            <a:hueOff val="0"/>
+            <a:satOff val="0"/>
+            <a:lumOff val="0"/>
+            <a:alphaOff val="0"/>
+          </a:schemeClr>
+        </a:solidFill>
+        <a:ln w="12700" cap="rnd" cmpd="sng" algn="ctr">
+          <a:solidFill>
+            <a:schemeClr val="accent2">
+              <a:hueOff val="0"/>
+              <a:satOff val="0"/>
+              <a:lumOff val="0"/>
+              <a:alphaOff val="0"/>
+            </a:schemeClr>
+          </a:solidFill>
+          <a:prstDash val="solid"/>
+        </a:ln>
+        <a:effectLst/>
+      </dsp:spPr>
+      <dsp:style>
+        <a:lnRef idx="1">
+          <a:scrgbClr r="0" g="0" b="0"/>
+        </a:lnRef>
+        <a:fillRef idx="1">
+          <a:scrgbClr r="0" g="0" b="0"/>
+        </a:fillRef>
+        <a:effectRef idx="0">
+          <a:scrgbClr r="0" g="0" b="0"/>
+        </a:effectRef>
+        <a:fontRef idx="minor"/>
+      </dsp:style>
+    </dsp:sp>
+    <dsp:sp modelId="{002533FA-C104-4989-9766-44ED36EE0E09}">
+      <dsp:nvSpPr>
+        <dsp:cNvPr id="0" name=""/>
+        <dsp:cNvSpPr/>
+      </dsp:nvSpPr>
+      <dsp:spPr>
+        <a:xfrm>
+          <a:off x="250300" y="3078030"/>
+          <a:ext cx="6692030" cy="323890"/>
+        </a:xfrm>
+        <a:prstGeom prst="rect">
+          <a:avLst/>
+        </a:prstGeom>
+        <a:gradFill rotWithShape="0">
+          <a:gsLst>
+            <a:gs pos="0">
+              <a:schemeClr val="accent2">
+                <a:hueOff val="0"/>
+                <a:satOff val="0"/>
+                <a:lumOff val="0"/>
+                <a:alphaOff val="0"/>
+                <a:tint val="98000"/>
+                <a:lumMod val="110000"/>
+              </a:schemeClr>
+            </a:gs>
+            <a:gs pos="84000">
+              <a:schemeClr val="accent2">
+                <a:hueOff val="0"/>
+                <a:satOff val="0"/>
+                <a:lumOff val="0"/>
+                <a:alphaOff val="0"/>
+                <a:shade val="90000"/>
+                <a:lumMod val="88000"/>
+              </a:schemeClr>
+            </a:gs>
+          </a:gsLst>
+          <a:lin ang="5400000" scaled="0"/>
+        </a:gradFill>
+        <a:ln>
+          <a:noFill/>
+        </a:ln>
+        <a:effectLst>
+          <a:outerShdw blurRad="38100" dist="25400" dir="5400000" rotWithShape="0">
+            <a:srgbClr val="000000">
+              <a:alpha val="55000"/>
+            </a:srgbClr>
+          </a:outerShdw>
+        </a:effectLst>
+      </dsp:spPr>
+      <dsp:style>
+        <a:lnRef idx="0">
+          <a:scrgbClr r="0" g="0" b="0"/>
+        </a:lnRef>
+        <a:fillRef idx="3">
+          <a:scrgbClr r="0" g="0" b="0"/>
+        </a:fillRef>
+        <a:effectRef idx="2">
+          <a:scrgbClr r="0" g="0" b="0"/>
+        </a:effectRef>
+        <a:fontRef idx="minor">
+          <a:schemeClr val="lt1"/>
+        </a:fontRef>
+      </dsp:style>
+      <dsp:txBody>
+        <a:bodyPr spcFirstLastPara="0" vert="horz" wrap="square" lIns="257088" tIns="40640" rIns="40640" bIns="40640" numCol="1" spcCol="1270" rtlCol="0" anchor="ctr" anchorCtr="0">
+          <a:noAutofit/>
+        </a:bodyPr>
+        <a:lstStyle/>
+        <a:p>
+          <a:pPr marL="0" lvl="0" indent="0" algn="l" defTabSz="711200" rtl="0">
+            <a:lnSpc>
+              <a:spcPct val="100000"/>
+            </a:lnSpc>
+            <a:spcBef>
+              <a:spcPct val="0"/>
+            </a:spcBef>
+            <a:spcAft>
+              <a:spcPct val="35000"/>
+            </a:spcAft>
+            <a:buNone/>
+          </a:pPr>
+          <a:r>
+            <a:rPr lang="it-IT" sz="1600" kern="1200" noProof="0" dirty="0"/>
             <a:t>Conclusioni</a:t>
           </a:r>
         </a:p>
       </dsp:txBody>
       <dsp:txXfrm>
-        <a:off x="338329" y="2895628"/>
-        <a:ext cx="6604000" cy="445634"/>
+        <a:off x="250300" y="3078030"/>
+        <a:ext cx="6692030" cy="323890"/>
       </dsp:txXfrm>
     </dsp:sp>
     <dsp:sp modelId="{FDC5C87A-297C-44D9-8677-970CD576DB56}">
@@ -10334,8 +10743,8 @@
       </dsp:nvSpPr>
       <dsp:spPr>
         <a:xfrm>
-          <a:off x="59807" y="2839923"/>
-          <a:ext cx="557043" cy="557043"/>
+          <a:off x="47868" y="3037544"/>
+          <a:ext cx="404863" cy="404863"/>
         </a:xfrm>
         <a:prstGeom prst="ellipse">
           <a:avLst/>
@@ -26413,7 +26822,7 @@
             <a:pPr rtl="0"/>
             <a:fld id="{C0FA3576-2E34-44A5-91FF-3C53AC3DA648}" type="datetime1">
               <a:rPr lang="it-IT" smtClean="0"/>
-              <a:t>29/03/2023</a:t>
+              <a:t>04/04/2023</a:t>
             </a:fld>
             <a:endParaRPr lang="it-IT"/>
           </a:p>
@@ -26595,7 +27004,7 @@
             <a:fld id="{F8F21FEC-DF32-4E90-A279-29D5C0BB0773}" type="datetime1">
               <a:rPr lang="it-IT" smtClean="0"/>
               <a:pPr/>
-              <a:t>29/03/2023</a:t>
+              <a:t>04/04/2023</a:t>
             </a:fld>
             <a:endParaRPr lang="it-IT" dirty="0"/>
           </a:p>
@@ -27001,7 +27410,7 @@
           <a:lstStyle/>
           <a:p>
             <a:pPr rtl="0"/>
-            <a:endParaRPr lang="it-IT"/>
+            <a:endParaRPr lang="it-IT" dirty="0"/>
           </a:p>
         </p:txBody>
       </p:sp>
@@ -27743,7 +28152,7 @@
             <a:pPr rtl="0"/>
             <a:fld id="{C6B3AB32-59DF-41F1-9618-EDFBF5049629}" type="slidenum">
               <a:rPr lang="it-IT" smtClean="0"/>
-              <a:t>9</a:t>
+              <a:t>16</a:t>
             </a:fld>
             <a:endParaRPr lang="it-IT"/>
           </a:p>
@@ -28008,7 +28417,7 @@
             <a:pPr rtl="0"/>
             <a:fld id="{87A23933-3F77-4C59-A775-45E2435C8368}" type="datetime1">
               <a:rPr lang="it-IT" noProof="0" smtClean="0"/>
-              <a:t>29/03/2023</a:t>
+              <a:t>04/04/2023</a:t>
             </a:fld>
             <a:endParaRPr lang="it-IT" noProof="0"/>
           </a:p>
@@ -28273,7 +28682,7 @@
             <a:pPr rtl="0"/>
             <a:fld id="{4B4ECE9F-4108-4829-8F23-DFA9C926965D}" type="datetime1">
               <a:rPr lang="it-IT" noProof="0" smtClean="0"/>
-              <a:t>29/03/2023</a:t>
+              <a:t>04/04/2023</a:t>
             </a:fld>
             <a:endParaRPr lang="it-IT" noProof="0"/>
           </a:p>
@@ -28511,7 +28920,7 @@
             <a:pPr rtl="0"/>
             <a:fld id="{2AB59B6B-A2EF-4B30-AEF7-A3091D0F5449}" type="datetime1">
               <a:rPr lang="it-IT" noProof="0" smtClean="0"/>
-              <a:t>29/03/2023</a:t>
+              <a:t>04/04/2023</a:t>
             </a:fld>
             <a:endParaRPr lang="it-IT" noProof="0" dirty="0"/>
           </a:p>
@@ -28754,7 +29163,7 @@
             <a:pPr rtl="0"/>
             <a:fld id="{7F3FB14C-AC96-42E5-BE0B-73EFAA1A7EA7}" type="datetime1">
               <a:rPr lang="it-IT" noProof="0" smtClean="0"/>
-              <a:t>29/03/2023</a:t>
+              <a:t>04/04/2023</a:t>
             </a:fld>
             <a:endParaRPr lang="it-IT" noProof="0"/>
           </a:p>
@@ -29065,7 +29474,7 @@
             <a:pPr rtl="0"/>
             <a:fld id="{76327E91-20FF-43F1-A337-75953C73E7D7}" type="datetime1">
               <a:rPr lang="it-IT" noProof="0" smtClean="0"/>
-              <a:t>29/03/2023</a:t>
+              <a:t>04/04/2023</a:t>
             </a:fld>
             <a:endParaRPr lang="it-IT" noProof="0"/>
           </a:p>
@@ -29369,7 +29778,7 @@
             <a:pPr rtl="0"/>
             <a:fld id="{9EDCB701-B7F2-4988-9CFB-241C1D412354}" type="datetime1">
               <a:rPr lang="it-IT" noProof="0" smtClean="0"/>
-              <a:t>29/03/2023</a:t>
+              <a:t>04/04/2023</a:t>
             </a:fld>
             <a:endParaRPr lang="it-IT" noProof="0"/>
           </a:p>
@@ -29793,7 +30202,7 @@
             <a:pPr rtl="0"/>
             <a:fld id="{4B9B0459-76CC-4B94-A6C6-908B17D42BC8}" type="datetime1">
               <a:rPr lang="it-IT" noProof="0" smtClean="0"/>
-              <a:t>29/03/2023</a:t>
+              <a:t>04/04/2023</a:t>
             </a:fld>
             <a:endParaRPr lang="it-IT" noProof="0"/>
           </a:p>
@@ -29892,7 +30301,7 @@
             <a:pPr rtl="0"/>
             <a:fld id="{62D572E4-8572-44CF-B6FA-B15ECB2B0691}" type="datetime1">
               <a:rPr lang="it-IT" noProof="0" smtClean="0"/>
-              <a:t>29/03/2023</a:t>
+              <a:t>04/04/2023</a:t>
             </a:fld>
             <a:endParaRPr lang="it-IT" noProof="0"/>
           </a:p>
@@ -30058,7 +30467,7 @@
             <a:pPr rtl="0"/>
             <a:fld id="{5F266B29-8DDF-40ED-AC5D-ED73AC5A6521}" type="datetime1">
               <a:rPr lang="it-IT" noProof="0" smtClean="0"/>
-              <a:t>29/03/2023</a:t>
+              <a:t>04/04/2023</a:t>
             </a:fld>
             <a:endParaRPr lang="it-IT" noProof="0"/>
           </a:p>
@@ -30439,7 +30848,7 @@
             <a:pPr rtl="0"/>
             <a:fld id="{4CFC7787-2DFD-4221-B49C-354C37128239}" type="datetime1">
               <a:rPr lang="it-IT" noProof="0" smtClean="0"/>
-              <a:t>29/03/2023</a:t>
+              <a:t>04/04/2023</a:t>
             </a:fld>
             <a:endParaRPr lang="it-IT" noProof="0"/>
           </a:p>
@@ -30732,7 +31141,7 @@
             <a:pPr rtl="0"/>
             <a:fld id="{D3F07A8F-C5D3-4128-B052-E864993A59CE}" type="datetime1">
               <a:rPr lang="it-IT" noProof="0" smtClean="0"/>
-              <a:t>29/03/2023</a:t>
+              <a:t>04/04/2023</a:t>
             </a:fld>
             <a:endParaRPr lang="it-IT" noProof="0"/>
           </a:p>
@@ -30946,7 +31355,7 @@
             <a:pPr rtl="0"/>
             <a:fld id="{A36BACEF-F5E2-445B-BCCF-A68C06C41D7B}" type="datetime1">
               <a:rPr lang="it-IT" noProof="0" smtClean="0"/>
-              <a:t>29/03/2023</a:t>
+              <a:t>04/04/2023</a:t>
             </a:fld>
             <a:endParaRPr lang="it-IT" noProof="0" dirty="0"/>
           </a:p>
@@ -31721,13 +32130,3211 @@
   <p:clrMapOvr>
     <a:masterClrMapping/>
   </p:clrMapOvr>
-  <mc:AlternateContent xmlns:mc="http://schemas.openxmlformats.org/markup-compatibility/2006">
-    <mc:Choice xmlns:p15="http://schemas.microsoft.com/office/powerpoint/2012/main" Requires="p15">
+  <mc:AlternateContent xmlns:mc="http://schemas.openxmlformats.org/markup-compatibility/2006" xmlns:p15="http://schemas.microsoft.com/office/powerpoint/2012/main">
+    <mc:Choice Requires="p15">
       <p:transition xmlns:p14="http://schemas.microsoft.com/office/powerpoint/2010/main" spd="slow" p14:dur="1250">
         <p15:prstTrans prst="airplane"/>
       </p:transition>
     </mc:Choice>
+    <mc:Fallback xmlns="">
+      <p:transition spd="slow">
+        <p:fade/>
+      </p:transition>
+    </mc:Fallback>
+  </mc:AlternateContent>
+</p:sld>
+</file>
+
+<file path=ppt/slides/slide10.xml><?xml version="1.0" encoding="utf-8"?>
+<p:sld xmlns:a="http://schemas.openxmlformats.org/drawingml/2006/main" xmlns:r="http://schemas.openxmlformats.org/officeDocument/2006/relationships" xmlns:p="http://schemas.openxmlformats.org/presentationml/2006/main">
+  <p:cSld>
+    <p:spTree>
+      <p:nvGrpSpPr>
+        <p:cNvPr id="1" name=""/>
+        <p:cNvGrpSpPr/>
+        <p:nvPr/>
+      </p:nvGrpSpPr>
+      <p:grpSpPr>
+        <a:xfrm>
+          <a:off x="0" y="0"/>
+          <a:ext cx="0" cy="0"/>
+          <a:chOff x="0" y="0"/>
+          <a:chExt cx="0" cy="0"/>
+        </a:xfrm>
+      </p:grpSpPr>
+      <p:sp>
+        <p:nvSpPr>
+          <p:cNvPr id="2" name="CasellaDiTesto 1">
+            <a:extLst>
+              <a:ext uri="{FF2B5EF4-FFF2-40B4-BE49-F238E27FC236}">
+                <a16:creationId xmlns:a16="http://schemas.microsoft.com/office/drawing/2014/main" id="{5FECF2D3-FD13-27F1-E07C-C27F99CFF9A2}"/>
+              </a:ext>
+            </a:extLst>
+          </p:cNvPr>
+          <p:cNvSpPr txBox="1"/>
+          <p:nvPr/>
+        </p:nvSpPr>
+        <p:spPr>
+          <a:xfrm>
+            <a:off x="349955" y="578196"/>
+            <a:ext cx="4811253" cy="369332"/>
+          </a:xfrm>
+          <a:prstGeom prst="rect">
+            <a:avLst/>
+          </a:prstGeom>
+          <a:noFill/>
+        </p:spPr>
+        <p:txBody>
+          <a:bodyPr wrap="none" rtlCol="0">
+            <a:spAutoFit/>
+          </a:bodyPr>
+          <a:lstStyle/>
+          <a:p>
+            <a:r>
+              <a:rPr lang="it-IT" dirty="0"/>
+              <a:t>Passo 4: Aggiorna la funzione </a:t>
+            </a:r>
+            <a:r>
+              <a:rPr lang="it-IT" dirty="0" err="1"/>
+              <a:t>onClick</a:t>
+            </a:r>
+            <a:r>
+              <a:rPr lang="it-IT" dirty="0"/>
+              <a:t> del pulsante</a:t>
+            </a:r>
+          </a:p>
+        </p:txBody>
+      </p:sp>
+      <p:sp>
+        <p:nvSpPr>
+          <p:cNvPr id="3" name="CasellaDiTesto 2">
+            <a:extLst>
+              <a:ext uri="{FF2B5EF4-FFF2-40B4-BE49-F238E27FC236}">
+                <a16:creationId xmlns:a16="http://schemas.microsoft.com/office/drawing/2014/main" id="{95945D44-7C77-51D2-83FA-C8B50BA35051}"/>
+              </a:ext>
+            </a:extLst>
+          </p:cNvPr>
+          <p:cNvSpPr txBox="1"/>
+          <p:nvPr/>
+        </p:nvSpPr>
+        <p:spPr>
+          <a:xfrm>
+            <a:off x="158043" y="1209635"/>
+            <a:ext cx="5788508" cy="2585323"/>
+          </a:xfrm>
+          <a:prstGeom prst="rect">
+            <a:avLst/>
+          </a:prstGeom>
+          <a:noFill/>
+        </p:spPr>
+        <p:txBody>
+          <a:bodyPr wrap="none" rtlCol="0">
+            <a:spAutoFit/>
+          </a:bodyPr>
+          <a:lstStyle/>
+          <a:p>
+            <a:r>
+              <a:rPr lang="it-IT" sz="1600" dirty="0"/>
+              <a:t>val tag = </a:t>
+            </a:r>
+            <a:r>
+              <a:rPr lang="it-IT" sz="1600" dirty="0" err="1"/>
+              <a:t>intent.getParcelableExtra</a:t>
+            </a:r>
+            <a:r>
+              <a:rPr lang="it-IT" sz="1600" dirty="0"/>
+              <a:t>&lt;Tag&gt;(</a:t>
+            </a:r>
+            <a:r>
+              <a:rPr lang="it-IT" sz="1600" dirty="0" err="1"/>
+              <a:t>NfcAdapter.EXTRA_TAG</a:t>
+            </a:r>
+            <a:r>
+              <a:rPr lang="it-IT" sz="1600" dirty="0"/>
+              <a:t>)</a:t>
+            </a:r>
+          </a:p>
+          <a:p>
+            <a:r>
+              <a:rPr lang="it-IT" sz="1600" dirty="0" err="1"/>
+              <a:t>if</a:t>
+            </a:r>
+            <a:r>
+              <a:rPr lang="it-IT" sz="1600" dirty="0"/>
+              <a:t> (tag != </a:t>
+            </a:r>
+            <a:r>
+              <a:rPr lang="it-IT" sz="1600" dirty="0" err="1"/>
+              <a:t>null</a:t>
+            </a:r>
+            <a:r>
+              <a:rPr lang="it-IT" sz="1600" dirty="0"/>
+              <a:t>) {</a:t>
+            </a:r>
+          </a:p>
+          <a:p>
+            <a:r>
+              <a:rPr lang="it-IT" sz="1600" dirty="0"/>
+              <a:t>    val </a:t>
+            </a:r>
+            <a:r>
+              <a:rPr lang="it-IT" sz="1600" dirty="0" err="1"/>
+              <a:t>ndef</a:t>
+            </a:r>
+            <a:r>
+              <a:rPr lang="it-IT" sz="1600" dirty="0"/>
+              <a:t> = </a:t>
+            </a:r>
+            <a:r>
+              <a:rPr lang="it-IT" sz="1600" dirty="0" err="1"/>
+              <a:t>Ndef.get</a:t>
+            </a:r>
+            <a:r>
+              <a:rPr lang="it-IT" sz="1600" dirty="0"/>
+              <a:t>(tag)</a:t>
+            </a:r>
+          </a:p>
+          <a:p>
+            <a:r>
+              <a:rPr lang="it-IT" sz="1600" dirty="0"/>
+              <a:t>    </a:t>
+            </a:r>
+            <a:r>
+              <a:rPr lang="it-IT" sz="1600" dirty="0" err="1"/>
+              <a:t>ndef.connect</a:t>
+            </a:r>
+            <a:r>
+              <a:rPr lang="it-IT" sz="1600" dirty="0"/>
+              <a:t>()</a:t>
+            </a:r>
+          </a:p>
+          <a:p>
+            <a:r>
+              <a:rPr lang="it-IT" sz="1600" dirty="0"/>
+              <a:t>    val </a:t>
+            </a:r>
+            <a:r>
+              <a:rPr lang="it-IT" sz="1600" dirty="0" err="1"/>
+              <a:t>message</a:t>
+            </a:r>
+            <a:r>
+              <a:rPr lang="it-IT" sz="1600" dirty="0"/>
+              <a:t> = </a:t>
+            </a:r>
+            <a:r>
+              <a:rPr lang="it-IT" sz="1600" dirty="0" err="1"/>
+              <a:t>ndef.ndefMessage</a:t>
+            </a:r>
+            <a:endParaRPr lang="it-IT" sz="1600" dirty="0"/>
+          </a:p>
+          <a:p>
+            <a:r>
+              <a:rPr lang="it-IT" sz="1600" dirty="0"/>
+              <a:t>    val payload = </a:t>
+            </a:r>
+            <a:r>
+              <a:rPr lang="it-IT" sz="1600" dirty="0" err="1"/>
+              <a:t>message.records</a:t>
+            </a:r>
+            <a:r>
+              <a:rPr lang="it-IT" sz="1600" dirty="0"/>
+              <a:t>[0].payload</a:t>
+            </a:r>
+          </a:p>
+          <a:p>
+            <a:r>
+              <a:rPr lang="it-IT" sz="1600" dirty="0"/>
+              <a:t>    val text = </a:t>
+            </a:r>
+            <a:r>
+              <a:rPr lang="it-IT" sz="1600" dirty="0" err="1"/>
+              <a:t>String</a:t>
+            </a:r>
+            <a:r>
+              <a:rPr lang="it-IT" sz="1600" dirty="0"/>
+              <a:t>(payload)</a:t>
+            </a:r>
+          </a:p>
+          <a:p>
+            <a:r>
+              <a:rPr lang="it-IT" sz="1600" dirty="0"/>
+              <a:t>    </a:t>
+            </a:r>
+            <a:r>
+              <a:rPr lang="it-IT" sz="1600" dirty="0" err="1"/>
+              <a:t>ndef.close</a:t>
+            </a:r>
+            <a:r>
+              <a:rPr lang="it-IT" sz="1600" dirty="0"/>
+              <a:t>()</a:t>
+            </a:r>
+          </a:p>
+          <a:p>
+            <a:r>
+              <a:rPr lang="it-IT" sz="1600" dirty="0"/>
+              <a:t>    </a:t>
+            </a:r>
+            <a:r>
+              <a:rPr lang="it-IT" sz="1600" dirty="0" err="1"/>
+              <a:t>tagContent.value</a:t>
+            </a:r>
+            <a:r>
+              <a:rPr lang="it-IT" sz="1600" dirty="0"/>
+              <a:t> = text</a:t>
+            </a:r>
+          </a:p>
+          <a:p>
+            <a:r>
+              <a:rPr lang="it-IT" sz="1600" dirty="0"/>
+              <a:t>}</a:t>
+            </a:r>
+          </a:p>
+        </p:txBody>
+      </p:sp>
+      <p:sp>
+        <p:nvSpPr>
+          <p:cNvPr id="4" name="CasellaDiTesto 3">
+            <a:extLst>
+              <a:ext uri="{FF2B5EF4-FFF2-40B4-BE49-F238E27FC236}">
+                <a16:creationId xmlns:a16="http://schemas.microsoft.com/office/drawing/2014/main" id="{94C5FCF2-B463-3AEA-5D86-2D6F5086F61B}"/>
+              </a:ext>
+            </a:extLst>
+          </p:cNvPr>
+          <p:cNvSpPr txBox="1"/>
+          <p:nvPr/>
+        </p:nvSpPr>
+        <p:spPr>
+          <a:xfrm>
+            <a:off x="6215684" y="1209635"/>
+            <a:ext cx="5840850" cy="4770537"/>
+          </a:xfrm>
+          <a:prstGeom prst="rect">
+            <a:avLst/>
+          </a:prstGeom>
+        </p:spPr>
+        <p:style>
+          <a:lnRef idx="2">
+            <a:schemeClr val="accent2"/>
+          </a:lnRef>
+          <a:fillRef idx="1">
+            <a:schemeClr val="lt1"/>
+          </a:fillRef>
+          <a:effectRef idx="0">
+            <a:schemeClr val="accent2"/>
+          </a:effectRef>
+          <a:fontRef idx="minor">
+            <a:schemeClr val="dk1"/>
+          </a:fontRef>
+        </p:style>
+        <p:txBody>
+          <a:bodyPr wrap="square" rtlCol="0">
+            <a:spAutoFit/>
+          </a:bodyPr>
+          <a:lstStyle/>
+          <a:p>
+            <a:pPr marL="285750" indent="-285750">
+              <a:buFont typeface="Arial" panose="020B0604020202020204" pitchFamily="34" charset="0"/>
+              <a:buChar char="•"/>
+            </a:pPr>
+            <a:r>
+              <a:rPr lang="it-IT" sz="1600" dirty="0"/>
+              <a:t>Il codice controlla se l'</a:t>
+            </a:r>
+            <a:r>
+              <a:rPr lang="it-IT" sz="1600" dirty="0" err="1"/>
+              <a:t>intent</a:t>
+            </a:r>
+            <a:r>
+              <a:rPr lang="it-IT" sz="1600" dirty="0"/>
+              <a:t> passato contiene un oggetto di tipo</a:t>
+            </a:r>
+          </a:p>
+          <a:p>
+            <a:r>
+              <a:rPr lang="it-IT" sz="1600" dirty="0"/>
+              <a:t>  Tag usando il metodo </a:t>
+            </a:r>
+            <a:r>
+              <a:rPr lang="it-IT" sz="1600" dirty="0" err="1"/>
+              <a:t>getParcelableExtra</a:t>
+            </a:r>
+            <a:r>
+              <a:rPr lang="it-IT" sz="1600" dirty="0"/>
+              <a:t> della classe </a:t>
+            </a:r>
+            <a:r>
+              <a:rPr lang="it-IT" sz="1600" dirty="0" err="1"/>
+              <a:t>Intent</a:t>
+            </a:r>
+            <a:r>
+              <a:rPr lang="it-IT" sz="1600" dirty="0"/>
+              <a:t>. </a:t>
+            </a:r>
+          </a:p>
+          <a:p>
+            <a:pPr marL="285750" indent="-285750">
+              <a:buFont typeface="Arial" panose="020B0604020202020204" pitchFamily="34" charset="0"/>
+              <a:buChar char="•"/>
+            </a:pPr>
+            <a:r>
+              <a:rPr lang="it-IT" sz="1600" dirty="0"/>
+              <a:t>Se esiste un tag, viene ottenuto l'oggetto </a:t>
+            </a:r>
+            <a:r>
+              <a:rPr lang="it-IT" sz="1600" dirty="0" err="1"/>
+              <a:t>Ndef</a:t>
+            </a:r>
+            <a:r>
+              <a:rPr lang="it-IT" sz="1600" dirty="0"/>
+              <a:t> associato a</a:t>
+            </a:r>
+          </a:p>
+          <a:p>
+            <a:r>
+              <a:rPr lang="it-IT" sz="1600" dirty="0"/>
+              <a:t> esso usando il metodo statico </a:t>
+            </a:r>
+            <a:r>
+              <a:rPr lang="it-IT" sz="1600" dirty="0" err="1"/>
+              <a:t>get</a:t>
+            </a:r>
+            <a:r>
+              <a:rPr lang="it-IT" sz="1600" dirty="0"/>
+              <a:t> della classe </a:t>
+            </a:r>
+            <a:r>
+              <a:rPr lang="it-IT" sz="1600" dirty="0" err="1"/>
+              <a:t>Ndef</a:t>
+            </a:r>
+            <a:r>
+              <a:rPr lang="it-IT" sz="1600" dirty="0"/>
+              <a:t>.</a:t>
+            </a:r>
+          </a:p>
+          <a:p>
+            <a:pPr marL="285750" indent="-285750">
+              <a:buFont typeface="Arial" panose="020B0604020202020204" pitchFamily="34" charset="0"/>
+              <a:buChar char="•"/>
+            </a:pPr>
+            <a:r>
+              <a:rPr lang="it-IT" sz="1600" dirty="0"/>
+              <a:t>Successivamente, viene stabilita una connessione con il tag</a:t>
+            </a:r>
+          </a:p>
+          <a:p>
+            <a:r>
+              <a:rPr lang="it-IT" sz="1600" dirty="0"/>
+              <a:t> utilizzando il metodo </a:t>
+            </a:r>
+            <a:r>
+              <a:rPr lang="it-IT" sz="1600" dirty="0" err="1"/>
+              <a:t>connect</a:t>
+            </a:r>
+            <a:endParaRPr lang="it-IT" sz="1600" dirty="0"/>
+          </a:p>
+          <a:p>
+            <a:pPr marL="285750" indent="-285750">
+              <a:buFont typeface="Arial" panose="020B0604020202020204" pitchFamily="34" charset="0"/>
+              <a:buChar char="•"/>
+            </a:pPr>
+            <a:r>
+              <a:rPr lang="it-IT" sz="1600" dirty="0"/>
+              <a:t> Viene ottenuto il messaggio NDEF (NFC Data </a:t>
+            </a:r>
+          </a:p>
+          <a:p>
+            <a:r>
+              <a:rPr lang="it-IT" sz="1600" dirty="0"/>
+              <a:t> Exchange Format) associato al tag tramite il metodo </a:t>
+            </a:r>
+            <a:r>
+              <a:rPr lang="it-IT" sz="1600" dirty="0" err="1"/>
+              <a:t>ndefMessage</a:t>
+            </a:r>
+            <a:r>
+              <a:rPr lang="it-IT" sz="1600" dirty="0"/>
+              <a:t>.</a:t>
+            </a:r>
+          </a:p>
+          <a:p>
+            <a:pPr marL="285750" indent="-285750">
+              <a:buFont typeface="Arial" panose="020B0604020202020204" pitchFamily="34" charset="0"/>
+              <a:buChar char="•"/>
+            </a:pPr>
+            <a:r>
+              <a:rPr lang="it-IT" sz="1600" dirty="0"/>
+              <a:t>Il payload del primo record del messaggio viene quindi</a:t>
+            </a:r>
+          </a:p>
+          <a:p>
+            <a:r>
+              <a:rPr lang="it-IT" sz="1600" dirty="0"/>
+              <a:t> recuperato dall'oggetto </a:t>
+            </a:r>
+            <a:r>
+              <a:rPr lang="it-IT" sz="1600" dirty="0" err="1"/>
+              <a:t>message</a:t>
+            </a:r>
+            <a:r>
+              <a:rPr lang="it-IT" sz="1600" dirty="0"/>
+              <a:t> utilizzando la proprietà</a:t>
+            </a:r>
+          </a:p>
+          <a:p>
+            <a:r>
+              <a:rPr lang="it-IT" sz="1600" dirty="0"/>
+              <a:t> </a:t>
+            </a:r>
+            <a:r>
+              <a:rPr lang="it-IT" sz="1600" dirty="0" err="1"/>
+              <a:t>records</a:t>
+            </a:r>
+            <a:r>
+              <a:rPr lang="it-IT" sz="1600" dirty="0"/>
+              <a:t> e assegnato alla variabile payload. Il payload è un array di</a:t>
+            </a:r>
+          </a:p>
+          <a:p>
+            <a:r>
+              <a:rPr lang="it-IT" sz="1600" dirty="0"/>
+              <a:t> byte che rappresenta i dati contenuti nel record.</a:t>
+            </a:r>
+          </a:p>
+          <a:p>
+            <a:pPr marL="285750" indent="-285750">
+              <a:buFont typeface="Arial" panose="020B0604020202020204" pitchFamily="34" charset="0"/>
+              <a:buChar char="•"/>
+            </a:pPr>
+            <a:r>
+              <a:rPr lang="it-IT" sz="1600" dirty="0"/>
+              <a:t>Il payload viene convertito in una stringa utilizzando</a:t>
+            </a:r>
+          </a:p>
+          <a:p>
+            <a:r>
+              <a:rPr lang="it-IT" sz="1600" dirty="0"/>
+              <a:t>il costruttore </a:t>
+            </a:r>
+            <a:r>
+              <a:rPr lang="it-IT" sz="1600" dirty="0" err="1"/>
+              <a:t>String</a:t>
+            </a:r>
+            <a:r>
+              <a:rPr lang="it-IT" sz="1600" dirty="0"/>
+              <a:t> e assegnato alla variabile text. </a:t>
+            </a:r>
+          </a:p>
+          <a:p>
+            <a:pPr marL="285750" indent="-285750">
+              <a:buFont typeface="Arial" panose="020B0604020202020204" pitchFamily="34" charset="0"/>
+              <a:buChar char="•"/>
+            </a:pPr>
+            <a:r>
+              <a:rPr lang="it-IT" sz="1600" dirty="0"/>
+              <a:t>La connessione con il tag viene quindi chiusa utilizzando il metodo close </a:t>
+            </a:r>
+          </a:p>
+          <a:p>
+            <a:pPr marL="285750" indent="-285750">
+              <a:buFont typeface="Arial" panose="020B0604020202020204" pitchFamily="34" charset="0"/>
+              <a:buChar char="•"/>
+            </a:pPr>
+            <a:r>
+              <a:rPr lang="it-IT" sz="1600" dirty="0"/>
+              <a:t>Il valore della stringa text viene assegnato alla variabile </a:t>
+            </a:r>
+          </a:p>
+          <a:p>
+            <a:r>
+              <a:rPr lang="it-IT" sz="1600" dirty="0"/>
+              <a:t>  </a:t>
+            </a:r>
+            <a:r>
+              <a:rPr lang="it-IT" sz="1600" dirty="0" err="1"/>
+              <a:t>tagContent.value</a:t>
+            </a:r>
+            <a:r>
+              <a:rPr lang="it-IT" sz="1600" dirty="0"/>
+              <a:t>.</a:t>
+            </a:r>
+          </a:p>
+          <a:p>
+            <a:endParaRPr lang="it-IT" sz="1600" dirty="0"/>
+          </a:p>
+        </p:txBody>
+      </p:sp>
+      <p:cxnSp>
+        <p:nvCxnSpPr>
+          <p:cNvPr id="6" name="Connettore 2 5">
+            <a:extLst>
+              <a:ext uri="{FF2B5EF4-FFF2-40B4-BE49-F238E27FC236}">
+                <a16:creationId xmlns:a16="http://schemas.microsoft.com/office/drawing/2014/main" id="{CC0AC68E-210F-CFA6-5612-A7FCD4960414}"/>
+              </a:ext>
+            </a:extLst>
+          </p:cNvPr>
+          <p:cNvCxnSpPr/>
+          <p:nvPr/>
+        </p:nvCxnSpPr>
+        <p:spPr>
+          <a:xfrm flipH="1">
+            <a:off x="5847644" y="1365956"/>
+            <a:ext cx="519289" cy="0"/>
+          </a:xfrm>
+          <a:prstGeom prst="straightConnector1">
+            <a:avLst/>
+          </a:prstGeom>
+          <a:ln>
+            <a:tailEnd type="triangle"/>
+          </a:ln>
+        </p:spPr>
+        <p:style>
+          <a:lnRef idx="1">
+            <a:schemeClr val="accent1"/>
+          </a:lnRef>
+          <a:fillRef idx="0">
+            <a:schemeClr val="accent1"/>
+          </a:fillRef>
+          <a:effectRef idx="0">
+            <a:schemeClr val="accent1"/>
+          </a:effectRef>
+          <a:fontRef idx="minor">
+            <a:schemeClr val="tx1"/>
+          </a:fontRef>
+        </p:style>
+      </p:cxnSp>
+      <p:cxnSp>
+        <p:nvCxnSpPr>
+          <p:cNvPr id="8" name="Connettore 2 7">
+            <a:extLst>
+              <a:ext uri="{FF2B5EF4-FFF2-40B4-BE49-F238E27FC236}">
+                <a16:creationId xmlns:a16="http://schemas.microsoft.com/office/drawing/2014/main" id="{ADB9AEC8-5820-0B7B-1181-BDA334A48392}"/>
+              </a:ext>
+            </a:extLst>
+          </p:cNvPr>
+          <p:cNvCxnSpPr/>
+          <p:nvPr/>
+        </p:nvCxnSpPr>
+        <p:spPr>
+          <a:xfrm flipH="1">
+            <a:off x="2517422" y="1862667"/>
+            <a:ext cx="3849511" cy="0"/>
+          </a:xfrm>
+          <a:prstGeom prst="straightConnector1">
+            <a:avLst/>
+          </a:prstGeom>
+          <a:ln>
+            <a:tailEnd type="triangle"/>
+          </a:ln>
+        </p:spPr>
+        <p:style>
+          <a:lnRef idx="1">
+            <a:schemeClr val="dk1"/>
+          </a:lnRef>
+          <a:fillRef idx="0">
+            <a:schemeClr val="dk1"/>
+          </a:fillRef>
+          <a:effectRef idx="0">
+            <a:schemeClr val="dk1"/>
+          </a:effectRef>
+          <a:fontRef idx="minor">
+            <a:schemeClr val="tx1"/>
+          </a:fontRef>
+        </p:style>
+      </p:cxnSp>
+      <p:cxnSp>
+        <p:nvCxnSpPr>
+          <p:cNvPr id="10" name="Connettore 2 9">
+            <a:extLst>
+              <a:ext uri="{FF2B5EF4-FFF2-40B4-BE49-F238E27FC236}">
+                <a16:creationId xmlns:a16="http://schemas.microsoft.com/office/drawing/2014/main" id="{B7CF3BFA-B4D1-824D-80AB-17DB3DE244BA}"/>
+              </a:ext>
+            </a:extLst>
+          </p:cNvPr>
+          <p:cNvCxnSpPr/>
+          <p:nvPr/>
+        </p:nvCxnSpPr>
+        <p:spPr>
+          <a:xfrm flipH="1" flipV="1">
+            <a:off x="2043289" y="2122311"/>
+            <a:ext cx="4323644" cy="248356"/>
+          </a:xfrm>
+          <a:prstGeom prst="straightConnector1">
+            <a:avLst/>
+          </a:prstGeom>
+          <a:ln>
+            <a:tailEnd type="triangle"/>
+          </a:ln>
+        </p:spPr>
+        <p:style>
+          <a:lnRef idx="1">
+            <a:schemeClr val="dk1"/>
+          </a:lnRef>
+          <a:fillRef idx="0">
+            <a:schemeClr val="dk1"/>
+          </a:fillRef>
+          <a:effectRef idx="0">
+            <a:schemeClr val="dk1"/>
+          </a:effectRef>
+          <a:fontRef idx="minor">
+            <a:schemeClr val="tx1"/>
+          </a:fontRef>
+        </p:style>
+      </p:cxnSp>
+      <p:cxnSp>
+        <p:nvCxnSpPr>
+          <p:cNvPr id="12" name="Connettore 2 11">
+            <a:extLst>
+              <a:ext uri="{FF2B5EF4-FFF2-40B4-BE49-F238E27FC236}">
+                <a16:creationId xmlns:a16="http://schemas.microsoft.com/office/drawing/2014/main" id="{11484B50-2774-1479-AFCE-DF12B0A31DE8}"/>
+              </a:ext>
+            </a:extLst>
+          </p:cNvPr>
+          <p:cNvCxnSpPr/>
+          <p:nvPr/>
+        </p:nvCxnSpPr>
+        <p:spPr>
+          <a:xfrm flipH="1" flipV="1">
+            <a:off x="3296356" y="2359378"/>
+            <a:ext cx="3070577" cy="496711"/>
+          </a:xfrm>
+          <a:prstGeom prst="straightConnector1">
+            <a:avLst/>
+          </a:prstGeom>
+          <a:ln>
+            <a:tailEnd type="triangle"/>
+          </a:ln>
+        </p:spPr>
+        <p:style>
+          <a:lnRef idx="1">
+            <a:schemeClr val="dk1"/>
+          </a:lnRef>
+          <a:fillRef idx="0">
+            <a:schemeClr val="dk1"/>
+          </a:fillRef>
+          <a:effectRef idx="0">
+            <a:schemeClr val="dk1"/>
+          </a:effectRef>
+          <a:fontRef idx="minor">
+            <a:schemeClr val="tx1"/>
+          </a:fontRef>
+        </p:style>
+      </p:cxnSp>
+      <p:cxnSp>
+        <p:nvCxnSpPr>
+          <p:cNvPr id="14" name="Connettore 2 13">
+            <a:extLst>
+              <a:ext uri="{FF2B5EF4-FFF2-40B4-BE49-F238E27FC236}">
+                <a16:creationId xmlns:a16="http://schemas.microsoft.com/office/drawing/2014/main" id="{F5BE7967-10A5-09F3-C799-8B6A3D71F8EF}"/>
+              </a:ext>
+            </a:extLst>
+          </p:cNvPr>
+          <p:cNvCxnSpPr>
+            <a:cxnSpLocks/>
+          </p:cNvCxnSpPr>
+          <p:nvPr/>
+        </p:nvCxnSpPr>
+        <p:spPr>
+          <a:xfrm flipH="1" flipV="1">
+            <a:off x="3872089" y="2775344"/>
+            <a:ext cx="2494844" cy="543589"/>
+          </a:xfrm>
+          <a:prstGeom prst="straightConnector1">
+            <a:avLst/>
+          </a:prstGeom>
+          <a:ln>
+            <a:tailEnd type="triangle"/>
+          </a:ln>
+        </p:spPr>
+        <p:style>
+          <a:lnRef idx="1">
+            <a:schemeClr val="dk1"/>
+          </a:lnRef>
+          <a:fillRef idx="0">
+            <a:schemeClr val="dk1"/>
+          </a:fillRef>
+          <a:effectRef idx="0">
+            <a:schemeClr val="dk1"/>
+          </a:effectRef>
+          <a:fontRef idx="minor">
+            <a:schemeClr val="tx1"/>
+          </a:fontRef>
+        </p:style>
+      </p:cxnSp>
+      <p:cxnSp>
+        <p:nvCxnSpPr>
+          <p:cNvPr id="18" name="Connettore 2 17">
+            <a:extLst>
+              <a:ext uri="{FF2B5EF4-FFF2-40B4-BE49-F238E27FC236}">
+                <a16:creationId xmlns:a16="http://schemas.microsoft.com/office/drawing/2014/main" id="{5FF5EA9A-9B15-264A-6572-F65E1C445280}"/>
+              </a:ext>
+            </a:extLst>
+          </p:cNvPr>
+          <p:cNvCxnSpPr/>
+          <p:nvPr/>
+        </p:nvCxnSpPr>
+        <p:spPr>
+          <a:xfrm flipH="1" flipV="1">
+            <a:off x="2641600" y="2935111"/>
+            <a:ext cx="3725333" cy="1365956"/>
+          </a:xfrm>
+          <a:prstGeom prst="straightConnector1">
+            <a:avLst/>
+          </a:prstGeom>
+          <a:ln>
+            <a:tailEnd type="triangle"/>
+          </a:ln>
+        </p:spPr>
+        <p:style>
+          <a:lnRef idx="1">
+            <a:schemeClr val="dk1"/>
+          </a:lnRef>
+          <a:fillRef idx="0">
+            <a:schemeClr val="dk1"/>
+          </a:fillRef>
+          <a:effectRef idx="0">
+            <a:schemeClr val="dk1"/>
+          </a:effectRef>
+          <a:fontRef idx="minor">
+            <a:schemeClr val="tx1"/>
+          </a:fontRef>
+        </p:style>
+      </p:cxnSp>
+      <p:cxnSp>
+        <p:nvCxnSpPr>
+          <p:cNvPr id="20" name="Connettore 2 19">
+            <a:extLst>
+              <a:ext uri="{FF2B5EF4-FFF2-40B4-BE49-F238E27FC236}">
+                <a16:creationId xmlns:a16="http://schemas.microsoft.com/office/drawing/2014/main" id="{184DB37E-2DCC-4FF5-FCD9-07C4DB308D8F}"/>
+              </a:ext>
+            </a:extLst>
+          </p:cNvPr>
+          <p:cNvCxnSpPr>
+            <a:cxnSpLocks/>
+          </p:cNvCxnSpPr>
+          <p:nvPr/>
+        </p:nvCxnSpPr>
+        <p:spPr>
+          <a:xfrm flipH="1" flipV="1">
+            <a:off x="2178756" y="3139341"/>
+            <a:ext cx="4188177" cy="1669726"/>
+          </a:xfrm>
+          <a:prstGeom prst="straightConnector1">
+            <a:avLst/>
+          </a:prstGeom>
+          <a:ln>
+            <a:tailEnd type="triangle"/>
+          </a:ln>
+        </p:spPr>
+        <p:style>
+          <a:lnRef idx="1">
+            <a:schemeClr val="dk1"/>
+          </a:lnRef>
+          <a:fillRef idx="0">
+            <a:schemeClr val="dk1"/>
+          </a:fillRef>
+          <a:effectRef idx="0">
+            <a:schemeClr val="dk1"/>
+          </a:effectRef>
+          <a:fontRef idx="minor">
+            <a:schemeClr val="tx1"/>
+          </a:fontRef>
+        </p:style>
+      </p:cxnSp>
+      <p:cxnSp>
+        <p:nvCxnSpPr>
+          <p:cNvPr id="27" name="Connettore 2 26">
+            <a:extLst>
+              <a:ext uri="{FF2B5EF4-FFF2-40B4-BE49-F238E27FC236}">
+                <a16:creationId xmlns:a16="http://schemas.microsoft.com/office/drawing/2014/main" id="{4CF2DB2C-9744-F5DB-96FA-05153A564593}"/>
+              </a:ext>
+            </a:extLst>
+          </p:cNvPr>
+          <p:cNvCxnSpPr/>
+          <p:nvPr/>
+        </p:nvCxnSpPr>
+        <p:spPr>
+          <a:xfrm flipH="1" flipV="1">
+            <a:off x="2178756" y="3594903"/>
+            <a:ext cx="4188177" cy="1688297"/>
+          </a:xfrm>
+          <a:prstGeom prst="straightConnector1">
+            <a:avLst/>
+          </a:prstGeom>
+          <a:ln>
+            <a:tailEnd type="triangle"/>
+          </a:ln>
+        </p:spPr>
+        <p:style>
+          <a:lnRef idx="1">
+            <a:schemeClr val="dk1"/>
+          </a:lnRef>
+          <a:fillRef idx="0">
+            <a:schemeClr val="dk1"/>
+          </a:fillRef>
+          <a:effectRef idx="0">
+            <a:schemeClr val="dk1"/>
+          </a:effectRef>
+          <a:fontRef idx="minor">
+            <a:schemeClr val="tx1"/>
+          </a:fontRef>
+        </p:style>
+      </p:cxnSp>
+    </p:spTree>
+    <p:extLst>
+      <p:ext uri="{BB962C8B-B14F-4D97-AF65-F5344CB8AC3E}">
+        <p14:creationId xmlns:p14="http://schemas.microsoft.com/office/powerpoint/2010/main" val="1279190572"/>
+      </p:ext>
+    </p:extLst>
+  </p:cSld>
+  <p:clrMapOvr>
+    <a:masterClrMapping/>
+  </p:clrMapOvr>
+  <mc:AlternateContent xmlns:mc="http://schemas.openxmlformats.org/markup-compatibility/2006">
+    <mc:Choice xmlns:p159="http://schemas.microsoft.com/office/powerpoint/2015/09/main" Requires="p159">
+      <p:transition xmlns:p14="http://schemas.microsoft.com/office/powerpoint/2010/main" spd="slow" p14:dur="2000">
+        <p159:morph option="byObject"/>
+      </p:transition>
+    </mc:Choice>
     <mc:Fallback>
+      <p:transition spd="slow">
+        <p:fade/>
+      </p:transition>
+    </mc:Fallback>
+  </mc:AlternateContent>
+</p:sld>
+</file>
+
+<file path=ppt/slides/slide11.xml><?xml version="1.0" encoding="utf-8"?>
+<p:sld xmlns:a="http://schemas.openxmlformats.org/drawingml/2006/main" xmlns:r="http://schemas.openxmlformats.org/officeDocument/2006/relationships" xmlns:p="http://schemas.openxmlformats.org/presentationml/2006/main">
+  <p:cSld>
+    <p:spTree>
+      <p:nvGrpSpPr>
+        <p:cNvPr id="1" name=""/>
+        <p:cNvGrpSpPr/>
+        <p:nvPr/>
+      </p:nvGrpSpPr>
+      <p:grpSpPr>
+        <a:xfrm>
+          <a:off x="0" y="0"/>
+          <a:ext cx="0" cy="0"/>
+          <a:chOff x="0" y="0"/>
+          <a:chExt cx="0" cy="0"/>
+        </a:xfrm>
+      </p:grpSpPr>
+      <p:sp>
+        <p:nvSpPr>
+          <p:cNvPr id="2" name="Titolo 1">
+            <a:extLst>
+              <a:ext uri="{FF2B5EF4-FFF2-40B4-BE49-F238E27FC236}">
+                <a16:creationId xmlns:a16="http://schemas.microsoft.com/office/drawing/2014/main" id="{1F2B348F-514D-DE67-2012-36AD3995FE25}"/>
+              </a:ext>
+            </a:extLst>
+          </p:cNvPr>
+          <p:cNvSpPr>
+            <a:spLocks noGrp="1"/>
+          </p:cNvSpPr>
+          <p:nvPr>
+            <p:ph type="title"/>
+          </p:nvPr>
+        </p:nvSpPr>
+        <p:spPr/>
+        <p:txBody>
+          <a:bodyPr/>
+          <a:lstStyle/>
+          <a:p>
+            <a:pPr algn="ctr"/>
+            <a:r>
+              <a:rPr lang="it-IT" dirty="0"/>
+              <a:t>INTEGRAZIONE IN iOS</a:t>
+            </a:r>
+          </a:p>
+        </p:txBody>
+      </p:sp>
+      <p:sp>
+        <p:nvSpPr>
+          <p:cNvPr id="4" name="CasellaDiTesto 3">
+            <a:extLst>
+              <a:ext uri="{FF2B5EF4-FFF2-40B4-BE49-F238E27FC236}">
+                <a16:creationId xmlns:a16="http://schemas.microsoft.com/office/drawing/2014/main" id="{89E6298A-857F-50DD-3F0B-F001A899C814}"/>
+              </a:ext>
+            </a:extLst>
+          </p:cNvPr>
+          <p:cNvSpPr txBox="1"/>
+          <p:nvPr/>
+        </p:nvSpPr>
+        <p:spPr>
+          <a:xfrm>
+            <a:off x="437351" y="2090172"/>
+            <a:ext cx="3385670" cy="369332"/>
+          </a:xfrm>
+          <a:prstGeom prst="rect">
+            <a:avLst/>
+          </a:prstGeom>
+          <a:noFill/>
+        </p:spPr>
+        <p:txBody>
+          <a:bodyPr wrap="none" rtlCol="0">
+            <a:spAutoFit/>
+          </a:bodyPr>
+          <a:lstStyle/>
+          <a:p>
+            <a:r>
+              <a:rPr lang="it-IT" dirty="0"/>
+              <a:t> Passo 1: Aggiungi il supporto NFC</a:t>
+            </a:r>
+          </a:p>
+        </p:txBody>
+      </p:sp>
+      <p:sp>
+        <p:nvSpPr>
+          <p:cNvPr id="5" name="CasellaDiTesto 4">
+            <a:extLst>
+              <a:ext uri="{FF2B5EF4-FFF2-40B4-BE49-F238E27FC236}">
+                <a16:creationId xmlns:a16="http://schemas.microsoft.com/office/drawing/2014/main" id="{1821BC2D-A2B6-8B1C-4BF5-B3D679AEEABD}"/>
+              </a:ext>
+            </a:extLst>
+          </p:cNvPr>
+          <p:cNvSpPr txBox="1"/>
+          <p:nvPr/>
+        </p:nvSpPr>
+        <p:spPr>
+          <a:xfrm>
+            <a:off x="437351" y="2833721"/>
+            <a:ext cx="11317297" cy="2308324"/>
+          </a:xfrm>
+          <a:prstGeom prst="rect">
+            <a:avLst/>
+          </a:prstGeom>
+          <a:noFill/>
+        </p:spPr>
+        <p:txBody>
+          <a:bodyPr wrap="square" rtlCol="0">
+            <a:spAutoFit/>
+          </a:bodyPr>
+          <a:lstStyle/>
+          <a:p>
+            <a:r>
+              <a:rPr lang="it-IT" dirty="0"/>
+              <a:t>Per aggiungere il supporto NFC al progetto, si seguono i seguenti passaggi:</a:t>
+            </a:r>
+          </a:p>
+          <a:p>
+            <a:pPr marL="342900" indent="-342900">
+              <a:buFont typeface="+mj-lt"/>
+              <a:buAutoNum type="arabicPeriod"/>
+            </a:pPr>
+            <a:r>
+              <a:rPr lang="it-IT" dirty="0"/>
+              <a:t>Seleziona il file "</a:t>
+            </a:r>
+            <a:r>
+              <a:rPr lang="it-IT" dirty="0" err="1"/>
+              <a:t>Info.plist</a:t>
+            </a:r>
+            <a:r>
+              <a:rPr lang="it-IT" dirty="0"/>
+              <a:t>" del tuo progetto nella navigazione.</a:t>
+            </a:r>
+          </a:p>
+          <a:p>
+            <a:pPr marL="342900" indent="-342900">
+              <a:buFont typeface="+mj-lt"/>
+              <a:buAutoNum type="arabicPeriod"/>
+            </a:pPr>
+            <a:r>
+              <a:rPr lang="it-IT" dirty="0"/>
+              <a:t>Fai clic su aggiungi nella sezione Information </a:t>
+            </a:r>
+            <a:r>
+              <a:rPr lang="it-IT" dirty="0" err="1"/>
+              <a:t>Property</a:t>
+            </a:r>
+            <a:r>
+              <a:rPr lang="it-IT" dirty="0"/>
+              <a:t> List.</a:t>
+            </a:r>
+          </a:p>
+          <a:p>
+            <a:pPr marL="342900" indent="-342900">
+              <a:buFont typeface="+mj-lt"/>
+              <a:buAutoNum type="arabicPeriod"/>
+            </a:pPr>
+            <a:r>
+              <a:rPr lang="it-IT" dirty="0"/>
+              <a:t>Digitare Privacy - NFC </a:t>
+            </a:r>
+            <a:r>
+              <a:rPr lang="it-IT" dirty="0" err="1"/>
+              <a:t>Scan</a:t>
+            </a:r>
+            <a:r>
+              <a:rPr lang="it-IT" dirty="0"/>
+              <a:t> </a:t>
+            </a:r>
+            <a:r>
+              <a:rPr lang="it-IT" dirty="0" err="1"/>
+              <a:t>Usage</a:t>
+            </a:r>
+            <a:r>
+              <a:rPr lang="it-IT" dirty="0"/>
+              <a:t> </a:t>
+            </a:r>
+            <a:r>
+              <a:rPr lang="it-IT" dirty="0" err="1"/>
+              <a:t>Description</a:t>
+            </a:r>
+            <a:r>
+              <a:rPr lang="it-IT" dirty="0"/>
+              <a:t> come chiave e una descrizione del permesso come valore,</a:t>
+            </a:r>
+          </a:p>
+          <a:p>
+            <a:r>
+              <a:rPr lang="it-IT" dirty="0"/>
+              <a:t>     es: Leggere i tag NFC.</a:t>
+            </a:r>
+          </a:p>
+          <a:p>
+            <a:pPr marL="342900" indent="-342900">
+              <a:buAutoNum type="arabicPeriod" startAt="4"/>
+            </a:pPr>
+            <a:r>
+              <a:rPr lang="it-IT" dirty="0"/>
+              <a:t>Aggiungi il framework </a:t>
+            </a:r>
+            <a:r>
+              <a:rPr lang="it-IT" dirty="0" err="1"/>
+              <a:t>CoreNFC</a:t>
+            </a:r>
+            <a:r>
+              <a:rPr lang="it-IT" dirty="0"/>
+              <a:t> al tuo progetto. </a:t>
+            </a:r>
+          </a:p>
+          <a:p>
+            <a:r>
+              <a:rPr lang="it-IT" dirty="0"/>
+              <a:t>     Per farlo si seleziona il progetto nella navigazione, e nella scheda General nella sezione Frameworks, Libraries, </a:t>
+            </a:r>
+          </a:p>
+          <a:p>
+            <a:r>
+              <a:rPr lang="it-IT" dirty="0"/>
+              <a:t>     and Embedded Content. Si aggiunge </a:t>
+            </a:r>
+            <a:r>
+              <a:rPr lang="it-IT" dirty="0" err="1"/>
+              <a:t>CoreNFC.framework</a:t>
+            </a:r>
+            <a:r>
+              <a:rPr lang="it-IT" dirty="0"/>
+              <a:t>.</a:t>
+            </a:r>
+          </a:p>
+        </p:txBody>
+      </p:sp>
+    </p:spTree>
+    <p:extLst>
+      <p:ext uri="{BB962C8B-B14F-4D97-AF65-F5344CB8AC3E}">
+        <p14:creationId xmlns:p14="http://schemas.microsoft.com/office/powerpoint/2010/main" val="3959313226"/>
+      </p:ext>
+    </p:extLst>
+  </p:cSld>
+  <p:clrMapOvr>
+    <a:masterClrMapping/>
+  </p:clrMapOvr>
+  <mc:AlternateContent xmlns:mc="http://schemas.openxmlformats.org/markup-compatibility/2006">
+    <mc:Choice xmlns:p159="http://schemas.microsoft.com/office/powerpoint/2015/09/main" Requires="p159">
+      <p:transition xmlns:p14="http://schemas.microsoft.com/office/powerpoint/2010/main" spd="slow" p14:dur="2000">
+        <p159:morph option="byObject"/>
+      </p:transition>
+    </mc:Choice>
+    <mc:Fallback>
+      <p:transition spd="slow">
+        <p:fade/>
+      </p:transition>
+    </mc:Fallback>
+  </mc:AlternateContent>
+</p:sld>
+</file>
+
+<file path=ppt/slides/slide12.xml><?xml version="1.0" encoding="utf-8"?>
+<p:sld xmlns:a="http://schemas.openxmlformats.org/drawingml/2006/main" xmlns:r="http://schemas.openxmlformats.org/officeDocument/2006/relationships" xmlns:p="http://schemas.openxmlformats.org/presentationml/2006/main">
+  <p:cSld>
+    <p:spTree>
+      <p:nvGrpSpPr>
+        <p:cNvPr id="1" name=""/>
+        <p:cNvGrpSpPr/>
+        <p:nvPr/>
+      </p:nvGrpSpPr>
+      <p:grpSpPr>
+        <a:xfrm>
+          <a:off x="0" y="0"/>
+          <a:ext cx="0" cy="0"/>
+          <a:chOff x="0" y="0"/>
+          <a:chExt cx="0" cy="0"/>
+        </a:xfrm>
+      </p:grpSpPr>
+      <p:sp>
+        <p:nvSpPr>
+          <p:cNvPr id="2" name="CasellaDiTesto 1">
+            <a:extLst>
+              <a:ext uri="{FF2B5EF4-FFF2-40B4-BE49-F238E27FC236}">
+                <a16:creationId xmlns:a16="http://schemas.microsoft.com/office/drawing/2014/main" id="{38BA3586-F59C-DF1A-CB32-08447C005D0E}"/>
+              </a:ext>
+            </a:extLst>
+          </p:cNvPr>
+          <p:cNvSpPr txBox="1"/>
+          <p:nvPr/>
+        </p:nvSpPr>
+        <p:spPr>
+          <a:xfrm>
+            <a:off x="187624" y="537150"/>
+            <a:ext cx="10480113" cy="6463308"/>
+          </a:xfrm>
+          <a:prstGeom prst="rect">
+            <a:avLst/>
+          </a:prstGeom>
+          <a:noFill/>
+        </p:spPr>
+        <p:txBody>
+          <a:bodyPr wrap="none" rtlCol="0">
+            <a:spAutoFit/>
+          </a:bodyPr>
+          <a:lstStyle/>
+          <a:p>
+            <a:r>
+              <a:rPr lang="it-IT" dirty="0"/>
+              <a:t>Passo 2: Creazione l'interfaccia utente. </a:t>
+            </a:r>
+          </a:p>
+          <a:p>
+            <a:r>
+              <a:rPr lang="it-IT" dirty="0"/>
+              <a:t>Interfaccia utente con un pulsante che attiva la lettura dei tag NFC e una visualizzazione del contenuto del tag.</a:t>
+            </a:r>
+          </a:p>
+          <a:p>
+            <a:r>
+              <a:rPr lang="it-IT" dirty="0"/>
+              <a:t>Nel file </a:t>
+            </a:r>
+            <a:r>
+              <a:rPr lang="it-IT" dirty="0" err="1"/>
+              <a:t>ContentView.swift</a:t>
+            </a:r>
+            <a:r>
+              <a:rPr lang="it-IT" dirty="0"/>
+              <a:t> si inserisce il seguente codice:</a:t>
+            </a:r>
+          </a:p>
+          <a:p>
+            <a:r>
+              <a:rPr lang="it-IT" sz="1600" dirty="0"/>
+              <a:t>...</a:t>
+            </a:r>
+          </a:p>
+          <a:p>
+            <a:r>
+              <a:rPr lang="it-IT" sz="1600" dirty="0" err="1"/>
+              <a:t>struct</a:t>
+            </a:r>
+            <a:r>
+              <a:rPr lang="it-IT" sz="1600" dirty="0"/>
+              <a:t> </a:t>
+            </a:r>
+            <a:r>
+              <a:rPr lang="it-IT" sz="1600" dirty="0" err="1"/>
+              <a:t>ContentView</a:t>
+            </a:r>
+            <a:r>
+              <a:rPr lang="it-IT" sz="1600" dirty="0"/>
+              <a:t>: </a:t>
+            </a:r>
+            <a:r>
+              <a:rPr lang="it-IT" sz="1600" dirty="0" err="1"/>
+              <a:t>View</a:t>
+            </a:r>
+            <a:r>
+              <a:rPr lang="it-IT" sz="1600" dirty="0"/>
+              <a:t> {</a:t>
+            </a:r>
+          </a:p>
+          <a:p>
+            <a:r>
+              <a:rPr lang="it-IT" sz="1600" dirty="0"/>
+              <a:t>    @State private var </a:t>
+            </a:r>
+            <a:r>
+              <a:rPr lang="it-IT" sz="1600" dirty="0" err="1"/>
+              <a:t>tagContent</a:t>
+            </a:r>
+            <a:r>
+              <a:rPr lang="it-IT" sz="1600" dirty="0"/>
+              <a:t> = ""   </a:t>
+            </a:r>
+          </a:p>
+          <a:p>
+            <a:r>
+              <a:rPr lang="it-IT" sz="1600" dirty="0"/>
+              <a:t>    var body: some </a:t>
+            </a:r>
+            <a:r>
+              <a:rPr lang="it-IT" sz="1600" dirty="0" err="1"/>
+              <a:t>View</a:t>
+            </a:r>
+            <a:r>
+              <a:rPr lang="it-IT" sz="1600" dirty="0"/>
+              <a:t> {</a:t>
+            </a:r>
+          </a:p>
+          <a:p>
+            <a:r>
+              <a:rPr lang="it-IT" sz="1600" dirty="0"/>
+              <a:t>        </a:t>
+            </a:r>
+            <a:r>
+              <a:rPr lang="it-IT" sz="1600" dirty="0" err="1"/>
+              <a:t>VStack</a:t>
+            </a:r>
+            <a:r>
+              <a:rPr lang="it-IT" sz="1600" dirty="0"/>
+              <a:t> {</a:t>
+            </a:r>
+          </a:p>
+          <a:p>
+            <a:r>
+              <a:rPr lang="it-IT" sz="1600" dirty="0"/>
+              <a:t>            Text("Contenuto del tag NFC:")</a:t>
+            </a:r>
+          </a:p>
+          <a:p>
+            <a:r>
+              <a:rPr lang="it-IT" sz="1600" dirty="0"/>
+              <a:t>            Text(</a:t>
+            </a:r>
+            <a:r>
+              <a:rPr lang="it-IT" sz="1600" dirty="0" err="1"/>
+              <a:t>tagContent</a:t>
+            </a:r>
+            <a:r>
+              <a:rPr lang="it-IT" sz="1600" dirty="0"/>
+              <a:t>)</a:t>
+            </a:r>
+          </a:p>
+          <a:p>
+            <a:r>
+              <a:rPr lang="it-IT" sz="1600" dirty="0"/>
+              <a:t>                .</a:t>
+            </a:r>
+            <a:r>
+              <a:rPr lang="it-IT" sz="1600" dirty="0" err="1"/>
+              <a:t>padding</a:t>
+            </a:r>
+            <a:r>
+              <a:rPr lang="it-IT" sz="1600" dirty="0"/>
+              <a:t>(.bottom, 16)</a:t>
+            </a:r>
+          </a:p>
+          <a:p>
+            <a:r>
+              <a:rPr lang="it-IT" sz="1600" dirty="0"/>
+              <a:t>            Button(action: {</a:t>
+            </a:r>
+          </a:p>
+          <a:p>
+            <a:r>
+              <a:rPr lang="it-IT" sz="1600" dirty="0"/>
+              <a:t>                // Codice per la lettura del tag NFC. </a:t>
+            </a:r>
+          </a:p>
+          <a:p>
+            <a:r>
+              <a:rPr lang="it-IT" sz="1600" dirty="0"/>
+              <a:t>            }) {</a:t>
+            </a:r>
+          </a:p>
+          <a:p>
+            <a:r>
+              <a:rPr lang="it-IT" sz="1600" dirty="0"/>
+              <a:t>                Text("Attiva NFC")</a:t>
+            </a:r>
+          </a:p>
+          <a:p>
+            <a:r>
+              <a:rPr lang="it-IT" sz="1600" dirty="0"/>
+              <a:t>            }</a:t>
+            </a:r>
+          </a:p>
+          <a:p>
+            <a:r>
+              <a:rPr lang="it-IT" sz="1600" dirty="0"/>
+              <a:t>        }</a:t>
+            </a:r>
+          </a:p>
+          <a:p>
+            <a:r>
+              <a:rPr lang="it-IT" sz="1600" dirty="0"/>
+              <a:t>        .</a:t>
+            </a:r>
+            <a:r>
+              <a:rPr lang="it-IT" sz="1600" dirty="0" err="1"/>
+              <a:t>padding</a:t>
+            </a:r>
+            <a:r>
+              <a:rPr lang="it-IT" sz="1600" dirty="0"/>
+              <a:t>()</a:t>
+            </a:r>
+          </a:p>
+          <a:p>
+            <a:r>
+              <a:rPr lang="it-IT" sz="1600" dirty="0"/>
+              <a:t>    }</a:t>
+            </a:r>
+          </a:p>
+          <a:p>
+            <a:r>
+              <a:rPr lang="it-IT" sz="1600" dirty="0"/>
+              <a:t>}</a:t>
+            </a:r>
+          </a:p>
+          <a:p>
+            <a:r>
+              <a:rPr lang="it-IT" sz="1600" dirty="0" err="1"/>
+              <a:t>struct</a:t>
+            </a:r>
+            <a:r>
+              <a:rPr lang="it-IT" sz="1600" dirty="0"/>
+              <a:t> </a:t>
+            </a:r>
+            <a:r>
+              <a:rPr lang="it-IT" sz="1600" dirty="0" err="1"/>
+              <a:t>ContentView_Previews</a:t>
+            </a:r>
+            <a:r>
+              <a:rPr lang="it-IT" sz="1600" dirty="0"/>
+              <a:t>: </a:t>
+            </a:r>
+            <a:r>
+              <a:rPr lang="it-IT" sz="1600" dirty="0" err="1"/>
+              <a:t>PreviewProvider</a:t>
+            </a:r>
+            <a:r>
+              <a:rPr lang="it-IT" sz="1600" dirty="0"/>
+              <a:t> {</a:t>
+            </a:r>
+          </a:p>
+          <a:p>
+            <a:r>
+              <a:rPr lang="it-IT" sz="1600" dirty="0"/>
+              <a:t>    </a:t>
+            </a:r>
+            <a:r>
+              <a:rPr lang="it-IT" sz="1600" dirty="0" err="1"/>
+              <a:t>static</a:t>
+            </a:r>
+            <a:r>
+              <a:rPr lang="it-IT" sz="1600" dirty="0"/>
+              <a:t> var previews: some </a:t>
+            </a:r>
+            <a:r>
+              <a:rPr lang="it-IT" sz="1600" dirty="0" err="1"/>
+              <a:t>View</a:t>
+            </a:r>
+            <a:r>
+              <a:rPr lang="it-IT" sz="1600" dirty="0"/>
+              <a:t> {</a:t>
+            </a:r>
+          </a:p>
+          <a:p>
+            <a:r>
+              <a:rPr lang="it-IT" sz="1600" dirty="0"/>
+              <a:t>        </a:t>
+            </a:r>
+            <a:r>
+              <a:rPr lang="it-IT" sz="1600" dirty="0" err="1"/>
+              <a:t>ContentView</a:t>
+            </a:r>
+            <a:r>
+              <a:rPr lang="it-IT" sz="1600" dirty="0"/>
+              <a:t>()</a:t>
+            </a:r>
+          </a:p>
+          <a:p>
+            <a:r>
+              <a:rPr lang="it-IT" sz="1600" dirty="0"/>
+              <a:t>    }</a:t>
+            </a:r>
+          </a:p>
+          <a:p>
+            <a:r>
+              <a:rPr lang="it-IT" sz="1600" dirty="0"/>
+              <a:t>}</a:t>
+            </a:r>
+            <a:endParaRPr lang="it-IT" dirty="0"/>
+          </a:p>
+        </p:txBody>
+      </p:sp>
+      <p:sp>
+        <p:nvSpPr>
+          <p:cNvPr id="3" name="CasellaDiTesto 2">
+            <a:extLst>
+              <a:ext uri="{FF2B5EF4-FFF2-40B4-BE49-F238E27FC236}">
+                <a16:creationId xmlns:a16="http://schemas.microsoft.com/office/drawing/2014/main" id="{03816B72-C293-1796-9E9A-3EB00F4C5F77}"/>
+              </a:ext>
+            </a:extLst>
+          </p:cNvPr>
+          <p:cNvSpPr txBox="1"/>
+          <p:nvPr/>
+        </p:nvSpPr>
+        <p:spPr>
+          <a:xfrm>
+            <a:off x="6276622" y="1659467"/>
+            <a:ext cx="5211876" cy="1200329"/>
+          </a:xfrm>
+          <a:prstGeom prst="rect">
+            <a:avLst/>
+          </a:prstGeom>
+        </p:spPr>
+        <p:style>
+          <a:lnRef idx="2">
+            <a:schemeClr val="accent2"/>
+          </a:lnRef>
+          <a:fillRef idx="1">
+            <a:schemeClr val="lt1"/>
+          </a:fillRef>
+          <a:effectRef idx="0">
+            <a:schemeClr val="accent2"/>
+          </a:effectRef>
+          <a:fontRef idx="minor">
+            <a:schemeClr val="dk1"/>
+          </a:fontRef>
+        </p:style>
+        <p:txBody>
+          <a:bodyPr wrap="none" rtlCol="0">
+            <a:spAutoFit/>
+          </a:bodyPr>
+          <a:lstStyle/>
+          <a:p>
+            <a:r>
+              <a:rPr lang="it-IT" dirty="0"/>
+              <a:t>In questo codice, abbiamo utilizzato lo stato mutabile </a:t>
+            </a:r>
+          </a:p>
+          <a:p>
+            <a:r>
+              <a:rPr lang="it-IT" dirty="0"/>
+              <a:t>di </a:t>
+            </a:r>
+            <a:r>
+              <a:rPr lang="it-IT" dirty="0" err="1"/>
+              <a:t>SwiftUI</a:t>
+            </a:r>
+            <a:r>
+              <a:rPr lang="it-IT" dirty="0"/>
+              <a:t> (@State) per aggiornare l'interfaccia utente</a:t>
+            </a:r>
+          </a:p>
+          <a:p>
+            <a:r>
+              <a:rPr lang="it-IT" dirty="0"/>
+              <a:t> con il contenuto del tag NFC.</a:t>
+            </a:r>
+          </a:p>
+          <a:p>
+            <a:r>
+              <a:rPr lang="it-IT" dirty="0"/>
+              <a:t>Struttura simile a quella mostrata in Android</a:t>
+            </a:r>
+          </a:p>
+        </p:txBody>
+      </p:sp>
+      <p:cxnSp>
+        <p:nvCxnSpPr>
+          <p:cNvPr id="6" name="Connettore 2 5">
+            <a:extLst>
+              <a:ext uri="{FF2B5EF4-FFF2-40B4-BE49-F238E27FC236}">
+                <a16:creationId xmlns:a16="http://schemas.microsoft.com/office/drawing/2014/main" id="{43401D25-A83B-938E-4294-23EBB3634841}"/>
+              </a:ext>
+            </a:extLst>
+          </p:cNvPr>
+          <p:cNvCxnSpPr>
+            <a:stCxn id="3" idx="1"/>
+          </p:cNvCxnSpPr>
+          <p:nvPr/>
+        </p:nvCxnSpPr>
+        <p:spPr>
+          <a:xfrm flipH="1" flipV="1">
+            <a:off x="3601156" y="2020711"/>
+            <a:ext cx="2675466" cy="238921"/>
+          </a:xfrm>
+          <a:prstGeom prst="straightConnector1">
+            <a:avLst/>
+          </a:prstGeom>
+          <a:ln>
+            <a:tailEnd type="triangle"/>
+          </a:ln>
+        </p:spPr>
+        <p:style>
+          <a:lnRef idx="1">
+            <a:schemeClr val="dk1"/>
+          </a:lnRef>
+          <a:fillRef idx="0">
+            <a:schemeClr val="dk1"/>
+          </a:fillRef>
+          <a:effectRef idx="0">
+            <a:schemeClr val="dk1"/>
+          </a:effectRef>
+          <a:fontRef idx="minor">
+            <a:schemeClr val="tx1"/>
+          </a:fontRef>
+        </p:style>
+      </p:cxnSp>
+    </p:spTree>
+    <p:extLst>
+      <p:ext uri="{BB962C8B-B14F-4D97-AF65-F5344CB8AC3E}">
+        <p14:creationId xmlns:p14="http://schemas.microsoft.com/office/powerpoint/2010/main" val="155582335"/>
+      </p:ext>
+    </p:extLst>
+  </p:cSld>
+  <p:clrMapOvr>
+    <a:masterClrMapping/>
+  </p:clrMapOvr>
+  <mc:AlternateContent xmlns:mc="http://schemas.openxmlformats.org/markup-compatibility/2006">
+    <mc:Choice xmlns:p159="http://schemas.microsoft.com/office/powerpoint/2015/09/main" Requires="p159">
+      <p:transition xmlns:p14="http://schemas.microsoft.com/office/powerpoint/2010/main" spd="slow" p14:dur="2000">
+        <p159:morph option="byObject"/>
+      </p:transition>
+    </mc:Choice>
+    <mc:Fallback>
+      <p:transition spd="slow">
+        <p:fade/>
+      </p:transition>
+    </mc:Fallback>
+  </mc:AlternateContent>
+</p:sld>
+</file>
+
+<file path=ppt/slides/slide13.xml><?xml version="1.0" encoding="utf-8"?>
+<p:sld xmlns:a="http://schemas.openxmlformats.org/drawingml/2006/main" xmlns:r="http://schemas.openxmlformats.org/officeDocument/2006/relationships" xmlns:p="http://schemas.openxmlformats.org/presentationml/2006/main">
+  <p:cSld>
+    <p:spTree>
+      <p:nvGrpSpPr>
+        <p:cNvPr id="1" name=""/>
+        <p:cNvGrpSpPr/>
+        <p:nvPr/>
+      </p:nvGrpSpPr>
+      <p:grpSpPr>
+        <a:xfrm>
+          <a:off x="0" y="0"/>
+          <a:ext cx="0" cy="0"/>
+          <a:chOff x="0" y="0"/>
+          <a:chExt cx="0" cy="0"/>
+        </a:xfrm>
+      </p:grpSpPr>
+      <p:sp>
+        <p:nvSpPr>
+          <p:cNvPr id="2" name="CasellaDiTesto 1">
+            <a:extLst>
+              <a:ext uri="{FF2B5EF4-FFF2-40B4-BE49-F238E27FC236}">
+                <a16:creationId xmlns:a16="http://schemas.microsoft.com/office/drawing/2014/main" id="{38BA3586-F59C-DF1A-CB32-08447C005D0E}"/>
+              </a:ext>
+            </a:extLst>
+          </p:cNvPr>
+          <p:cNvSpPr txBox="1"/>
+          <p:nvPr/>
+        </p:nvSpPr>
+        <p:spPr>
+          <a:xfrm>
+            <a:off x="198913" y="458128"/>
+            <a:ext cx="10860922" cy="6294031"/>
+          </a:xfrm>
+          <a:prstGeom prst="rect">
+            <a:avLst/>
+          </a:prstGeom>
+          <a:noFill/>
+        </p:spPr>
+        <p:txBody>
+          <a:bodyPr wrap="none" rtlCol="0">
+            <a:spAutoFit/>
+          </a:bodyPr>
+          <a:lstStyle/>
+          <a:p>
+            <a:r>
+              <a:rPr lang="it-IT" sz="1600" dirty="0"/>
+              <a:t>Passo 3:  Aggiungi il codice per la lettura del tag NFC. </a:t>
+            </a:r>
+          </a:p>
+          <a:p>
+            <a:r>
+              <a:rPr lang="it-IT" sz="1600" dirty="0"/>
+              <a:t>Per leggere il contenuto del tag NFC, si deve implementare il protocollo </a:t>
+            </a:r>
+            <a:r>
+              <a:rPr lang="it-IT" sz="1600" dirty="0" err="1"/>
+              <a:t>NFCTagReaderSessionDelegate</a:t>
+            </a:r>
+            <a:r>
+              <a:rPr lang="it-IT" sz="1600" dirty="0"/>
+              <a:t>. </a:t>
+            </a:r>
+          </a:p>
+          <a:p>
+            <a:r>
+              <a:rPr lang="it-IT" sz="1150" dirty="0"/>
+              <a:t>...</a:t>
+            </a:r>
+          </a:p>
+          <a:p>
+            <a:r>
+              <a:rPr lang="it-IT" sz="1200" dirty="0"/>
+              <a:t>extension </a:t>
+            </a:r>
+            <a:r>
+              <a:rPr lang="it-IT" sz="1200" dirty="0" err="1"/>
+              <a:t>ContentView</a:t>
+            </a:r>
+            <a:r>
+              <a:rPr lang="it-IT" sz="1200" dirty="0"/>
+              <a:t>: </a:t>
+            </a:r>
+            <a:r>
+              <a:rPr lang="it-IT" sz="1200" dirty="0" err="1"/>
+              <a:t>NFCTagReaderSessionDelegate</a:t>
+            </a:r>
+            <a:r>
+              <a:rPr lang="it-IT" sz="1200" dirty="0"/>
+              <a:t> {</a:t>
+            </a:r>
+          </a:p>
+          <a:p>
+            <a:r>
+              <a:rPr lang="it-IT" sz="1200" dirty="0"/>
+              <a:t>    </a:t>
+            </a:r>
+            <a:r>
+              <a:rPr lang="it-IT" sz="1200" dirty="0" err="1"/>
+              <a:t>func</a:t>
+            </a:r>
+            <a:r>
+              <a:rPr lang="it-IT" sz="1200" dirty="0"/>
+              <a:t> </a:t>
+            </a:r>
+            <a:r>
+              <a:rPr lang="it-IT" sz="1200" dirty="0" err="1"/>
+              <a:t>tagReaderSession</a:t>
+            </a:r>
+            <a:r>
+              <a:rPr lang="it-IT" sz="1200" dirty="0"/>
+              <a:t>(_ session: </a:t>
+            </a:r>
+            <a:r>
+              <a:rPr lang="it-IT" sz="1200" dirty="0" err="1"/>
+              <a:t>NFCTagReaderSession</a:t>
+            </a:r>
+            <a:r>
+              <a:rPr lang="it-IT" sz="1200" dirty="0"/>
+              <a:t>, </a:t>
+            </a:r>
+            <a:r>
+              <a:rPr lang="it-IT" sz="1200" dirty="0" err="1"/>
+              <a:t>didDetect</a:t>
+            </a:r>
+            <a:r>
+              <a:rPr lang="it-IT" sz="1200" dirty="0"/>
+              <a:t> tags: [</a:t>
+            </a:r>
+            <a:r>
+              <a:rPr lang="it-IT" sz="1200" dirty="0" err="1"/>
+              <a:t>NFCTag</a:t>
+            </a:r>
+            <a:r>
+              <a:rPr lang="it-IT" sz="1200" dirty="0"/>
+              <a:t>]) {</a:t>
+            </a:r>
+          </a:p>
+          <a:p>
+            <a:r>
+              <a:rPr lang="it-IT" sz="1200" dirty="0"/>
+              <a:t>        </a:t>
+            </a:r>
+            <a:r>
+              <a:rPr lang="it-IT" sz="1200" dirty="0" err="1"/>
+              <a:t>guard</a:t>
+            </a:r>
+            <a:r>
+              <a:rPr lang="it-IT" sz="1200" dirty="0"/>
+              <a:t> </a:t>
+            </a:r>
+            <a:r>
+              <a:rPr lang="it-IT" sz="1200" dirty="0" err="1"/>
+              <a:t>let</a:t>
+            </a:r>
+            <a:r>
+              <a:rPr lang="it-IT" sz="1200" dirty="0"/>
+              <a:t> tag = </a:t>
+            </a:r>
+            <a:r>
+              <a:rPr lang="it-IT" sz="1200" dirty="0" err="1"/>
+              <a:t>tags.first</a:t>
+            </a:r>
+            <a:r>
+              <a:rPr lang="it-IT" sz="1200" dirty="0"/>
+              <a:t> else {</a:t>
+            </a:r>
+          </a:p>
+          <a:p>
+            <a:r>
+              <a:rPr lang="it-IT" sz="1200" dirty="0"/>
+              <a:t>            </a:t>
+            </a:r>
+            <a:r>
+              <a:rPr lang="it-IT" sz="1200" dirty="0" err="1"/>
+              <a:t>session.invalidate</a:t>
+            </a:r>
+            <a:r>
+              <a:rPr lang="it-IT" sz="1200" dirty="0"/>
+              <a:t>(</a:t>
+            </a:r>
+            <a:r>
+              <a:rPr lang="it-IT" sz="1200" dirty="0" err="1"/>
+              <a:t>errorMessage</a:t>
+            </a:r>
+            <a:r>
+              <a:rPr lang="it-IT" sz="1200" dirty="0"/>
+              <a:t>: "Nessun tag rilevato")</a:t>
+            </a:r>
+          </a:p>
+          <a:p>
+            <a:r>
+              <a:rPr lang="it-IT" sz="1200" dirty="0"/>
+              <a:t>            </a:t>
+            </a:r>
+            <a:r>
+              <a:rPr lang="it-IT" sz="1200" dirty="0" err="1"/>
+              <a:t>return</a:t>
+            </a:r>
+            <a:endParaRPr lang="it-IT" sz="1200" dirty="0"/>
+          </a:p>
+          <a:p>
+            <a:r>
+              <a:rPr lang="it-IT" sz="1200" dirty="0"/>
+              <a:t>        }</a:t>
+            </a:r>
+          </a:p>
+          <a:p>
+            <a:r>
+              <a:rPr lang="it-IT" sz="1200" dirty="0"/>
+              <a:t>        </a:t>
+            </a:r>
+            <a:r>
+              <a:rPr lang="it-IT" sz="1200" dirty="0" err="1"/>
+              <a:t>session.connect</a:t>
+            </a:r>
+            <a:r>
+              <a:rPr lang="it-IT" sz="1200" dirty="0"/>
+              <a:t>(to: tag) { (</a:t>
+            </a:r>
+            <a:r>
+              <a:rPr lang="it-IT" sz="1200" dirty="0" err="1"/>
+              <a:t>error</a:t>
+            </a:r>
+            <a:r>
+              <a:rPr lang="it-IT" sz="1200" dirty="0"/>
+              <a:t>: </a:t>
+            </a:r>
+            <a:r>
+              <a:rPr lang="it-IT" sz="1200" dirty="0" err="1"/>
+              <a:t>Error</a:t>
+            </a:r>
+            <a:r>
+              <a:rPr lang="it-IT" sz="1200" dirty="0"/>
+              <a:t>?) in</a:t>
+            </a:r>
+          </a:p>
+          <a:p>
+            <a:r>
+              <a:rPr lang="it-IT" sz="1200" dirty="0"/>
+              <a:t>            </a:t>
+            </a:r>
+            <a:r>
+              <a:rPr lang="it-IT" sz="1200" dirty="0" err="1"/>
+              <a:t>if</a:t>
+            </a:r>
+            <a:r>
+              <a:rPr lang="it-IT" sz="1200" dirty="0"/>
+              <a:t> </a:t>
+            </a:r>
+            <a:r>
+              <a:rPr lang="it-IT" sz="1200" dirty="0" err="1"/>
+              <a:t>error</a:t>
+            </a:r>
+            <a:r>
+              <a:rPr lang="it-IT" sz="1200" dirty="0"/>
+              <a:t> != nil {</a:t>
+            </a:r>
+          </a:p>
+          <a:p>
+            <a:r>
+              <a:rPr lang="it-IT" sz="1200" dirty="0"/>
+              <a:t>                </a:t>
+            </a:r>
+            <a:r>
+              <a:rPr lang="it-IT" sz="1200" dirty="0" err="1"/>
+              <a:t>session.invalidate</a:t>
+            </a:r>
+            <a:r>
+              <a:rPr lang="it-IT" sz="1200" dirty="0"/>
+              <a:t>(</a:t>
+            </a:r>
+            <a:r>
+              <a:rPr lang="it-IT" sz="1200" dirty="0" err="1"/>
+              <a:t>errorMessage</a:t>
+            </a:r>
+            <a:r>
+              <a:rPr lang="it-IT" sz="1200" dirty="0"/>
+              <a:t>: "Errore di connessione al tag NFC")</a:t>
+            </a:r>
+          </a:p>
+          <a:p>
+            <a:r>
+              <a:rPr lang="it-IT" sz="1200" dirty="0"/>
+              <a:t>                </a:t>
+            </a:r>
+            <a:r>
+              <a:rPr lang="it-IT" sz="1200" dirty="0" err="1"/>
+              <a:t>return</a:t>
+            </a:r>
+            <a:endParaRPr lang="it-IT" sz="1200" dirty="0"/>
+          </a:p>
+          <a:p>
+            <a:r>
+              <a:rPr lang="it-IT" sz="1200" dirty="0"/>
+              <a:t>            }</a:t>
+            </a:r>
+          </a:p>
+          <a:p>
+            <a:r>
+              <a:rPr lang="it-IT" sz="1200" dirty="0"/>
+              <a:t>            </a:t>
+            </a:r>
+            <a:r>
+              <a:rPr lang="it-IT" sz="1200" dirty="0" err="1"/>
+              <a:t>if</a:t>
+            </a:r>
+            <a:r>
+              <a:rPr lang="it-IT" sz="1200" dirty="0"/>
+              <a:t> case </a:t>
+            </a:r>
+            <a:r>
+              <a:rPr lang="it-IT" sz="1200" dirty="0" err="1"/>
+              <a:t>let</a:t>
+            </a:r>
+            <a:r>
+              <a:rPr lang="it-IT" sz="1200" dirty="0"/>
+              <a:t> </a:t>
+            </a:r>
+            <a:r>
+              <a:rPr lang="it-IT" sz="1200" dirty="0" err="1"/>
+              <a:t>NFCTag.miFare</a:t>
+            </a:r>
+            <a:r>
+              <a:rPr lang="it-IT" sz="1200" dirty="0"/>
+              <a:t>(</a:t>
+            </a:r>
+            <a:r>
+              <a:rPr lang="it-IT" sz="1200" dirty="0" err="1"/>
+              <a:t>miFareTag</a:t>
+            </a:r>
+            <a:r>
+              <a:rPr lang="it-IT" sz="1200" dirty="0"/>
+              <a:t>) = tag {</a:t>
+            </a:r>
+          </a:p>
+          <a:p>
+            <a:r>
+              <a:rPr lang="it-IT" sz="1200" dirty="0"/>
+              <a:t>                </a:t>
+            </a:r>
+            <a:r>
+              <a:rPr lang="it-IT" sz="1200" dirty="0" err="1"/>
+              <a:t>let</a:t>
+            </a:r>
+            <a:r>
+              <a:rPr lang="it-IT" sz="1200" dirty="0"/>
+              <a:t> </a:t>
+            </a:r>
+            <a:r>
+              <a:rPr lang="it-IT" sz="1200" dirty="0" err="1"/>
+              <a:t>apdu</a:t>
+            </a:r>
+            <a:r>
+              <a:rPr lang="it-IT" sz="1200" dirty="0"/>
+              <a:t> = NFCISO7816APDU(</a:t>
+            </a:r>
+            <a:r>
+              <a:rPr lang="it-IT" sz="1200" dirty="0" err="1"/>
+              <a:t>instructionClass</a:t>
+            </a:r>
+            <a:r>
+              <a:rPr lang="it-IT" sz="1200" dirty="0"/>
+              <a:t>: 0x00, </a:t>
+            </a:r>
+            <a:r>
+              <a:rPr lang="it-IT" sz="1200" dirty="0" err="1"/>
+              <a:t>instructionCode</a:t>
+            </a:r>
+            <a:r>
+              <a:rPr lang="it-IT" sz="1200" dirty="0"/>
+              <a:t>: 0xB0, p1Parameter: 0x00, p2Parameter: 0x00, data: Data(), </a:t>
+            </a:r>
+            <a:r>
+              <a:rPr lang="it-IT" sz="1200" dirty="0" err="1"/>
+              <a:t>expectedResponseLength</a:t>
+            </a:r>
+            <a:r>
+              <a:rPr lang="it-IT" sz="1200" dirty="0"/>
+              <a:t>: 16)</a:t>
+            </a:r>
+          </a:p>
+          <a:p>
+            <a:r>
+              <a:rPr lang="it-IT" sz="1200" dirty="0"/>
+              <a:t>                </a:t>
+            </a:r>
+            <a:r>
+              <a:rPr lang="it-IT" sz="1200" dirty="0" err="1"/>
+              <a:t>miFareTag.sendCommand</a:t>
+            </a:r>
+            <a:r>
+              <a:rPr lang="it-IT" sz="1200" dirty="0"/>
+              <a:t>(</a:t>
+            </a:r>
+            <a:r>
+              <a:rPr lang="it-IT" sz="1200" dirty="0" err="1"/>
+              <a:t>apdu</a:t>
+            </a:r>
+            <a:r>
+              <a:rPr lang="it-IT" sz="1200" dirty="0"/>
+              <a:t>: </a:t>
+            </a:r>
+            <a:r>
+              <a:rPr lang="it-IT" sz="1200" dirty="0" err="1"/>
+              <a:t>apdu</a:t>
+            </a:r>
+            <a:r>
+              <a:rPr lang="it-IT" sz="1200" dirty="0"/>
+              <a:t>) { (</a:t>
+            </a:r>
+            <a:r>
+              <a:rPr lang="it-IT" sz="1200" dirty="0" err="1"/>
+              <a:t>responseData</a:t>
+            </a:r>
+            <a:r>
+              <a:rPr lang="it-IT" sz="1200" dirty="0"/>
+              <a:t>, sw1, sw2, </a:t>
+            </a:r>
+            <a:r>
+              <a:rPr lang="it-IT" sz="1200" dirty="0" err="1"/>
+              <a:t>error</a:t>
+            </a:r>
+            <a:r>
+              <a:rPr lang="it-IT" sz="1200" dirty="0"/>
+              <a:t>) in</a:t>
+            </a:r>
+          </a:p>
+          <a:p>
+            <a:r>
+              <a:rPr lang="it-IT" sz="1200" dirty="0"/>
+              <a:t>                    </a:t>
+            </a:r>
+            <a:r>
+              <a:rPr lang="it-IT" sz="1200" dirty="0" err="1"/>
+              <a:t>if</a:t>
+            </a:r>
+            <a:r>
+              <a:rPr lang="it-IT" sz="1200" dirty="0"/>
+              <a:t> </a:t>
+            </a:r>
+            <a:r>
+              <a:rPr lang="it-IT" sz="1200" dirty="0" err="1"/>
+              <a:t>let</a:t>
+            </a:r>
+            <a:r>
+              <a:rPr lang="it-IT" sz="1200" dirty="0"/>
+              <a:t> </a:t>
+            </a:r>
+            <a:r>
+              <a:rPr lang="it-IT" sz="1200" dirty="0" err="1"/>
+              <a:t>error</a:t>
+            </a:r>
+            <a:r>
+              <a:rPr lang="it-IT" sz="1200" dirty="0"/>
+              <a:t> = </a:t>
+            </a:r>
+            <a:r>
+              <a:rPr lang="it-IT" sz="1200" dirty="0" err="1"/>
+              <a:t>error</a:t>
+            </a:r>
+            <a:r>
+              <a:rPr lang="it-IT" sz="1200" dirty="0"/>
+              <a:t> {</a:t>
+            </a:r>
+          </a:p>
+          <a:p>
+            <a:r>
+              <a:rPr lang="it-IT" sz="1200" dirty="0"/>
+              <a:t>                        </a:t>
+            </a:r>
+            <a:r>
+              <a:rPr lang="it-IT" sz="1200" dirty="0" err="1"/>
+              <a:t>session.invalidate</a:t>
+            </a:r>
+            <a:r>
+              <a:rPr lang="it-IT" sz="1200" dirty="0"/>
+              <a:t>(</a:t>
+            </a:r>
+            <a:r>
+              <a:rPr lang="it-IT" sz="1200" dirty="0" err="1"/>
+              <a:t>errorMessage</a:t>
+            </a:r>
+            <a:r>
+              <a:rPr lang="it-IT" sz="1200" dirty="0"/>
+              <a:t>: "Errore nella lettura del tag NFC: \(</a:t>
+            </a:r>
+            <a:r>
+              <a:rPr lang="it-IT" sz="1200" dirty="0" err="1"/>
+              <a:t>error.localizedDescription</a:t>
+            </a:r>
+            <a:r>
+              <a:rPr lang="it-IT" sz="1200" dirty="0"/>
+              <a:t>)")</a:t>
+            </a:r>
+          </a:p>
+          <a:p>
+            <a:r>
+              <a:rPr lang="it-IT" sz="1200" dirty="0"/>
+              <a:t>                        </a:t>
+            </a:r>
+            <a:r>
+              <a:rPr lang="it-IT" sz="1200" dirty="0" err="1"/>
+              <a:t>return</a:t>
+            </a:r>
+            <a:endParaRPr lang="it-IT" sz="1200" dirty="0"/>
+          </a:p>
+          <a:p>
+            <a:r>
+              <a:rPr lang="it-IT" sz="1200" dirty="0"/>
+              <a:t>                    }</a:t>
+            </a:r>
+          </a:p>
+          <a:p>
+            <a:r>
+              <a:rPr lang="it-IT" sz="1200" dirty="0"/>
+              <a:t>                    </a:t>
+            </a:r>
+            <a:r>
+              <a:rPr lang="it-IT" sz="1200" dirty="0" err="1"/>
+              <a:t>if</a:t>
+            </a:r>
+            <a:r>
+              <a:rPr lang="it-IT" sz="1200" dirty="0"/>
+              <a:t> sw1 == 0x90 &amp;&amp; sw2 == 0x00 {</a:t>
+            </a:r>
+          </a:p>
+          <a:p>
+            <a:r>
+              <a:rPr lang="it-IT" sz="1200" dirty="0"/>
+              <a:t>                        </a:t>
+            </a:r>
+            <a:r>
+              <a:rPr lang="it-IT" sz="1200" dirty="0" err="1"/>
+              <a:t>let</a:t>
+            </a:r>
+            <a:r>
+              <a:rPr lang="it-IT" sz="1200" dirty="0"/>
+              <a:t> </a:t>
+            </a:r>
+            <a:r>
+              <a:rPr lang="it-IT" sz="1200" dirty="0" err="1"/>
+              <a:t>tagContent</a:t>
+            </a:r>
+            <a:r>
+              <a:rPr lang="it-IT" sz="1200" dirty="0"/>
+              <a:t> = </a:t>
+            </a:r>
+            <a:r>
+              <a:rPr lang="it-IT" sz="1200" dirty="0" err="1"/>
+              <a:t>String</a:t>
+            </a:r>
+            <a:r>
+              <a:rPr lang="it-IT" sz="1200" dirty="0"/>
+              <a:t>(data: </a:t>
+            </a:r>
+            <a:r>
+              <a:rPr lang="it-IT" sz="1200" dirty="0" err="1"/>
+              <a:t>responseData</a:t>
+            </a:r>
+            <a:r>
+              <a:rPr lang="it-IT" sz="1200" dirty="0"/>
+              <a:t> ?? Data(), </a:t>
+            </a:r>
+            <a:r>
+              <a:rPr lang="it-IT" sz="1200" dirty="0" err="1"/>
+              <a:t>encoding</a:t>
+            </a:r>
+            <a:r>
+              <a:rPr lang="it-IT" sz="1200" dirty="0"/>
+              <a:t>: .utf8) ?? "Nessun contenuto trovato"</a:t>
+            </a:r>
+          </a:p>
+          <a:p>
+            <a:r>
+              <a:rPr lang="it-IT" sz="1200" dirty="0"/>
+              <a:t>                        </a:t>
+            </a:r>
+            <a:r>
+              <a:rPr lang="it-IT" sz="1200" dirty="0" err="1"/>
+              <a:t>DispatchQueue.main.async</a:t>
+            </a:r>
+            <a:r>
+              <a:rPr lang="it-IT" sz="1200" dirty="0"/>
+              <a:t> {</a:t>
+            </a:r>
+          </a:p>
+          <a:p>
+            <a:r>
+              <a:rPr lang="it-IT" sz="1200" dirty="0"/>
+              <a:t>                            </a:t>
+            </a:r>
+            <a:r>
+              <a:rPr lang="it-IT" sz="1200" dirty="0" err="1"/>
+              <a:t>self.tagContent</a:t>
+            </a:r>
+            <a:r>
+              <a:rPr lang="it-IT" sz="1200" dirty="0"/>
+              <a:t> = </a:t>
+            </a:r>
+            <a:r>
+              <a:rPr lang="it-IT" sz="1200" dirty="0" err="1"/>
+              <a:t>tagContent</a:t>
+            </a:r>
+            <a:endParaRPr lang="it-IT" sz="1200" dirty="0"/>
+          </a:p>
+          <a:p>
+            <a:r>
+              <a:rPr lang="it-IT" sz="1200" dirty="0"/>
+              <a:t>                        }</a:t>
+            </a:r>
+          </a:p>
+          <a:p>
+            <a:r>
+              <a:rPr lang="it-IT" sz="1200" dirty="0"/>
+              <a:t>                    } else {</a:t>
+            </a:r>
+          </a:p>
+          <a:p>
+            <a:r>
+              <a:rPr lang="it-IT" sz="1200" dirty="0"/>
+              <a:t>                        </a:t>
+            </a:r>
+            <a:r>
+              <a:rPr lang="it-IT" sz="1200" dirty="0" err="1"/>
+              <a:t>session.invalidate</a:t>
+            </a:r>
+            <a:r>
+              <a:rPr lang="it-IT" sz="1200" dirty="0"/>
+              <a:t>(</a:t>
+            </a:r>
+            <a:r>
+              <a:rPr lang="it-IT" sz="1200" dirty="0" err="1"/>
+              <a:t>errorMessage</a:t>
+            </a:r>
+            <a:r>
+              <a:rPr lang="it-IT" sz="1200" dirty="0"/>
+              <a:t>: "Errore nella lettura del tag NFC")</a:t>
+            </a:r>
+          </a:p>
+          <a:p>
+            <a:r>
+              <a:rPr lang="it-IT" sz="1200" dirty="0"/>
+              <a:t>                    }</a:t>
+            </a:r>
+          </a:p>
+          <a:p>
+            <a:r>
+              <a:rPr lang="it-IT" sz="1200" dirty="0"/>
+              <a:t>                }</a:t>
+            </a:r>
+          </a:p>
+          <a:p>
+            <a:r>
+              <a:rPr lang="it-IT" sz="1200" dirty="0"/>
+              <a:t>            } else {</a:t>
+            </a:r>
+          </a:p>
+          <a:p>
+            <a:r>
+              <a:rPr lang="it-IT" sz="1200" dirty="0"/>
+              <a:t>                </a:t>
+            </a:r>
+            <a:r>
+              <a:rPr lang="it-IT" sz="1200" dirty="0" err="1"/>
+              <a:t>session.invalidate</a:t>
+            </a:r>
+            <a:r>
+              <a:rPr lang="it-IT" sz="1200" dirty="0"/>
+              <a:t>(</a:t>
+            </a:r>
+            <a:r>
+              <a:rPr lang="it-IT" sz="1200" dirty="0" err="1"/>
+              <a:t>errorMessage</a:t>
+            </a:r>
+            <a:r>
+              <a:rPr lang="it-IT" sz="1200" dirty="0"/>
+              <a:t>: "Il tag NFC non è supportato")</a:t>
+            </a:r>
+          </a:p>
+          <a:p>
+            <a:r>
+              <a:rPr lang="it-IT" sz="1150" dirty="0"/>
+              <a:t>…</a:t>
+            </a:r>
+          </a:p>
+        </p:txBody>
+      </p:sp>
+      <p:sp>
+        <p:nvSpPr>
+          <p:cNvPr id="4" name="CasellaDiTesto 3">
+            <a:extLst>
+              <a:ext uri="{FF2B5EF4-FFF2-40B4-BE49-F238E27FC236}">
+                <a16:creationId xmlns:a16="http://schemas.microsoft.com/office/drawing/2014/main" id="{220EC491-F4EE-8E08-2CEA-5DD15139D5DE}"/>
+              </a:ext>
+            </a:extLst>
+          </p:cNvPr>
+          <p:cNvSpPr txBox="1"/>
+          <p:nvPr/>
+        </p:nvSpPr>
+        <p:spPr>
+          <a:xfrm>
+            <a:off x="6705600" y="1156469"/>
+            <a:ext cx="4686283" cy="2031325"/>
+          </a:xfrm>
+          <a:prstGeom prst="rect">
+            <a:avLst/>
+          </a:prstGeom>
+        </p:spPr>
+        <p:style>
+          <a:lnRef idx="2">
+            <a:schemeClr val="accent2"/>
+          </a:lnRef>
+          <a:fillRef idx="1">
+            <a:schemeClr val="lt1"/>
+          </a:fillRef>
+          <a:effectRef idx="0">
+            <a:schemeClr val="accent2"/>
+          </a:effectRef>
+          <a:fontRef idx="minor">
+            <a:schemeClr val="dk1"/>
+          </a:fontRef>
+        </p:style>
+        <p:txBody>
+          <a:bodyPr wrap="none" rtlCol="0">
+            <a:spAutoFit/>
+          </a:bodyPr>
+          <a:lstStyle/>
+          <a:p>
+            <a:r>
+              <a:rPr lang="it-IT" sz="1400" dirty="0"/>
+              <a:t>In questa estensione, si è implementata la funzione</a:t>
+            </a:r>
+          </a:p>
+          <a:p>
+            <a:r>
+              <a:rPr lang="it-IT" sz="1400" dirty="0"/>
+              <a:t> </a:t>
+            </a:r>
+            <a:r>
+              <a:rPr lang="it-IT" sz="1400" dirty="0" err="1"/>
+              <a:t>tagReaderSession</a:t>
+            </a:r>
+            <a:r>
+              <a:rPr lang="it-IT" sz="1400" dirty="0"/>
+              <a:t>(_:</a:t>
+            </a:r>
+            <a:r>
+              <a:rPr lang="it-IT" sz="1400" dirty="0" err="1"/>
+              <a:t>didDetect</a:t>
+            </a:r>
+            <a:r>
+              <a:rPr lang="it-IT" sz="1400" dirty="0"/>
+              <a:t>:) che viene chiamata quando</a:t>
+            </a:r>
+          </a:p>
+          <a:p>
+            <a:r>
+              <a:rPr lang="it-IT" sz="1400" dirty="0"/>
+              <a:t> viene rilevato un tag NFC.</a:t>
+            </a:r>
+          </a:p>
+          <a:p>
+            <a:r>
+              <a:rPr lang="it-IT" sz="1400" dirty="0"/>
+              <a:t>Questa funzione controlla se il tag è un tag </a:t>
+            </a:r>
+            <a:r>
+              <a:rPr lang="it-IT" sz="1400" dirty="0" err="1"/>
+              <a:t>MiFare</a:t>
+            </a:r>
+            <a:r>
+              <a:rPr lang="it-IT" sz="1400" dirty="0"/>
+              <a:t>,</a:t>
+            </a:r>
+          </a:p>
+          <a:p>
+            <a:r>
+              <a:rPr lang="it-IT" sz="1400" dirty="0"/>
+              <a:t>quindi crea un APDU (Application </a:t>
+            </a:r>
+            <a:r>
+              <a:rPr lang="it-IT" sz="1400" dirty="0" err="1"/>
+              <a:t>Protocol</a:t>
+            </a:r>
+            <a:r>
+              <a:rPr lang="it-IT" sz="1400" dirty="0"/>
+              <a:t> Data Unit)</a:t>
+            </a:r>
+          </a:p>
+          <a:p>
+            <a:r>
+              <a:rPr lang="it-IT" sz="1400" dirty="0"/>
+              <a:t>per leggere il contenuto del tag e lo invia al tag con la </a:t>
+            </a:r>
+          </a:p>
+          <a:p>
+            <a:r>
+              <a:rPr lang="it-IT" sz="1400" dirty="0"/>
+              <a:t>funzione </a:t>
+            </a:r>
+            <a:r>
+              <a:rPr lang="it-IT" sz="1400" dirty="0" err="1"/>
+              <a:t>miFareTag.sendCommand</a:t>
+            </a:r>
+            <a:r>
+              <a:rPr lang="it-IT" sz="1400" dirty="0"/>
+              <a:t>(...).</a:t>
+            </a:r>
+          </a:p>
+          <a:p>
+            <a:r>
+              <a:rPr lang="it-IT" sz="1400" dirty="0"/>
+              <a:t>Se la lettura è avvenuta con successo, aggiorniamo l'interfaccia</a:t>
+            </a:r>
+          </a:p>
+          <a:p>
+            <a:r>
+              <a:rPr lang="it-IT" sz="1400" dirty="0"/>
+              <a:t> utente con il contenuto del tag.</a:t>
+            </a:r>
+          </a:p>
+        </p:txBody>
+      </p:sp>
+    </p:spTree>
+    <p:extLst>
+      <p:ext uri="{BB962C8B-B14F-4D97-AF65-F5344CB8AC3E}">
+        <p14:creationId xmlns:p14="http://schemas.microsoft.com/office/powerpoint/2010/main" val="1171919795"/>
+      </p:ext>
+    </p:extLst>
+  </p:cSld>
+  <p:clrMapOvr>
+    <a:masterClrMapping/>
+  </p:clrMapOvr>
+  <mc:AlternateContent xmlns:mc="http://schemas.openxmlformats.org/markup-compatibility/2006">
+    <mc:Choice xmlns:p159="http://schemas.microsoft.com/office/powerpoint/2015/09/main" Requires="p159">
+      <p:transition xmlns:p14="http://schemas.microsoft.com/office/powerpoint/2010/main" spd="slow" p14:dur="2000">
+        <p159:morph option="byObject"/>
+      </p:transition>
+    </mc:Choice>
+    <mc:Fallback>
+      <p:transition spd="slow">
+        <p:fade/>
+      </p:transition>
+    </mc:Fallback>
+  </mc:AlternateContent>
+</p:sld>
+</file>
+
+<file path=ppt/slides/slide14.xml><?xml version="1.0" encoding="utf-8"?>
+<p:sld xmlns:a="http://schemas.openxmlformats.org/drawingml/2006/main" xmlns:r="http://schemas.openxmlformats.org/officeDocument/2006/relationships" xmlns:p="http://schemas.openxmlformats.org/presentationml/2006/main">
+  <p:cSld>
+    <p:spTree>
+      <p:nvGrpSpPr>
+        <p:cNvPr id="1" name=""/>
+        <p:cNvGrpSpPr/>
+        <p:nvPr/>
+      </p:nvGrpSpPr>
+      <p:grpSpPr>
+        <a:xfrm>
+          <a:off x="0" y="0"/>
+          <a:ext cx="0" cy="0"/>
+          <a:chOff x="0" y="0"/>
+          <a:chExt cx="0" cy="0"/>
+        </a:xfrm>
+      </p:grpSpPr>
+      <p:sp>
+        <p:nvSpPr>
+          <p:cNvPr id="2" name="CasellaDiTesto 1">
+            <a:extLst>
+              <a:ext uri="{FF2B5EF4-FFF2-40B4-BE49-F238E27FC236}">
+                <a16:creationId xmlns:a16="http://schemas.microsoft.com/office/drawing/2014/main" id="{38BA3586-F59C-DF1A-CB32-08447C005D0E}"/>
+              </a:ext>
+            </a:extLst>
+          </p:cNvPr>
+          <p:cNvSpPr txBox="1"/>
+          <p:nvPr/>
+        </p:nvSpPr>
+        <p:spPr>
+          <a:xfrm>
+            <a:off x="187624" y="785448"/>
+            <a:ext cx="7809767" cy="3354765"/>
+          </a:xfrm>
+          <a:prstGeom prst="rect">
+            <a:avLst/>
+          </a:prstGeom>
+          <a:noFill/>
+        </p:spPr>
+        <p:txBody>
+          <a:bodyPr wrap="none" rtlCol="0">
+            <a:spAutoFit/>
+          </a:bodyPr>
+          <a:lstStyle/>
+          <a:p>
+            <a:r>
+              <a:rPr lang="it-IT" dirty="0"/>
+              <a:t>Passo 4:  Attiva la lettura del tag NFC</a:t>
+            </a:r>
+          </a:p>
+          <a:p>
+            <a:r>
+              <a:rPr lang="it-IT" sz="1600" dirty="0"/>
+              <a:t>Attivazione della lettura del tag NFC quando si fa clic sul Bottone.  Cambiamo il bottone in:</a:t>
+            </a:r>
+          </a:p>
+          <a:p>
+            <a:endParaRPr lang="it-IT" sz="1600" dirty="0"/>
+          </a:p>
+          <a:p>
+            <a:endParaRPr lang="it-IT" sz="1600" dirty="0"/>
+          </a:p>
+          <a:p>
+            <a:endParaRPr lang="it-IT" sz="1600" dirty="0"/>
+          </a:p>
+          <a:p>
+            <a:endParaRPr lang="it-IT" sz="1600" dirty="0"/>
+          </a:p>
+          <a:p>
+            <a:r>
+              <a:rPr lang="it-IT" sz="1400" dirty="0"/>
+              <a:t>Button(action: {</a:t>
+            </a:r>
+          </a:p>
+          <a:p>
+            <a:r>
+              <a:rPr lang="it-IT" sz="1400" dirty="0"/>
+              <a:t>    </a:t>
+            </a:r>
+            <a:r>
+              <a:rPr lang="it-IT" sz="1400" dirty="0" err="1"/>
+              <a:t>let</a:t>
+            </a:r>
+            <a:r>
+              <a:rPr lang="it-IT" sz="1400" dirty="0"/>
+              <a:t> session = </a:t>
+            </a:r>
+            <a:r>
+              <a:rPr lang="it-IT" sz="1400" dirty="0" err="1"/>
+              <a:t>NFCTagReaderSession</a:t>
+            </a:r>
+            <a:r>
+              <a:rPr lang="it-IT" sz="1400" dirty="0"/>
+              <a:t>(</a:t>
+            </a:r>
+            <a:r>
+              <a:rPr lang="it-IT" sz="1400" dirty="0" err="1"/>
+              <a:t>pollingOption</a:t>
+            </a:r>
+            <a:r>
+              <a:rPr lang="it-IT" sz="1400" dirty="0"/>
+              <a:t>: .iso14443, delegate: self)</a:t>
+            </a:r>
+          </a:p>
+          <a:p>
+            <a:r>
+              <a:rPr lang="it-IT" sz="1400" dirty="0"/>
+              <a:t>    </a:t>
+            </a:r>
+            <a:r>
+              <a:rPr lang="it-IT" sz="1400" dirty="0" err="1"/>
+              <a:t>session.alertMessage</a:t>
+            </a:r>
+            <a:r>
+              <a:rPr lang="it-IT" sz="1400" dirty="0"/>
+              <a:t> = "Tieni il tag NFC vicino all'iPhone per leggerlo."</a:t>
+            </a:r>
+          </a:p>
+          <a:p>
+            <a:r>
+              <a:rPr lang="it-IT" sz="1400" dirty="0"/>
+              <a:t>    </a:t>
+            </a:r>
+            <a:r>
+              <a:rPr lang="it-IT" sz="1400" dirty="0" err="1"/>
+              <a:t>session.begin</a:t>
+            </a:r>
+            <a:r>
+              <a:rPr lang="it-IT" sz="1400" dirty="0"/>
+              <a:t>()</a:t>
+            </a:r>
+          </a:p>
+          <a:p>
+            <a:r>
+              <a:rPr lang="it-IT" sz="1400" dirty="0"/>
+              <a:t>}) {</a:t>
+            </a:r>
+          </a:p>
+          <a:p>
+            <a:r>
+              <a:rPr lang="it-IT" sz="1400" dirty="0"/>
+              <a:t>    Text("Attiva NFC")</a:t>
+            </a:r>
+          </a:p>
+          <a:p>
+            <a:r>
+              <a:rPr lang="it-IT" sz="1400" dirty="0"/>
+              <a:t>}</a:t>
+            </a:r>
+          </a:p>
+          <a:p>
+            <a:endParaRPr lang="it-IT" sz="1600" dirty="0"/>
+          </a:p>
+        </p:txBody>
+      </p:sp>
+      <p:sp>
+        <p:nvSpPr>
+          <p:cNvPr id="3" name="CasellaDiTesto 2">
+            <a:extLst>
+              <a:ext uri="{FF2B5EF4-FFF2-40B4-BE49-F238E27FC236}">
+                <a16:creationId xmlns:a16="http://schemas.microsoft.com/office/drawing/2014/main" id="{03816B72-C293-1796-9E9A-3EB00F4C5F77}"/>
+              </a:ext>
+            </a:extLst>
+          </p:cNvPr>
+          <p:cNvSpPr txBox="1"/>
+          <p:nvPr/>
+        </p:nvSpPr>
+        <p:spPr>
+          <a:xfrm>
+            <a:off x="6167650" y="2077155"/>
+            <a:ext cx="5836726" cy="1200329"/>
+          </a:xfrm>
+          <a:prstGeom prst="rect">
+            <a:avLst/>
+          </a:prstGeom>
+        </p:spPr>
+        <p:style>
+          <a:lnRef idx="2">
+            <a:schemeClr val="accent2"/>
+          </a:lnRef>
+          <a:fillRef idx="1">
+            <a:schemeClr val="lt1"/>
+          </a:fillRef>
+          <a:effectRef idx="0">
+            <a:schemeClr val="accent2"/>
+          </a:effectRef>
+          <a:fontRef idx="minor">
+            <a:schemeClr val="dk1"/>
+          </a:fontRef>
+        </p:style>
+        <p:txBody>
+          <a:bodyPr wrap="none" rtlCol="0">
+            <a:spAutoFit/>
+          </a:bodyPr>
+          <a:lstStyle/>
+          <a:p>
+            <a:r>
+              <a:rPr lang="it-IT" dirty="0"/>
+              <a:t>Si è creata una nuova sessione </a:t>
+            </a:r>
+            <a:r>
+              <a:rPr lang="it-IT" dirty="0" err="1"/>
+              <a:t>NFCTagReaderSession</a:t>
+            </a:r>
+            <a:endParaRPr lang="it-IT" dirty="0"/>
+          </a:p>
+          <a:p>
+            <a:r>
+              <a:rPr lang="it-IT" dirty="0"/>
+              <a:t>ed è stata avviata con la funzione </a:t>
+            </a:r>
+            <a:r>
+              <a:rPr lang="it-IT" dirty="0" err="1"/>
+              <a:t>begin</a:t>
+            </a:r>
+            <a:r>
+              <a:rPr lang="it-IT" dirty="0"/>
+              <a:t>().</a:t>
+            </a:r>
+          </a:p>
+          <a:p>
+            <a:r>
+              <a:rPr lang="it-IT" dirty="0"/>
+              <a:t>E' stato anche impostato il messaggio di avviso della sessione</a:t>
+            </a:r>
+          </a:p>
+          <a:p>
+            <a:r>
+              <a:rPr lang="it-IT" dirty="0"/>
+              <a:t>con la proprietà </a:t>
+            </a:r>
+            <a:r>
+              <a:rPr lang="it-IT" dirty="0" err="1"/>
+              <a:t>alertMessage</a:t>
+            </a:r>
+            <a:r>
+              <a:rPr lang="it-IT" dirty="0"/>
+              <a:t>.</a:t>
+            </a:r>
+          </a:p>
+        </p:txBody>
+      </p:sp>
+    </p:spTree>
+    <p:extLst>
+      <p:ext uri="{BB962C8B-B14F-4D97-AF65-F5344CB8AC3E}">
+        <p14:creationId xmlns:p14="http://schemas.microsoft.com/office/powerpoint/2010/main" val="37081139"/>
+      </p:ext>
+    </p:extLst>
+  </p:cSld>
+  <p:clrMapOvr>
+    <a:masterClrMapping/>
+  </p:clrMapOvr>
+  <mc:AlternateContent xmlns:mc="http://schemas.openxmlformats.org/markup-compatibility/2006">
+    <mc:Choice xmlns:p159="http://schemas.microsoft.com/office/powerpoint/2015/09/main" Requires="p159">
+      <p:transition xmlns:p14="http://schemas.microsoft.com/office/powerpoint/2010/main" spd="slow" p14:dur="2000">
+        <p159:morph option="byObject"/>
+      </p:transition>
+    </mc:Choice>
+    <mc:Fallback>
+      <p:transition spd="slow">
+        <p:fade/>
+      </p:transition>
+    </mc:Fallback>
+  </mc:AlternateContent>
+</p:sld>
+</file>
+
+<file path=ppt/slides/slide15.xml><?xml version="1.0" encoding="utf-8"?>
+<p:sld xmlns:a="http://schemas.openxmlformats.org/drawingml/2006/main" xmlns:r="http://schemas.openxmlformats.org/officeDocument/2006/relationships" xmlns:p="http://schemas.openxmlformats.org/presentationml/2006/main">
+  <p:cSld>
+    <p:spTree>
+      <p:nvGrpSpPr>
+        <p:cNvPr id="1" name=""/>
+        <p:cNvGrpSpPr/>
+        <p:nvPr/>
+      </p:nvGrpSpPr>
+      <p:grpSpPr>
+        <a:xfrm>
+          <a:off x="0" y="0"/>
+          <a:ext cx="0" cy="0"/>
+          <a:chOff x="0" y="0"/>
+          <a:chExt cx="0" cy="0"/>
+        </a:xfrm>
+      </p:grpSpPr>
+      <p:sp>
+        <p:nvSpPr>
+          <p:cNvPr id="5" name="Titolo 4">
+            <a:extLst>
+              <a:ext uri="{FF2B5EF4-FFF2-40B4-BE49-F238E27FC236}">
+                <a16:creationId xmlns:a16="http://schemas.microsoft.com/office/drawing/2014/main" id="{52556BE9-FFAD-F6F2-244B-C10EB0235A5B}"/>
+              </a:ext>
+            </a:extLst>
+          </p:cNvPr>
+          <p:cNvSpPr>
+            <a:spLocks noGrp="1"/>
+          </p:cNvSpPr>
+          <p:nvPr>
+            <p:ph type="title"/>
+          </p:nvPr>
+        </p:nvSpPr>
+        <p:spPr/>
+        <p:txBody>
+          <a:bodyPr/>
+          <a:lstStyle/>
+          <a:p>
+            <a:pPr algn="ctr"/>
+            <a:r>
+              <a:rPr lang="it-IT" dirty="0"/>
+              <a:t>conclusioni</a:t>
+            </a:r>
+          </a:p>
+        </p:txBody>
+      </p:sp>
+      <p:sp>
+        <p:nvSpPr>
+          <p:cNvPr id="6" name="Segnaposto contenuto 5">
+            <a:extLst>
+              <a:ext uri="{FF2B5EF4-FFF2-40B4-BE49-F238E27FC236}">
+                <a16:creationId xmlns:a16="http://schemas.microsoft.com/office/drawing/2014/main" id="{EB7A7382-3695-51B6-3C6C-12B7B6C01ED4}"/>
+              </a:ext>
+            </a:extLst>
+          </p:cNvPr>
+          <p:cNvSpPr>
+            <a:spLocks noGrp="1"/>
+          </p:cNvSpPr>
+          <p:nvPr>
+            <p:ph idx="1"/>
+          </p:nvPr>
+        </p:nvSpPr>
+        <p:spPr>
+          <a:xfrm>
+            <a:off x="581193" y="1840112"/>
+            <a:ext cx="11029615" cy="1174043"/>
+          </a:xfrm>
+        </p:spPr>
+        <p:txBody>
+          <a:bodyPr>
+            <a:normAutofit lnSpcReduction="10000"/>
+          </a:bodyPr>
+          <a:lstStyle/>
+          <a:p>
+            <a:pPr marL="0" indent="0" algn="just">
+              <a:buNone/>
+            </a:pPr>
+            <a:r>
+              <a:rPr lang="it-IT" dirty="0"/>
+              <a:t>I tag NFC svolgeranno un ruolo inevitabile nei futuri dispositivi intelligenti per funzioni più integrate, nei trasporti, nell'industria aeronautica, nelle spedizioni e nell'industria manifatturiera per l'automazione di particolari attività. L'integrazione della tecnologia NFC nel moderno processo di comunicazione dei dati e di transazione garantisce convenienza, risparmio di tempo, efficienza energetica e, soprattutto, maggiore sicurezza.</a:t>
+            </a:r>
+          </a:p>
+        </p:txBody>
+      </p:sp>
+      <p:pic>
+        <p:nvPicPr>
+          <p:cNvPr id="8" name="Immagine 7" descr="Immagine che contiene diagramma&#10;&#10;Descrizione generata automaticamente">
+            <a:extLst>
+              <a:ext uri="{FF2B5EF4-FFF2-40B4-BE49-F238E27FC236}">
+                <a16:creationId xmlns:a16="http://schemas.microsoft.com/office/drawing/2014/main" id="{7C22C920-9B81-8A95-7099-D960AFAD9034}"/>
+              </a:ext>
+            </a:extLst>
+          </p:cNvPr>
+          <p:cNvPicPr>
+            <a:picLocks noChangeAspect="1"/>
+          </p:cNvPicPr>
+          <p:nvPr/>
+        </p:nvPicPr>
+        <p:blipFill>
+          <a:blip r:embed="rId2"/>
+          <a:stretch>
+            <a:fillRect/>
+          </a:stretch>
+        </p:blipFill>
+        <p:spPr>
+          <a:xfrm>
+            <a:off x="2166008" y="3014155"/>
+            <a:ext cx="7859984" cy="3471219"/>
+          </a:xfrm>
+          <a:prstGeom prst="rect">
+            <a:avLst/>
+          </a:prstGeom>
+        </p:spPr>
+      </p:pic>
+    </p:spTree>
+    <p:extLst>
+      <p:ext uri="{BB962C8B-B14F-4D97-AF65-F5344CB8AC3E}">
+        <p14:creationId xmlns:p14="http://schemas.microsoft.com/office/powerpoint/2010/main" val="2991469760"/>
+      </p:ext>
+    </p:extLst>
+  </p:cSld>
+  <p:clrMapOvr>
+    <a:masterClrMapping/>
+  </p:clrMapOvr>
+  <mc:AlternateContent xmlns:mc="http://schemas.openxmlformats.org/markup-compatibility/2006" xmlns:p159="http://schemas.microsoft.com/office/powerpoint/2015/09/main">
+    <mc:Choice Requires="p159">
+      <p:transition xmlns:p14="http://schemas.microsoft.com/office/powerpoint/2010/main" spd="slow" p14:dur="2000">
+        <p159:morph option="byObject"/>
+      </p:transition>
+    </mc:Choice>
+    <mc:Fallback xmlns="">
+      <p:transition spd="slow">
+        <p:fade/>
+      </p:transition>
+    </mc:Fallback>
+  </mc:AlternateContent>
+  <p:timing>
+    <p:tnLst>
+      <p:par>
+        <p:cTn id="1" dur="indefinite" restart="never" nodeType="tmRoot">
+          <p:childTnLst>
+            <p:seq concurrent="1" nextAc="seek">
+              <p:cTn id="2" dur="indefinite" nodeType="mainSeq">
+                <p:childTnLst>
+                  <p:par>
+                    <p:cTn id="3" fill="hold">
+                      <p:stCondLst>
+                        <p:cond delay="indefinite"/>
+                      </p:stCondLst>
+                      <p:childTnLst>
+                        <p:par>
+                          <p:cTn id="4" fill="hold">
+                            <p:stCondLst>
+                              <p:cond delay="0"/>
+                            </p:stCondLst>
+                            <p:childTnLst>
+                              <p:par>
+                                <p:cTn id="5" presetID="10" presetClass="entr" presetSubtype="0" fill="hold" grpId="0" nodeType="clickEffect">
+                                  <p:stCondLst>
+                                    <p:cond delay="0"/>
+                                  </p:stCondLst>
+                                  <p:childTnLst>
+                                    <p:set>
+                                      <p:cBhvr>
+                                        <p:cTn id="6" dur="1" fill="hold">
+                                          <p:stCondLst>
+                                            <p:cond delay="0"/>
+                                          </p:stCondLst>
+                                        </p:cTn>
+                                        <p:tgtEl>
+                                          <p:spTgt spid="6">
+                                            <p:txEl>
+                                              <p:pRg st="0" end="0"/>
+                                            </p:txEl>
+                                          </p:spTgt>
+                                        </p:tgtEl>
+                                        <p:attrNameLst>
+                                          <p:attrName>style.visibility</p:attrName>
+                                        </p:attrNameLst>
+                                      </p:cBhvr>
+                                      <p:to>
+                                        <p:strVal val="visible"/>
+                                      </p:to>
+                                    </p:set>
+                                    <p:animEffect transition="in" filter="fade">
+                                      <p:cBhvr>
+                                        <p:cTn id="7" dur="500"/>
+                                        <p:tgtEl>
+                                          <p:spTgt spid="6">
+                                            <p:txEl>
+                                              <p:pRg st="0" end="0"/>
+                                            </p:txEl>
+                                          </p:spTgt>
+                                        </p:tgtEl>
+                                      </p:cBhvr>
+                                    </p:animEffect>
+                                  </p:childTnLst>
+                                </p:cTn>
+                              </p:par>
+                              <p:par>
+                                <p:cTn id="8" presetID="10" presetClass="entr" presetSubtype="0" fill="hold" nodeType="withEffect">
+                                  <p:stCondLst>
+                                    <p:cond delay="0"/>
+                                  </p:stCondLst>
+                                  <p:childTnLst>
+                                    <p:set>
+                                      <p:cBhvr>
+                                        <p:cTn id="9" dur="1" fill="hold">
+                                          <p:stCondLst>
+                                            <p:cond delay="0"/>
+                                          </p:stCondLst>
+                                        </p:cTn>
+                                        <p:tgtEl>
+                                          <p:spTgt spid="8"/>
+                                        </p:tgtEl>
+                                        <p:attrNameLst>
+                                          <p:attrName>style.visibility</p:attrName>
+                                        </p:attrNameLst>
+                                      </p:cBhvr>
+                                      <p:to>
+                                        <p:strVal val="visible"/>
+                                      </p:to>
+                                    </p:set>
+                                    <p:animEffect transition="in" filter="fade">
+                                      <p:cBhvr>
+                                        <p:cTn id="10" dur="500"/>
+                                        <p:tgtEl>
+                                          <p:spTgt spid="8"/>
+                                        </p:tgtEl>
+                                      </p:cBhvr>
+                                    </p:animEffect>
+                                  </p:childTnLst>
+                                </p:cTn>
+                              </p:par>
+                            </p:childTnLst>
+                          </p:cTn>
+                        </p:par>
+                      </p:childTnLst>
+                    </p:cTn>
+                  </p:par>
+                </p:childTnLst>
+              </p:cTn>
+              <p:prevCondLst>
+                <p:cond evt="onPrev" delay="0">
+                  <p:tgtEl>
+                    <p:sldTgt/>
+                  </p:tgtEl>
+                </p:cond>
+              </p:prevCondLst>
+              <p:nextCondLst>
+                <p:cond evt="onNext" delay="0">
+                  <p:tgtEl>
+                    <p:sldTgt/>
+                  </p:tgtEl>
+                </p:cond>
+              </p:nextCondLst>
+            </p:seq>
+          </p:childTnLst>
+        </p:cTn>
+      </p:par>
+    </p:tnLst>
+    <p:bldLst>
+      <p:bldP spid="6" grpId="0" build="p"/>
+    </p:bldLst>
+  </p:timing>
+</p:sld>
+</file>
+
+<file path=ppt/slides/slide16.xml><?xml version="1.0" encoding="utf-8"?>
+<p:sld xmlns:a="http://schemas.openxmlformats.org/drawingml/2006/main" xmlns:r="http://schemas.openxmlformats.org/officeDocument/2006/relationships" xmlns:p="http://schemas.openxmlformats.org/presentationml/2006/main">
+  <p:cSld>
+    <p:bg>
+      <p:bgPr>
+        <a:solidFill>
+          <a:schemeClr val="bg1"/>
+        </a:solidFill>
+        <a:effectLst/>
+      </p:bgPr>
+    </p:bg>
+    <p:spTree>
+      <p:nvGrpSpPr>
+        <p:cNvPr id="1" name=""/>
+        <p:cNvGrpSpPr/>
+        <p:nvPr/>
+      </p:nvGrpSpPr>
+      <p:grpSpPr>
+        <a:xfrm>
+          <a:off x="0" y="0"/>
+          <a:ext cx="0" cy="0"/>
+          <a:chOff x="0" y="0"/>
+          <a:chExt cx="0" cy="0"/>
+        </a:xfrm>
+      </p:grpSpPr>
+      <p:sp>
+        <p:nvSpPr>
+          <p:cNvPr id="2" name="Titolo 1">
+            <a:extLst>
+              <a:ext uri="{FF2B5EF4-FFF2-40B4-BE49-F238E27FC236}">
+                <a16:creationId xmlns:a16="http://schemas.microsoft.com/office/drawing/2014/main" id="{0F87E73C-2B1A-4602-BFBE-CFE1E55D9B38}"/>
+              </a:ext>
+            </a:extLst>
+          </p:cNvPr>
+          <p:cNvSpPr>
+            <a:spLocks noGrp="1"/>
+          </p:cNvSpPr>
+          <p:nvPr>
+            <p:ph type="ctrTitle"/>
+          </p:nvPr>
+        </p:nvSpPr>
+        <p:spPr>
+          <a:xfrm>
+            <a:off x="8296275" y="1419226"/>
+            <a:ext cx="3081576" cy="1746762"/>
+          </a:xfrm>
+        </p:spPr>
+        <p:txBody>
+          <a:bodyPr rtlCol="0">
+            <a:normAutofit/>
+          </a:bodyPr>
+          <a:lstStyle/>
+          <a:p>
+            <a:pPr rtl="0"/>
+            <a:r>
+              <a:rPr lang="it-IT" dirty="0">
+                <a:solidFill>
+                  <a:srgbClr val="FFFFFF"/>
+                </a:solidFill>
+              </a:rPr>
+              <a:t>Grazie</a:t>
+            </a:r>
+          </a:p>
+        </p:txBody>
+      </p:sp>
+      <p:sp>
+        <p:nvSpPr>
+          <p:cNvPr id="3" name="Sottotitolo 2">
+            <a:extLst>
+              <a:ext uri="{FF2B5EF4-FFF2-40B4-BE49-F238E27FC236}">
+                <a16:creationId xmlns:a16="http://schemas.microsoft.com/office/drawing/2014/main" id="{A9CB511D-EA45-4336-847C-1252667143B5}"/>
+              </a:ext>
+            </a:extLst>
+          </p:cNvPr>
+          <p:cNvSpPr>
+            <a:spLocks noGrp="1"/>
+          </p:cNvSpPr>
+          <p:nvPr>
+            <p:ph type="subTitle" idx="1"/>
+          </p:nvPr>
+        </p:nvSpPr>
+        <p:spPr>
+          <a:xfrm>
+            <a:off x="7337778" y="4079873"/>
+            <a:ext cx="4040073" cy="1358901"/>
+          </a:xfrm>
+        </p:spPr>
+        <p:txBody>
+          <a:bodyPr rtlCol="0">
+            <a:normAutofit lnSpcReduction="10000"/>
+          </a:bodyPr>
+          <a:lstStyle/>
+          <a:p>
+            <a:pPr rtl="0"/>
+            <a:r>
+              <a:rPr lang="it-IT" dirty="0">
+                <a:solidFill>
+                  <a:schemeClr val="bg2"/>
+                </a:solidFill>
+              </a:rPr>
+              <a:t>Andrea Bedei</a:t>
+            </a:r>
+          </a:p>
+          <a:p>
+            <a:pPr rtl="0"/>
+            <a:r>
+              <a:rPr lang="it-IT" dirty="0">
+                <a:solidFill>
+                  <a:schemeClr val="bg2"/>
+                </a:solidFill>
+                <a:hlinkClick r:id="rId3"/>
+              </a:rPr>
+              <a:t>Andrea.bedei2@studio.unibo.it</a:t>
+            </a:r>
+            <a:endParaRPr lang="it-IT" dirty="0">
+              <a:solidFill>
+                <a:schemeClr val="bg2"/>
+              </a:solidFill>
+            </a:endParaRPr>
+          </a:p>
+          <a:p>
+            <a:pPr rtl="0"/>
+            <a:r>
+              <a:rPr lang="it-IT" dirty="0">
+                <a:solidFill>
+                  <a:schemeClr val="bg2"/>
+                </a:solidFill>
+              </a:rPr>
+              <a:t>Presentazione NFC per  programmazione di sistemi mobile</a:t>
+            </a:r>
+          </a:p>
+          <a:p>
+            <a:pPr rtl="0"/>
+            <a:endParaRPr lang="it-IT" dirty="0">
+              <a:solidFill>
+                <a:schemeClr val="bg2"/>
+              </a:solidFill>
+            </a:endParaRPr>
+          </a:p>
+        </p:txBody>
+      </p:sp>
+      <p:pic>
+        <p:nvPicPr>
+          <p:cNvPr id="6" name="Immagine 5" descr="Immagine che contiene logo&#10;&#10;Descrizione generata automaticamente">
+            <a:extLst>
+              <a:ext uri="{FF2B5EF4-FFF2-40B4-BE49-F238E27FC236}">
+                <a16:creationId xmlns:a16="http://schemas.microsoft.com/office/drawing/2014/main" id="{15A60311-390D-0214-48E9-EA3DAAEF81AA}"/>
+              </a:ext>
+            </a:extLst>
+          </p:cNvPr>
+          <p:cNvPicPr>
+            <a:picLocks noChangeAspect="1"/>
+          </p:cNvPicPr>
+          <p:nvPr/>
+        </p:nvPicPr>
+        <p:blipFill>
+          <a:blip r:embed="rId4"/>
+          <a:stretch>
+            <a:fillRect/>
+          </a:stretch>
+        </p:blipFill>
+        <p:spPr>
+          <a:xfrm>
+            <a:off x="381000" y="673100"/>
+            <a:ext cx="5715000" cy="5715000"/>
+          </a:xfrm>
+          <a:prstGeom prst="rect">
+            <a:avLst/>
+          </a:prstGeom>
+        </p:spPr>
+      </p:pic>
+      <p:sp>
+        <p:nvSpPr>
+          <p:cNvPr id="7" name="CasellaDiTesto 6">
+            <a:extLst>
+              <a:ext uri="{FF2B5EF4-FFF2-40B4-BE49-F238E27FC236}">
+                <a16:creationId xmlns:a16="http://schemas.microsoft.com/office/drawing/2014/main" id="{0B239F7F-9F36-86FF-165D-E833671132A9}"/>
+              </a:ext>
+            </a:extLst>
+          </p:cNvPr>
+          <p:cNvSpPr txBox="1"/>
+          <p:nvPr/>
+        </p:nvSpPr>
+        <p:spPr>
+          <a:xfrm>
+            <a:off x="9123301" y="2092552"/>
+            <a:ext cx="2563522" cy="400110"/>
+          </a:xfrm>
+          <a:prstGeom prst="rect">
+            <a:avLst/>
+          </a:prstGeom>
+        </p:spPr>
+        <p:style>
+          <a:lnRef idx="2">
+            <a:schemeClr val="accent2"/>
+          </a:lnRef>
+          <a:fillRef idx="1">
+            <a:schemeClr val="lt1"/>
+          </a:fillRef>
+          <a:effectRef idx="0">
+            <a:schemeClr val="accent2"/>
+          </a:effectRef>
+          <a:fontRef idx="minor">
+            <a:schemeClr val="dk1"/>
+          </a:fontRef>
+        </p:style>
+        <p:txBody>
+          <a:bodyPr wrap="none" rtlCol="0">
+            <a:spAutoFit/>
+          </a:bodyPr>
+          <a:lstStyle/>
+          <a:p>
+            <a:r>
+              <a:rPr lang="it-IT" sz="2000" dirty="0"/>
+              <a:t>Grazie per l’attenzione</a:t>
+            </a:r>
+          </a:p>
+        </p:txBody>
+      </p:sp>
+    </p:spTree>
+    <p:extLst>
+      <p:ext uri="{BB962C8B-B14F-4D97-AF65-F5344CB8AC3E}">
+        <p14:creationId xmlns:p14="http://schemas.microsoft.com/office/powerpoint/2010/main" val="3501347425"/>
+      </p:ext>
+    </p:extLst>
+  </p:cSld>
+  <p:clrMapOvr>
+    <a:masterClrMapping/>
+  </p:clrMapOvr>
+  <mc:AlternateContent xmlns:mc="http://schemas.openxmlformats.org/markup-compatibility/2006" xmlns:p14="http://schemas.microsoft.com/office/powerpoint/2010/main">
+    <mc:Choice Requires="p14">
+      <p:transition spd="slow" p14:dur="3400">
+        <p14:reveal/>
+      </p:transition>
+    </mc:Choice>
+    <mc:Fallback xmlns="">
       <p:transition spd="slow">
         <p:fade/>
       </p:transition>
@@ -31848,7 +35455,7 @@
             <p:ph idx="1"/>
             <p:extLst>
               <p:ext uri="{D42A27DB-BD31-4B8C-83A1-F6EECF244321}">
-                <p14:modId xmlns:p14="http://schemas.microsoft.com/office/powerpoint/2010/main" val="524891444"/>
+                <p14:modId xmlns:p14="http://schemas.microsoft.com/office/powerpoint/2010/main" val="3256207432"/>
               </p:ext>
             </p:extLst>
           </p:nvPr>
@@ -32083,13 +35690,13 @@
   <p:clrMapOvr>
     <a:masterClrMapping/>
   </p:clrMapOvr>
-  <mc:AlternateContent xmlns:mc="http://schemas.openxmlformats.org/markup-compatibility/2006">
-    <mc:Choice xmlns:p14="http://schemas.microsoft.com/office/powerpoint/2010/main" Requires="p14">
+  <mc:AlternateContent xmlns:mc="http://schemas.openxmlformats.org/markup-compatibility/2006" xmlns:p14="http://schemas.microsoft.com/office/powerpoint/2010/main">
+    <mc:Choice Requires="p14">
       <p:transition spd="slow" p14:dur="1200">
         <p14:prism/>
       </p:transition>
     </mc:Choice>
-    <mc:Fallback>
+    <mc:Fallback xmlns="">
       <p:transition spd="slow">
         <p:fade/>
       </p:transition>
@@ -35266,13 +38873,13 @@
   <p:clrMapOvr>
     <a:masterClrMapping/>
   </p:clrMapOvr>
-  <mc:AlternateContent xmlns:mc="http://schemas.openxmlformats.org/markup-compatibility/2006">
-    <mc:Choice xmlns:p14="http://schemas.microsoft.com/office/powerpoint/2010/main" Requires="p14">
+  <mc:AlternateContent xmlns:mc="http://schemas.openxmlformats.org/markup-compatibility/2006" xmlns:p14="http://schemas.microsoft.com/office/powerpoint/2010/main">
+    <mc:Choice Requires="p14">
       <p:transition spd="slow" p14:dur="2000">
         <p14:ferris dir="l"/>
       </p:transition>
     </mc:Choice>
-    <mc:Fallback>
+    <mc:Fallback xmlns="">
       <p:transition spd="slow">
         <p:fade/>
       </p:transition>
@@ -39052,13 +42659,13 @@
   <p:clrMapOvr>
     <a:masterClrMapping/>
   </p:clrMapOvr>
-  <mc:AlternateContent xmlns:mc="http://schemas.openxmlformats.org/markup-compatibility/2006">
-    <mc:Choice xmlns:p14="http://schemas.microsoft.com/office/powerpoint/2010/main" Requires="p14">
+  <mc:AlternateContent xmlns:mc="http://schemas.openxmlformats.org/markup-compatibility/2006" xmlns:p14="http://schemas.microsoft.com/office/powerpoint/2010/main">
+    <mc:Choice Requires="p14">
       <p:transition spd="slow" p14:dur="2000">
         <p14:ferris dir="l"/>
       </p:transition>
     </mc:Choice>
-    <mc:Fallback>
+    <mc:Fallback xmlns="">
       <p:transition spd="slow">
         <p:fade/>
       </p:transition>
@@ -41851,13 +45458,13 @@
   <p:clrMapOvr>
     <a:masterClrMapping/>
   </p:clrMapOvr>
-  <mc:AlternateContent xmlns:mc="http://schemas.openxmlformats.org/markup-compatibility/2006">
-    <mc:Choice xmlns:p159="http://schemas.microsoft.com/office/powerpoint/2015/09/main" Requires="p159">
+  <mc:AlternateContent xmlns:mc="http://schemas.openxmlformats.org/markup-compatibility/2006" xmlns:p159="http://schemas.microsoft.com/office/powerpoint/2015/09/main">
+    <mc:Choice Requires="p159">
       <p:transition xmlns:p14="http://schemas.microsoft.com/office/powerpoint/2010/main" spd="slow" p14:dur="2000">
         <p159:morph option="byObject"/>
       </p:transition>
     </mc:Choice>
-    <mc:Fallback>
+    <mc:Fallback xmlns="">
       <p:transition spd="slow">
         <p:fade/>
       </p:transition>
@@ -44050,10 +47657,10 @@
       </p:grpSpPr>
       <p:sp>
         <p:nvSpPr>
-          <p:cNvPr id="5" name="Titolo 4">
+          <p:cNvPr id="2" name="Titolo 1">
             <a:extLst>
               <a:ext uri="{FF2B5EF4-FFF2-40B4-BE49-F238E27FC236}">
-                <a16:creationId xmlns:a16="http://schemas.microsoft.com/office/drawing/2014/main" id="{52556BE9-FFAD-F6F2-244B-C10EB0235A5B}"/>
+                <a16:creationId xmlns:a16="http://schemas.microsoft.com/office/drawing/2014/main" id="{E54E62E6-0DC2-2BBF-D0D4-03D43C339E5F}"/>
               </a:ext>
             </a:extLst>
           </p:cNvPr>
@@ -44072,410 +47679,17 @@
             <a:pPr algn="ctr"/>
             <a:r>
               <a:rPr lang="it-IT" dirty="0"/>
-              <a:t>conclusioni</a:t>
+              <a:t>INTEGRAZIONE IN ANDROID</a:t>
             </a:r>
           </a:p>
         </p:txBody>
       </p:sp>
       <p:sp>
         <p:nvSpPr>
-          <p:cNvPr id="6" name="Segnaposto contenuto 5">
+          <p:cNvPr id="5" name="CasellaDiTesto 4">
             <a:extLst>
               <a:ext uri="{FF2B5EF4-FFF2-40B4-BE49-F238E27FC236}">
-                <a16:creationId xmlns:a16="http://schemas.microsoft.com/office/drawing/2014/main" id="{EB7A7382-3695-51B6-3C6C-12B7B6C01ED4}"/>
-              </a:ext>
-            </a:extLst>
-          </p:cNvPr>
-          <p:cNvSpPr>
-            <a:spLocks noGrp="1"/>
-          </p:cNvSpPr>
-          <p:nvPr>
-            <p:ph idx="1"/>
-          </p:nvPr>
-        </p:nvSpPr>
-        <p:spPr>
-          <a:xfrm>
-            <a:off x="581193" y="1840112"/>
-            <a:ext cx="11029615" cy="1174043"/>
-          </a:xfrm>
-        </p:spPr>
-        <p:txBody>
-          <a:bodyPr>
-            <a:normAutofit lnSpcReduction="10000"/>
-          </a:bodyPr>
-          <a:lstStyle/>
-          <a:p>
-            <a:pPr marL="0" indent="0" algn="just">
-              <a:buNone/>
-            </a:pPr>
-            <a:r>
-              <a:rPr lang="it-IT" dirty="0"/>
-              <a:t>I tag NFC svolgeranno un ruolo inevitabile nei futuri dispositivi intelligenti per funzioni più integrate, nei trasporti, nell'industria aeronautica, nelle spedizioni e nell'industria manifatturiera per l'automazione di particolari attività. L'integrazione della tecnologia NFC nel moderno processo di comunicazione dei dati e di transazione garantisce convenienza, risparmio di tempo, efficienza energetica e, soprattutto, maggiore sicurezza.</a:t>
-            </a:r>
-          </a:p>
-        </p:txBody>
-      </p:sp>
-      <p:pic>
-        <p:nvPicPr>
-          <p:cNvPr id="8" name="Immagine 7" descr="Immagine che contiene diagramma&#10;&#10;Descrizione generata automaticamente">
-            <a:extLst>
-              <a:ext uri="{FF2B5EF4-FFF2-40B4-BE49-F238E27FC236}">
-                <a16:creationId xmlns:a16="http://schemas.microsoft.com/office/drawing/2014/main" id="{7C22C920-9B81-8A95-7099-D960AFAD9034}"/>
-              </a:ext>
-            </a:extLst>
-          </p:cNvPr>
-          <p:cNvPicPr>
-            <a:picLocks noChangeAspect="1"/>
-          </p:cNvPicPr>
-          <p:nvPr/>
-        </p:nvPicPr>
-        <p:blipFill>
-          <a:blip r:embed="rId2"/>
-          <a:stretch>
-            <a:fillRect/>
-          </a:stretch>
-        </p:blipFill>
-        <p:spPr>
-          <a:xfrm>
-            <a:off x="2166008" y="3014155"/>
-            <a:ext cx="7859984" cy="3471219"/>
-          </a:xfrm>
-          <a:prstGeom prst="rect">
-            <a:avLst/>
-          </a:prstGeom>
-        </p:spPr>
-      </p:pic>
-    </p:spTree>
-    <p:extLst>
-      <p:ext uri="{BB962C8B-B14F-4D97-AF65-F5344CB8AC3E}">
-        <p14:creationId xmlns:p14="http://schemas.microsoft.com/office/powerpoint/2010/main" val="2991469760"/>
-      </p:ext>
-    </p:extLst>
-  </p:cSld>
-  <p:clrMapOvr>
-    <a:masterClrMapping/>
-  </p:clrMapOvr>
-  <mc:AlternateContent xmlns:mc="http://schemas.openxmlformats.org/markup-compatibility/2006">
-    <mc:Choice xmlns:p159="http://schemas.microsoft.com/office/powerpoint/2015/09/main" Requires="p159">
-      <p:transition xmlns:p14="http://schemas.microsoft.com/office/powerpoint/2010/main" spd="slow" p14:dur="2000">
-        <p159:morph option="byObject"/>
-      </p:transition>
-    </mc:Choice>
-    <mc:Fallback>
-      <p:transition spd="slow">
-        <p:fade/>
-      </p:transition>
-    </mc:Fallback>
-  </mc:AlternateContent>
-  <p:timing>
-    <p:tnLst>
-      <p:par>
-        <p:cTn id="1" dur="indefinite" restart="never" nodeType="tmRoot">
-          <p:childTnLst>
-            <p:seq concurrent="1" nextAc="seek">
-              <p:cTn id="2" dur="indefinite" nodeType="mainSeq">
-                <p:childTnLst>
-                  <p:par>
-                    <p:cTn id="3" fill="hold">
-                      <p:stCondLst>
-                        <p:cond delay="indefinite"/>
-                      </p:stCondLst>
-                      <p:childTnLst>
-                        <p:par>
-                          <p:cTn id="4" fill="hold">
-                            <p:stCondLst>
-                              <p:cond delay="0"/>
-                            </p:stCondLst>
-                            <p:childTnLst>
-                              <p:par>
-                                <p:cTn id="5" presetID="10" presetClass="entr" presetSubtype="0" fill="hold" grpId="0" nodeType="clickEffect">
-                                  <p:stCondLst>
-                                    <p:cond delay="0"/>
-                                  </p:stCondLst>
-                                  <p:childTnLst>
-                                    <p:set>
-                                      <p:cBhvr>
-                                        <p:cTn id="6" dur="1" fill="hold">
-                                          <p:stCondLst>
-                                            <p:cond delay="0"/>
-                                          </p:stCondLst>
-                                        </p:cTn>
-                                        <p:tgtEl>
-                                          <p:spTgt spid="6">
-                                            <p:txEl>
-                                              <p:pRg st="0" end="0"/>
-                                            </p:txEl>
-                                          </p:spTgt>
-                                        </p:tgtEl>
-                                        <p:attrNameLst>
-                                          <p:attrName>style.visibility</p:attrName>
-                                        </p:attrNameLst>
-                                      </p:cBhvr>
-                                      <p:to>
-                                        <p:strVal val="visible"/>
-                                      </p:to>
-                                    </p:set>
-                                    <p:animEffect transition="in" filter="fade">
-                                      <p:cBhvr>
-                                        <p:cTn id="7" dur="500"/>
-                                        <p:tgtEl>
-                                          <p:spTgt spid="6">
-                                            <p:txEl>
-                                              <p:pRg st="0" end="0"/>
-                                            </p:txEl>
-                                          </p:spTgt>
-                                        </p:tgtEl>
-                                      </p:cBhvr>
-                                    </p:animEffect>
-                                  </p:childTnLst>
-                                </p:cTn>
-                              </p:par>
-                              <p:par>
-                                <p:cTn id="8" presetID="10" presetClass="entr" presetSubtype="0" fill="hold" nodeType="withEffect">
-                                  <p:stCondLst>
-                                    <p:cond delay="0"/>
-                                  </p:stCondLst>
-                                  <p:childTnLst>
-                                    <p:set>
-                                      <p:cBhvr>
-                                        <p:cTn id="9" dur="1" fill="hold">
-                                          <p:stCondLst>
-                                            <p:cond delay="0"/>
-                                          </p:stCondLst>
-                                        </p:cTn>
-                                        <p:tgtEl>
-                                          <p:spTgt spid="8"/>
-                                        </p:tgtEl>
-                                        <p:attrNameLst>
-                                          <p:attrName>style.visibility</p:attrName>
-                                        </p:attrNameLst>
-                                      </p:cBhvr>
-                                      <p:to>
-                                        <p:strVal val="visible"/>
-                                      </p:to>
-                                    </p:set>
-                                    <p:animEffect transition="in" filter="fade">
-                                      <p:cBhvr>
-                                        <p:cTn id="10" dur="500"/>
-                                        <p:tgtEl>
-                                          <p:spTgt spid="8"/>
-                                        </p:tgtEl>
-                                      </p:cBhvr>
-                                    </p:animEffect>
-                                  </p:childTnLst>
-                                </p:cTn>
-                              </p:par>
-                            </p:childTnLst>
-                          </p:cTn>
-                        </p:par>
-                      </p:childTnLst>
-                    </p:cTn>
-                  </p:par>
-                </p:childTnLst>
-              </p:cTn>
-              <p:prevCondLst>
-                <p:cond evt="onPrev" delay="0">
-                  <p:tgtEl>
-                    <p:sldTgt/>
-                  </p:tgtEl>
-                </p:cond>
-              </p:prevCondLst>
-              <p:nextCondLst>
-                <p:cond evt="onNext" delay="0">
-                  <p:tgtEl>
-                    <p:sldTgt/>
-                  </p:tgtEl>
-                </p:cond>
-              </p:nextCondLst>
-            </p:seq>
-          </p:childTnLst>
-        </p:cTn>
-      </p:par>
-    </p:tnLst>
-    <p:bldLst>
-      <p:bldP spid="6" grpId="0" build="p"/>
-    </p:bldLst>
-  </p:timing>
-</p:sld>
-</file>
-
-<file path=ppt/slides/slide9.xml><?xml version="1.0" encoding="utf-8"?>
-<p:sld xmlns:a="http://schemas.openxmlformats.org/drawingml/2006/main" xmlns:r="http://schemas.openxmlformats.org/officeDocument/2006/relationships" xmlns:p="http://schemas.openxmlformats.org/presentationml/2006/main">
-  <p:cSld>
-    <p:bg>
-      <p:bgPr>
-        <a:solidFill>
-          <a:schemeClr val="bg1"/>
-        </a:solidFill>
-        <a:effectLst/>
-      </p:bgPr>
-    </p:bg>
-    <p:spTree>
-      <p:nvGrpSpPr>
-        <p:cNvPr id="1" name=""/>
-        <p:cNvGrpSpPr/>
-        <p:nvPr/>
-      </p:nvGrpSpPr>
-      <p:grpSpPr>
-        <a:xfrm>
-          <a:off x="0" y="0"/>
-          <a:ext cx="0" cy="0"/>
-          <a:chOff x="0" y="0"/>
-          <a:chExt cx="0" cy="0"/>
-        </a:xfrm>
-      </p:grpSpPr>
-      <p:sp>
-        <p:nvSpPr>
-          <p:cNvPr id="2" name="Titolo 1">
-            <a:extLst>
-              <a:ext uri="{FF2B5EF4-FFF2-40B4-BE49-F238E27FC236}">
-                <a16:creationId xmlns:a16="http://schemas.microsoft.com/office/drawing/2014/main" id="{0F87E73C-2B1A-4602-BFBE-CFE1E55D9B38}"/>
-              </a:ext>
-            </a:extLst>
-          </p:cNvPr>
-          <p:cNvSpPr>
-            <a:spLocks noGrp="1"/>
-          </p:cNvSpPr>
-          <p:nvPr>
-            <p:ph type="ctrTitle"/>
-          </p:nvPr>
-        </p:nvSpPr>
-        <p:spPr>
-          <a:xfrm>
-            <a:off x="8296275" y="1419226"/>
-            <a:ext cx="3081576" cy="1746762"/>
-          </a:xfrm>
-        </p:spPr>
-        <p:txBody>
-          <a:bodyPr rtlCol="0">
-            <a:normAutofit/>
-          </a:bodyPr>
-          <a:lstStyle/>
-          <a:p>
-            <a:pPr rtl="0"/>
-            <a:r>
-              <a:rPr lang="it-IT" dirty="0">
-                <a:solidFill>
-                  <a:srgbClr val="FFFFFF"/>
-                </a:solidFill>
-              </a:rPr>
-              <a:t>Grazie</a:t>
-            </a:r>
-          </a:p>
-        </p:txBody>
-      </p:sp>
-      <p:sp>
-        <p:nvSpPr>
-          <p:cNvPr id="3" name="Sottotitolo 2">
-            <a:extLst>
-              <a:ext uri="{FF2B5EF4-FFF2-40B4-BE49-F238E27FC236}">
-                <a16:creationId xmlns:a16="http://schemas.microsoft.com/office/drawing/2014/main" id="{A9CB511D-EA45-4336-847C-1252667143B5}"/>
-              </a:ext>
-            </a:extLst>
-          </p:cNvPr>
-          <p:cNvSpPr>
-            <a:spLocks noGrp="1"/>
-          </p:cNvSpPr>
-          <p:nvPr>
-            <p:ph type="subTitle" idx="1"/>
-          </p:nvPr>
-        </p:nvSpPr>
-        <p:spPr>
-          <a:xfrm>
-            <a:off x="7337778" y="4079873"/>
-            <a:ext cx="4040073" cy="1358901"/>
-          </a:xfrm>
-        </p:spPr>
-        <p:txBody>
-          <a:bodyPr rtlCol="0">
-            <a:normAutofit lnSpcReduction="10000"/>
-          </a:bodyPr>
-          <a:lstStyle/>
-          <a:p>
-            <a:pPr rtl="0"/>
-            <a:r>
-              <a:rPr lang="it-IT" dirty="0">
-                <a:solidFill>
-                  <a:schemeClr val="bg2"/>
-                </a:solidFill>
-              </a:rPr>
-              <a:t>Andrea Bedei</a:t>
-            </a:r>
-          </a:p>
-          <a:p>
-            <a:pPr rtl="0"/>
-            <a:r>
-              <a:rPr lang="it-IT" dirty="0">
-                <a:solidFill>
-                  <a:schemeClr val="bg2"/>
-                </a:solidFill>
-                <a:hlinkClick r:id="rId3"/>
-              </a:rPr>
-              <a:t>Andrea.bedei2@studio.unibo.it</a:t>
-            </a:r>
-            <a:endParaRPr lang="it-IT" dirty="0">
-              <a:solidFill>
-                <a:schemeClr val="bg2"/>
-              </a:solidFill>
-            </a:endParaRPr>
-          </a:p>
-          <a:p>
-            <a:pPr rtl="0"/>
-            <a:r>
-              <a:rPr lang="it-IT" dirty="0">
-                <a:solidFill>
-                  <a:schemeClr val="bg2"/>
-                </a:solidFill>
-              </a:rPr>
-              <a:t>Presentazione NFC per  programmazione di sistemi mobile</a:t>
-            </a:r>
-          </a:p>
-          <a:p>
-            <a:pPr rtl="0"/>
-            <a:endParaRPr lang="it-IT" dirty="0">
-              <a:solidFill>
-                <a:schemeClr val="bg2"/>
-              </a:solidFill>
-            </a:endParaRPr>
-          </a:p>
-        </p:txBody>
-      </p:sp>
-      <p:pic>
-        <p:nvPicPr>
-          <p:cNvPr id="6" name="Immagine 5" descr="Immagine che contiene logo&#10;&#10;Descrizione generata automaticamente">
-            <a:extLst>
-              <a:ext uri="{FF2B5EF4-FFF2-40B4-BE49-F238E27FC236}">
-                <a16:creationId xmlns:a16="http://schemas.microsoft.com/office/drawing/2014/main" id="{15A60311-390D-0214-48E9-EA3DAAEF81AA}"/>
-              </a:ext>
-            </a:extLst>
-          </p:cNvPr>
-          <p:cNvPicPr>
-            <a:picLocks noChangeAspect="1"/>
-          </p:cNvPicPr>
-          <p:nvPr/>
-        </p:nvPicPr>
-        <p:blipFill>
-          <a:blip r:embed="rId4"/>
-          <a:stretch>
-            <a:fillRect/>
-          </a:stretch>
-        </p:blipFill>
-        <p:spPr>
-          <a:xfrm>
-            <a:off x="381000" y="673100"/>
-            <a:ext cx="5715000" cy="5715000"/>
-          </a:xfrm>
-          <a:prstGeom prst="rect">
-            <a:avLst/>
-          </a:prstGeom>
-        </p:spPr>
-      </p:pic>
-      <p:sp>
-        <p:nvSpPr>
-          <p:cNvPr id="7" name="CasellaDiTesto 6">
-            <a:extLst>
-              <a:ext uri="{FF2B5EF4-FFF2-40B4-BE49-F238E27FC236}">
-                <a16:creationId xmlns:a16="http://schemas.microsoft.com/office/drawing/2014/main" id="{0B239F7F-9F36-86FF-165D-E833671132A9}"/>
+                <a16:creationId xmlns:a16="http://schemas.microsoft.com/office/drawing/2014/main" id="{9E2415D8-BE5B-70EC-0AFC-6298E7B1AC33}"/>
               </a:ext>
             </a:extLst>
           </p:cNvPr>
@@ -44484,8 +47698,471 @@
         </p:nvSpPr>
         <p:spPr>
           <a:xfrm>
-            <a:off x="9123301" y="2092552"/>
-            <a:ext cx="2563522" cy="400110"/>
+            <a:off x="490881" y="1964267"/>
+            <a:ext cx="10718985" cy="369332"/>
+          </a:xfrm>
+          <a:prstGeom prst="rect">
+            <a:avLst/>
+          </a:prstGeom>
+          <a:noFill/>
+        </p:spPr>
+        <p:txBody>
+          <a:bodyPr wrap="square" rtlCol="0">
+            <a:spAutoFit/>
+          </a:bodyPr>
+          <a:lstStyle/>
+          <a:p>
+            <a:r>
+              <a:rPr lang="it-IT" dirty="0"/>
+              <a:t>Passo 1:  Aggiungi i permessi NFC al progetto nel </a:t>
+            </a:r>
+            <a:r>
+              <a:rPr lang="it-IT" dirty="0" err="1"/>
+              <a:t>Manifest</a:t>
+            </a:r>
+            <a:r>
+              <a:rPr lang="it-IT" dirty="0"/>
+              <a:t>.</a:t>
+            </a:r>
+          </a:p>
+        </p:txBody>
+      </p:sp>
+      <p:sp>
+        <p:nvSpPr>
+          <p:cNvPr id="6" name="CasellaDiTesto 5">
+            <a:extLst>
+              <a:ext uri="{FF2B5EF4-FFF2-40B4-BE49-F238E27FC236}">
+                <a16:creationId xmlns:a16="http://schemas.microsoft.com/office/drawing/2014/main" id="{A4E2D911-82CF-43C1-9E61-BF3EF5693072}"/>
+              </a:ext>
+            </a:extLst>
+          </p:cNvPr>
+          <p:cNvSpPr txBox="1"/>
+          <p:nvPr/>
+        </p:nvSpPr>
+        <p:spPr>
+          <a:xfrm>
+            <a:off x="490882" y="2333599"/>
+            <a:ext cx="4702569" cy="523220"/>
+          </a:xfrm>
+          <a:prstGeom prst="rect">
+            <a:avLst/>
+          </a:prstGeom>
+          <a:noFill/>
+        </p:spPr>
+        <p:txBody>
+          <a:bodyPr wrap="none" rtlCol="0">
+            <a:spAutoFit/>
+          </a:bodyPr>
+          <a:lstStyle/>
+          <a:p>
+            <a:r>
+              <a:rPr lang="fr-FR" sz="1400" dirty="0"/>
+              <a:t>&lt;uses-permission </a:t>
+            </a:r>
+            <a:r>
+              <a:rPr lang="fr-FR" sz="1400" dirty="0" err="1"/>
+              <a:t>android:name</a:t>
+            </a:r>
+            <a:r>
+              <a:rPr lang="fr-FR" sz="1400" dirty="0"/>
+              <a:t>="</a:t>
+            </a:r>
+            <a:r>
+              <a:rPr lang="fr-FR" sz="1400" dirty="0" err="1"/>
+              <a:t>android.permission.NFC</a:t>
+            </a:r>
+            <a:r>
+              <a:rPr lang="fr-FR" sz="1400" dirty="0"/>
+              <a:t>" /&gt;</a:t>
+            </a:r>
+          </a:p>
+          <a:p>
+            <a:endParaRPr lang="it-IT" sz="1400" dirty="0"/>
+          </a:p>
+        </p:txBody>
+      </p:sp>
+      <p:sp>
+        <p:nvSpPr>
+          <p:cNvPr id="9" name="CasellaDiTesto 8">
+            <a:extLst>
+              <a:ext uri="{FF2B5EF4-FFF2-40B4-BE49-F238E27FC236}">
+                <a16:creationId xmlns:a16="http://schemas.microsoft.com/office/drawing/2014/main" id="{0C6D5F79-879D-A7D1-D8F4-76425C2DB762}"/>
+              </a:ext>
+            </a:extLst>
+          </p:cNvPr>
+          <p:cNvSpPr txBox="1"/>
+          <p:nvPr/>
+        </p:nvSpPr>
+        <p:spPr>
+          <a:xfrm>
+            <a:off x="490881" y="2656764"/>
+            <a:ext cx="10718985" cy="369332"/>
+          </a:xfrm>
+          <a:prstGeom prst="rect">
+            <a:avLst/>
+          </a:prstGeom>
+          <a:noFill/>
+        </p:spPr>
+        <p:txBody>
+          <a:bodyPr wrap="square" rtlCol="0">
+            <a:spAutoFit/>
+          </a:bodyPr>
+          <a:lstStyle/>
+          <a:p>
+            <a:r>
+              <a:rPr lang="it-IT" dirty="0"/>
+              <a:t>Passo 2:  Aggiungi l'azione NFC all'</a:t>
+            </a:r>
+            <a:r>
+              <a:rPr lang="it-IT" dirty="0" err="1"/>
+              <a:t>intent</a:t>
+            </a:r>
+            <a:r>
+              <a:rPr lang="it-IT" dirty="0"/>
+              <a:t>-filter della attività nel file </a:t>
+            </a:r>
+            <a:r>
+              <a:rPr lang="it-IT" dirty="0" err="1"/>
+              <a:t>Manifest</a:t>
+            </a:r>
+            <a:r>
+              <a:rPr lang="it-IT" dirty="0"/>
+              <a:t>.</a:t>
+            </a:r>
+          </a:p>
+        </p:txBody>
+      </p:sp>
+      <p:sp>
+        <p:nvSpPr>
+          <p:cNvPr id="10" name="CasellaDiTesto 9">
+            <a:extLst>
+              <a:ext uri="{FF2B5EF4-FFF2-40B4-BE49-F238E27FC236}">
+                <a16:creationId xmlns:a16="http://schemas.microsoft.com/office/drawing/2014/main" id="{C56C515D-9A1A-2F14-D020-6A5782A5847A}"/>
+              </a:ext>
+            </a:extLst>
+          </p:cNvPr>
+          <p:cNvSpPr txBox="1"/>
+          <p:nvPr/>
+        </p:nvSpPr>
+        <p:spPr>
+          <a:xfrm>
+            <a:off x="490880" y="2933511"/>
+            <a:ext cx="9115962" cy="3970318"/>
+          </a:xfrm>
+          <a:prstGeom prst="rect">
+            <a:avLst/>
+          </a:prstGeom>
+          <a:noFill/>
+        </p:spPr>
+        <p:txBody>
+          <a:bodyPr wrap="square" rtlCol="0">
+            <a:spAutoFit/>
+          </a:bodyPr>
+          <a:lstStyle/>
+          <a:p>
+            <a:r>
+              <a:rPr lang="it-IT" sz="1400" dirty="0"/>
+              <a:t>&lt;activity</a:t>
+            </a:r>
+          </a:p>
+          <a:p>
+            <a:r>
+              <a:rPr lang="it-IT" sz="1400" dirty="0"/>
+              <a:t>...</a:t>
+            </a:r>
+          </a:p>
+          <a:p>
+            <a:r>
+              <a:rPr lang="it-IT" sz="1400" dirty="0"/>
+              <a:t>    &lt;</a:t>
+            </a:r>
+            <a:r>
+              <a:rPr lang="it-IT" sz="1400" dirty="0" err="1"/>
+              <a:t>intent</a:t>
+            </a:r>
+            <a:r>
+              <a:rPr lang="it-IT" sz="1400" dirty="0"/>
+              <a:t>-filter&gt;</a:t>
+            </a:r>
+          </a:p>
+          <a:p>
+            <a:r>
+              <a:rPr lang="it-IT" sz="1400" dirty="0"/>
+              <a:t>        &lt;action </a:t>
+            </a:r>
+            <a:r>
+              <a:rPr lang="it-IT" sz="1400" dirty="0" err="1"/>
+              <a:t>android:name</a:t>
+            </a:r>
+            <a:r>
+              <a:rPr lang="it-IT" sz="1400" dirty="0"/>
+              <a:t>="</a:t>
+            </a:r>
+            <a:r>
+              <a:rPr lang="it-IT" sz="1400" dirty="0" err="1"/>
+              <a:t>android.nfc.action.NDEF_DISCOVERED</a:t>
+            </a:r>
+            <a:r>
+              <a:rPr lang="it-IT" sz="1400" dirty="0"/>
+              <a:t>" /&gt;</a:t>
+            </a:r>
+          </a:p>
+          <a:p>
+            <a:r>
+              <a:rPr lang="it-IT" sz="1400" dirty="0"/>
+              <a:t>        &lt;</a:t>
+            </a:r>
+            <a:r>
+              <a:rPr lang="it-IT" sz="1400" dirty="0" err="1"/>
+              <a:t>category</a:t>
+            </a:r>
+            <a:r>
+              <a:rPr lang="it-IT" sz="1400" dirty="0"/>
+              <a:t> </a:t>
+            </a:r>
+            <a:r>
+              <a:rPr lang="it-IT" sz="1400" dirty="0" err="1"/>
+              <a:t>android:name</a:t>
+            </a:r>
+            <a:r>
+              <a:rPr lang="it-IT" sz="1400" dirty="0"/>
+              <a:t>="</a:t>
+            </a:r>
+            <a:r>
+              <a:rPr lang="it-IT" sz="1400" dirty="0" err="1"/>
+              <a:t>android.intent.category.DEFAULT</a:t>
+            </a:r>
+            <a:r>
+              <a:rPr lang="it-IT" sz="1400" dirty="0"/>
+              <a:t>" /&gt;</a:t>
+            </a:r>
+          </a:p>
+          <a:p>
+            <a:r>
+              <a:rPr lang="it-IT" sz="1400" dirty="0"/>
+              <a:t>        &lt;data </a:t>
+            </a:r>
+            <a:r>
+              <a:rPr lang="it-IT" sz="1400" dirty="0" err="1"/>
+              <a:t>android:mimeType</a:t>
+            </a:r>
+            <a:r>
+              <a:rPr lang="it-IT" sz="1400" dirty="0"/>
+              <a:t>="text/</a:t>
+            </a:r>
+            <a:r>
+              <a:rPr lang="it-IT" sz="1400" dirty="0" err="1"/>
+              <a:t>plain</a:t>
+            </a:r>
+            <a:r>
+              <a:rPr lang="it-IT" sz="1400" dirty="0"/>
+              <a:t>" /&gt;</a:t>
+            </a:r>
+          </a:p>
+          <a:p>
+            <a:r>
+              <a:rPr lang="it-IT" sz="1400" dirty="0"/>
+              <a:t>    &lt;/</a:t>
+            </a:r>
+            <a:r>
+              <a:rPr lang="it-IT" sz="1400" dirty="0" err="1"/>
+              <a:t>intent</a:t>
+            </a:r>
+            <a:r>
+              <a:rPr lang="it-IT" sz="1400" dirty="0"/>
+              <a:t>-filter&gt;</a:t>
+            </a:r>
+          </a:p>
+          <a:p>
+            <a:endParaRPr lang="it-IT" sz="1400" dirty="0"/>
+          </a:p>
+          <a:p>
+            <a:r>
+              <a:rPr lang="it-IT" sz="1400" dirty="0"/>
+              <a:t>    &lt;</a:t>
+            </a:r>
+            <a:r>
+              <a:rPr lang="it-IT" sz="1400" dirty="0" err="1"/>
+              <a:t>intent</a:t>
+            </a:r>
+            <a:r>
+              <a:rPr lang="it-IT" sz="1400" dirty="0"/>
+              <a:t>-filter&gt;</a:t>
+            </a:r>
+          </a:p>
+          <a:p>
+            <a:r>
+              <a:rPr lang="it-IT" sz="1400" dirty="0"/>
+              <a:t>        &lt;action </a:t>
+            </a:r>
+            <a:r>
+              <a:rPr lang="it-IT" sz="1400" dirty="0" err="1"/>
+              <a:t>android:name</a:t>
+            </a:r>
+            <a:r>
+              <a:rPr lang="it-IT" sz="1400" dirty="0"/>
+              <a:t>="</a:t>
+            </a:r>
+            <a:r>
+              <a:rPr lang="it-IT" sz="1400" dirty="0" err="1"/>
+              <a:t>android.nfc.action.TECH_DISCOVERED</a:t>
+            </a:r>
+            <a:r>
+              <a:rPr lang="it-IT" sz="1400" dirty="0"/>
+              <a:t>" /&gt;</a:t>
+            </a:r>
+          </a:p>
+          <a:p>
+            <a:r>
+              <a:rPr lang="it-IT" sz="1400" dirty="0"/>
+              <a:t>        &lt;</a:t>
+            </a:r>
+            <a:r>
+              <a:rPr lang="it-IT" sz="1400" dirty="0" err="1"/>
+              <a:t>category</a:t>
+            </a:r>
+            <a:r>
+              <a:rPr lang="it-IT" sz="1400" dirty="0"/>
+              <a:t> </a:t>
+            </a:r>
+            <a:r>
+              <a:rPr lang="it-IT" sz="1400" dirty="0" err="1"/>
+              <a:t>android:name</a:t>
+            </a:r>
+            <a:r>
+              <a:rPr lang="it-IT" sz="1400" dirty="0"/>
+              <a:t>="</a:t>
+            </a:r>
+            <a:r>
+              <a:rPr lang="it-IT" sz="1400" dirty="0" err="1"/>
+              <a:t>android.intent.category.DEFAULT</a:t>
+            </a:r>
+            <a:r>
+              <a:rPr lang="it-IT" sz="1400" dirty="0"/>
+              <a:t>" /&gt;</a:t>
+            </a:r>
+          </a:p>
+          <a:p>
+            <a:r>
+              <a:rPr lang="it-IT" sz="1400" dirty="0"/>
+              <a:t>    &lt;/</a:t>
+            </a:r>
+            <a:r>
+              <a:rPr lang="it-IT" sz="1400" dirty="0" err="1"/>
+              <a:t>intent</a:t>
+            </a:r>
+            <a:r>
+              <a:rPr lang="it-IT" sz="1400" dirty="0"/>
+              <a:t>-filter&gt;</a:t>
+            </a:r>
+          </a:p>
+          <a:p>
+            <a:endParaRPr lang="it-IT" sz="1400" dirty="0"/>
+          </a:p>
+          <a:p>
+            <a:r>
+              <a:rPr lang="it-IT" sz="1400" dirty="0"/>
+              <a:t>    &lt;</a:t>
+            </a:r>
+            <a:r>
+              <a:rPr lang="it-IT" sz="1400" dirty="0" err="1"/>
+              <a:t>intent</a:t>
+            </a:r>
+            <a:r>
+              <a:rPr lang="it-IT" sz="1400" dirty="0"/>
+              <a:t>-filter&gt;</a:t>
+            </a:r>
+          </a:p>
+          <a:p>
+            <a:r>
+              <a:rPr lang="it-IT" sz="1400" dirty="0"/>
+              <a:t>        &lt;action </a:t>
+            </a:r>
+            <a:r>
+              <a:rPr lang="it-IT" sz="1400" dirty="0" err="1"/>
+              <a:t>android:name</a:t>
+            </a:r>
+            <a:r>
+              <a:rPr lang="it-IT" sz="1400" dirty="0"/>
+              <a:t>="</a:t>
+            </a:r>
+            <a:r>
+              <a:rPr lang="it-IT" sz="1400" dirty="0" err="1"/>
+              <a:t>android.nfc.action.TAG_DISCOVERED</a:t>
+            </a:r>
+            <a:r>
+              <a:rPr lang="it-IT" sz="1400" dirty="0"/>
+              <a:t>" /&gt;</a:t>
+            </a:r>
+          </a:p>
+          <a:p>
+            <a:r>
+              <a:rPr lang="it-IT" sz="1400" dirty="0"/>
+              <a:t>        &lt;</a:t>
+            </a:r>
+            <a:r>
+              <a:rPr lang="it-IT" sz="1400" dirty="0" err="1"/>
+              <a:t>category</a:t>
+            </a:r>
+            <a:r>
+              <a:rPr lang="it-IT" sz="1400" dirty="0"/>
+              <a:t> </a:t>
+            </a:r>
+            <a:r>
+              <a:rPr lang="it-IT" sz="1400" dirty="0" err="1"/>
+              <a:t>android:name</a:t>
+            </a:r>
+            <a:r>
+              <a:rPr lang="it-IT" sz="1400" dirty="0"/>
+              <a:t>="</a:t>
+            </a:r>
+            <a:r>
+              <a:rPr lang="it-IT" sz="1400" dirty="0" err="1"/>
+              <a:t>android.intent.category.DEFAULT</a:t>
+            </a:r>
+            <a:r>
+              <a:rPr lang="it-IT" sz="1400" dirty="0"/>
+              <a:t>" /&gt;</a:t>
+            </a:r>
+          </a:p>
+          <a:p>
+            <a:r>
+              <a:rPr lang="it-IT" sz="1400" dirty="0"/>
+              <a:t>    &lt;/</a:t>
+            </a:r>
+            <a:r>
+              <a:rPr lang="it-IT" sz="1400" dirty="0" err="1"/>
+              <a:t>intent</a:t>
+            </a:r>
+            <a:r>
+              <a:rPr lang="it-IT" sz="1400" dirty="0"/>
+              <a:t>-filter&gt;</a:t>
+            </a:r>
+          </a:p>
+          <a:p>
+            <a:r>
+              <a:rPr lang="it-IT" sz="1400" dirty="0"/>
+              <a:t>&lt;/activity&gt;</a:t>
+            </a:r>
+          </a:p>
+        </p:txBody>
+      </p:sp>
+      <p:sp>
+        <p:nvSpPr>
+          <p:cNvPr id="11" name="CasellaDiTesto 10">
+            <a:extLst>
+              <a:ext uri="{FF2B5EF4-FFF2-40B4-BE49-F238E27FC236}">
+                <a16:creationId xmlns:a16="http://schemas.microsoft.com/office/drawing/2014/main" id="{0BC7C7C7-8A04-D27F-9459-3CA0965A90E2}"/>
+              </a:ext>
+            </a:extLst>
+          </p:cNvPr>
+          <p:cNvSpPr txBox="1"/>
+          <p:nvPr/>
+        </p:nvSpPr>
+        <p:spPr>
+          <a:xfrm>
+            <a:off x="7778044" y="2856818"/>
+            <a:ext cx="4064000" cy="3970318"/>
           </a:xfrm>
           <a:prstGeom prst="rect">
             <a:avLst/>
@@ -44506,22 +48183,199 @@
           </a:fontRef>
         </p:style>
         <p:txBody>
-          <a:bodyPr wrap="none" rtlCol="0">
+          <a:bodyPr wrap="square" rtlCol="0">
             <a:spAutoFit/>
           </a:bodyPr>
           <a:lstStyle/>
           <a:p>
             <a:r>
-              <a:rPr lang="it-IT" sz="2000" dirty="0"/>
-              <a:t>Grazie per l’attenzione</a:t>
+              <a:rPr lang="it-IT" dirty="0"/>
+              <a:t>Questi </a:t>
+            </a:r>
+            <a:r>
+              <a:rPr lang="it-IT" dirty="0" err="1"/>
+              <a:t>intent</a:t>
+            </a:r>
+            <a:r>
+              <a:rPr lang="it-IT" dirty="0"/>
+              <a:t>-filter consentono all'applicazione di essere avviata in modo automatico quando l'utente avvicina un dispositivo NFC compatibile con la tua applicazione. </a:t>
+            </a:r>
+          </a:p>
+          <a:p>
+            <a:pPr marL="285750" indent="-285750">
+              <a:buFont typeface="Arial" panose="020B0604020202020204" pitchFamily="34" charset="0"/>
+              <a:buChar char="•"/>
+            </a:pPr>
+            <a:r>
+              <a:rPr lang="it-IT" dirty="0"/>
+              <a:t>Il primo </a:t>
+            </a:r>
+            <a:r>
+              <a:rPr lang="it-IT" dirty="0" err="1"/>
+              <a:t>intent</a:t>
+            </a:r>
+            <a:r>
+              <a:rPr lang="it-IT" dirty="0"/>
+              <a:t>-filter si attiva quando l'utente avvicina un dispositivo NFC che contiene dati di tipo </a:t>
+            </a:r>
+            <a:r>
+              <a:rPr lang="it-IT" dirty="0" err="1"/>
+              <a:t>plain</a:t>
+            </a:r>
+            <a:r>
+              <a:rPr lang="it-IT" dirty="0"/>
+              <a:t> text.</a:t>
+            </a:r>
+          </a:p>
+          <a:p>
+            <a:pPr marL="285750" indent="-285750">
+              <a:buFont typeface="Arial" panose="020B0604020202020204" pitchFamily="34" charset="0"/>
+              <a:buChar char="•"/>
+            </a:pPr>
+            <a:r>
+              <a:rPr lang="it-IT" dirty="0"/>
+              <a:t>Il secondo si attiva quando l'utente avvicina un dispositivo NFC che corrisponde a una tecnologia specifica </a:t>
+            </a:r>
+          </a:p>
+          <a:p>
+            <a:pPr marL="285750" indent="-285750">
+              <a:buFont typeface="Arial" panose="020B0604020202020204" pitchFamily="34" charset="0"/>
+              <a:buChar char="•"/>
+            </a:pPr>
+            <a:r>
+              <a:rPr lang="it-IT" dirty="0"/>
+              <a:t>Il terzo si attiva quando l'utente avvicina un dispositivo NFC di qualsiasi tipo.</a:t>
             </a:r>
           </a:p>
         </p:txBody>
       </p:sp>
+      <p:cxnSp>
+        <p:nvCxnSpPr>
+          <p:cNvPr id="13" name="Connettore 2 12">
+            <a:extLst>
+              <a:ext uri="{FF2B5EF4-FFF2-40B4-BE49-F238E27FC236}">
+                <a16:creationId xmlns:a16="http://schemas.microsoft.com/office/drawing/2014/main" id="{C98257C3-D3BC-0BC2-35D9-D4D5CE50C8F3}"/>
+              </a:ext>
+            </a:extLst>
+          </p:cNvPr>
+          <p:cNvCxnSpPr>
+            <a:cxnSpLocks/>
+          </p:cNvCxnSpPr>
+          <p:nvPr/>
+        </p:nvCxnSpPr>
+        <p:spPr>
+          <a:xfrm flipH="1" flipV="1">
+            <a:off x="5949244" y="3984978"/>
+            <a:ext cx="1975556" cy="406400"/>
+          </a:xfrm>
+          <a:prstGeom prst="straightConnector1">
+            <a:avLst/>
+          </a:prstGeom>
+          <a:ln>
+            <a:tailEnd type="triangle"/>
+          </a:ln>
+        </p:spPr>
+        <p:style>
+          <a:lnRef idx="1">
+            <a:schemeClr val="dk1"/>
+          </a:lnRef>
+          <a:fillRef idx="0">
+            <a:schemeClr val="dk1"/>
+          </a:fillRef>
+          <a:effectRef idx="0">
+            <a:schemeClr val="dk1"/>
+          </a:effectRef>
+          <a:fontRef idx="minor">
+            <a:schemeClr val="tx1"/>
+          </a:fontRef>
+        </p:style>
+      </p:cxnSp>
+      <p:cxnSp>
+        <p:nvCxnSpPr>
+          <p:cNvPr id="16" name="Connettore 2 15">
+            <a:extLst>
+              <a:ext uri="{FF2B5EF4-FFF2-40B4-BE49-F238E27FC236}">
+                <a16:creationId xmlns:a16="http://schemas.microsoft.com/office/drawing/2014/main" id="{028FE81E-7095-6CEF-356D-64B825D7B4F6}"/>
+              </a:ext>
+            </a:extLst>
+          </p:cNvPr>
+          <p:cNvCxnSpPr>
+            <a:cxnSpLocks/>
+          </p:cNvCxnSpPr>
+          <p:nvPr/>
+        </p:nvCxnSpPr>
+        <p:spPr>
+          <a:xfrm flipH="1" flipV="1">
+            <a:off x="6096000" y="5170311"/>
+            <a:ext cx="1828800" cy="90311"/>
+          </a:xfrm>
+          <a:prstGeom prst="straightConnector1">
+            <a:avLst/>
+          </a:prstGeom>
+          <a:ln>
+            <a:tailEnd type="triangle"/>
+          </a:ln>
+        </p:spPr>
+        <p:style>
+          <a:lnRef idx="1">
+            <a:schemeClr val="dk1"/>
+          </a:lnRef>
+          <a:fillRef idx="0">
+            <a:schemeClr val="dk1"/>
+          </a:fillRef>
+          <a:effectRef idx="0">
+            <a:schemeClr val="dk1"/>
+          </a:effectRef>
+          <a:fontRef idx="minor">
+            <a:schemeClr val="tx1"/>
+          </a:fontRef>
+        </p:style>
+      </p:cxnSp>
+      <p:cxnSp>
+        <p:nvCxnSpPr>
+          <p:cNvPr id="18" name="Connettore 2 17">
+            <a:extLst>
+              <a:ext uri="{FF2B5EF4-FFF2-40B4-BE49-F238E27FC236}">
+                <a16:creationId xmlns:a16="http://schemas.microsoft.com/office/drawing/2014/main" id="{FE956127-4CAD-5B08-54CD-631766CEEB20}"/>
+              </a:ext>
+            </a:extLst>
+          </p:cNvPr>
+          <p:cNvCxnSpPr>
+            <a:cxnSpLocks/>
+          </p:cNvCxnSpPr>
+          <p:nvPr/>
+        </p:nvCxnSpPr>
+        <p:spPr>
+          <a:xfrm flipH="1">
+            <a:off x="5949244" y="6039556"/>
+            <a:ext cx="1975556" cy="248355"/>
+          </a:xfrm>
+          <a:prstGeom prst="straightConnector1">
+            <a:avLst/>
+          </a:prstGeom>
+          <a:ln>
+            <a:tailEnd type="triangle"/>
+          </a:ln>
+        </p:spPr>
+        <p:style>
+          <a:lnRef idx="1">
+            <a:schemeClr val="dk1"/>
+          </a:lnRef>
+          <a:fillRef idx="0">
+            <a:schemeClr val="dk1"/>
+          </a:fillRef>
+          <a:effectRef idx="0">
+            <a:schemeClr val="dk1"/>
+          </a:effectRef>
+          <a:fontRef idx="minor">
+            <a:schemeClr val="tx1"/>
+          </a:fontRef>
+        </p:style>
+      </p:cxnSp>
     </p:spTree>
     <p:extLst>
       <p:ext uri="{BB962C8B-B14F-4D97-AF65-F5344CB8AC3E}">
-        <p14:creationId xmlns:p14="http://schemas.microsoft.com/office/powerpoint/2010/main" val="3501347425"/>
+        <p14:creationId xmlns:p14="http://schemas.microsoft.com/office/powerpoint/2010/main" val="3951519215"/>
       </p:ext>
     </p:extLst>
   </p:cSld>
@@ -44529,9 +48383,1023 @@
     <a:masterClrMapping/>
   </p:clrMapOvr>
   <mc:AlternateContent xmlns:mc="http://schemas.openxmlformats.org/markup-compatibility/2006">
-    <mc:Choice xmlns:p14="http://schemas.microsoft.com/office/powerpoint/2010/main" Requires="p14">
-      <p:transition spd="slow" p14:dur="3400">
-        <p14:reveal/>
+    <mc:Choice xmlns:p159="http://schemas.microsoft.com/office/powerpoint/2015/09/main" Requires="p159">
+      <p:transition xmlns:p14="http://schemas.microsoft.com/office/powerpoint/2010/main" spd="slow" p14:dur="2000">
+        <p159:morph option="byObject"/>
+      </p:transition>
+    </mc:Choice>
+    <mc:Fallback>
+      <p:transition spd="slow">
+        <p:fade/>
+      </p:transition>
+    </mc:Fallback>
+  </mc:AlternateContent>
+</p:sld>
+</file>
+
+<file path=ppt/slides/slide9.xml><?xml version="1.0" encoding="utf-8"?>
+<p:sld xmlns:a="http://schemas.openxmlformats.org/drawingml/2006/main" xmlns:r="http://schemas.openxmlformats.org/officeDocument/2006/relationships" xmlns:p="http://schemas.openxmlformats.org/presentationml/2006/main">
+  <p:cSld>
+    <p:spTree>
+      <p:nvGrpSpPr>
+        <p:cNvPr id="1" name=""/>
+        <p:cNvGrpSpPr/>
+        <p:nvPr/>
+      </p:nvGrpSpPr>
+      <p:grpSpPr>
+        <a:xfrm>
+          <a:off x="0" y="0"/>
+          <a:ext cx="0" cy="0"/>
+          <a:chOff x="0" y="0"/>
+          <a:chExt cx="0" cy="0"/>
+        </a:xfrm>
+      </p:grpSpPr>
+      <p:sp>
+        <p:nvSpPr>
+          <p:cNvPr id="5" name="CasellaDiTesto 4">
+            <a:extLst>
+              <a:ext uri="{FF2B5EF4-FFF2-40B4-BE49-F238E27FC236}">
+                <a16:creationId xmlns:a16="http://schemas.microsoft.com/office/drawing/2014/main" id="{BA3E6281-D271-602C-10D1-7C9AC34DE52E}"/>
+              </a:ext>
+            </a:extLst>
+          </p:cNvPr>
+          <p:cNvSpPr txBox="1"/>
+          <p:nvPr/>
+        </p:nvSpPr>
+        <p:spPr>
+          <a:xfrm>
+            <a:off x="124178" y="533040"/>
+            <a:ext cx="12241749" cy="646331"/>
+          </a:xfrm>
+          <a:prstGeom prst="rect">
+            <a:avLst/>
+          </a:prstGeom>
+          <a:noFill/>
+        </p:spPr>
+        <p:txBody>
+          <a:bodyPr wrap="none" rtlCol="0">
+            <a:spAutoFit/>
+          </a:bodyPr>
+          <a:lstStyle/>
+          <a:p>
+            <a:r>
+              <a:rPr lang="it-IT" dirty="0"/>
+              <a:t>Passo 3: Crea l'interfaccia utente. Creeremo un'interfaccia utente semplice con un solo pulsante per attivare la tecnologia NFC e </a:t>
+            </a:r>
+          </a:p>
+          <a:p>
+            <a:r>
+              <a:rPr lang="it-IT" dirty="0"/>
+              <a:t>gestiremo l’attivazione della tecnologia NFC</a:t>
+            </a:r>
+          </a:p>
+        </p:txBody>
+      </p:sp>
+      <p:sp>
+        <p:nvSpPr>
+          <p:cNvPr id="6" name="CasellaDiTesto 5">
+            <a:extLst>
+              <a:ext uri="{FF2B5EF4-FFF2-40B4-BE49-F238E27FC236}">
+                <a16:creationId xmlns:a16="http://schemas.microsoft.com/office/drawing/2014/main" id="{BF43435E-1A4B-9E9F-2DC1-7E8CA6127FDD}"/>
+              </a:ext>
+            </a:extLst>
+          </p:cNvPr>
+          <p:cNvSpPr txBox="1"/>
+          <p:nvPr/>
+        </p:nvSpPr>
+        <p:spPr>
+          <a:xfrm>
+            <a:off x="124178" y="1046367"/>
+            <a:ext cx="5411097" cy="6001643"/>
+          </a:xfrm>
+          <a:prstGeom prst="rect">
+            <a:avLst/>
+          </a:prstGeom>
+          <a:noFill/>
+        </p:spPr>
+        <p:txBody>
+          <a:bodyPr wrap="none" rtlCol="0">
+            <a:spAutoFit/>
+          </a:bodyPr>
+          <a:lstStyle/>
+          <a:p>
+            <a:r>
+              <a:rPr lang="it-IT" sz="1200" dirty="0"/>
+              <a:t>...</a:t>
+            </a:r>
+          </a:p>
+          <a:p>
+            <a:r>
+              <a:rPr lang="it-IT" sz="1200" dirty="0"/>
+              <a:t>class </a:t>
+            </a:r>
+            <a:r>
+              <a:rPr lang="it-IT" sz="1200" dirty="0" err="1"/>
+              <a:t>MainActivity</a:t>
+            </a:r>
+            <a:r>
+              <a:rPr lang="it-IT" sz="1200" dirty="0"/>
+              <a:t> : </a:t>
+            </a:r>
+            <a:r>
+              <a:rPr lang="it-IT" sz="1200" dirty="0" err="1"/>
+              <a:t>AppCompatActivity</a:t>
+            </a:r>
+            <a:r>
+              <a:rPr lang="it-IT" sz="1200" dirty="0"/>
+              <a:t>() {</a:t>
+            </a:r>
+          </a:p>
+          <a:p>
+            <a:r>
+              <a:rPr lang="it-IT" sz="1200" dirty="0"/>
+              <a:t>    private </a:t>
+            </a:r>
+            <a:r>
+              <a:rPr lang="it-IT" sz="1200" dirty="0" err="1"/>
+              <a:t>lateinit</a:t>
+            </a:r>
+            <a:r>
+              <a:rPr lang="it-IT" sz="1200" dirty="0"/>
+              <a:t> var </a:t>
+            </a:r>
+            <a:r>
+              <a:rPr lang="it-IT" sz="1200" dirty="0" err="1"/>
+              <a:t>nfcAdapter</a:t>
+            </a:r>
+            <a:r>
+              <a:rPr lang="it-IT" sz="1200" dirty="0"/>
+              <a:t>: </a:t>
+            </a:r>
+            <a:r>
+              <a:rPr lang="it-IT" sz="1200" dirty="0" err="1"/>
+              <a:t>NfcAdapter</a:t>
+            </a:r>
+            <a:endParaRPr lang="it-IT" sz="1200" dirty="0"/>
+          </a:p>
+          <a:p>
+            <a:r>
+              <a:rPr lang="it-IT" sz="1200" dirty="0"/>
+              <a:t>    </a:t>
+            </a:r>
+            <a:r>
+              <a:rPr lang="it-IT" sz="1200" dirty="0" err="1"/>
+              <a:t>override</a:t>
+            </a:r>
+            <a:r>
+              <a:rPr lang="it-IT" sz="1200" dirty="0"/>
+              <a:t> </a:t>
+            </a:r>
+            <a:r>
+              <a:rPr lang="it-IT" sz="1200" dirty="0" err="1"/>
+              <a:t>fun</a:t>
+            </a:r>
+            <a:r>
+              <a:rPr lang="it-IT" sz="1200" dirty="0"/>
+              <a:t> </a:t>
+            </a:r>
+            <a:r>
+              <a:rPr lang="it-IT" sz="1200" dirty="0" err="1"/>
+              <a:t>onCreate</a:t>
+            </a:r>
+            <a:r>
+              <a:rPr lang="it-IT" sz="1200" dirty="0"/>
+              <a:t>(</a:t>
+            </a:r>
+            <a:r>
+              <a:rPr lang="it-IT" sz="1200" dirty="0" err="1"/>
+              <a:t>savedInstanceState</a:t>
+            </a:r>
+            <a:r>
+              <a:rPr lang="it-IT" sz="1200" dirty="0"/>
+              <a:t>: Bundle?) {</a:t>
+            </a:r>
+          </a:p>
+          <a:p>
+            <a:r>
+              <a:rPr lang="it-IT" sz="1200" dirty="0"/>
+              <a:t>        </a:t>
+            </a:r>
+            <a:r>
+              <a:rPr lang="it-IT" sz="1200" dirty="0" err="1"/>
+              <a:t>super.onCreate</a:t>
+            </a:r>
+            <a:r>
+              <a:rPr lang="it-IT" sz="1200" dirty="0"/>
+              <a:t>(</a:t>
+            </a:r>
+            <a:r>
+              <a:rPr lang="it-IT" sz="1200" dirty="0" err="1"/>
+              <a:t>savedInstanceState</a:t>
+            </a:r>
+            <a:r>
+              <a:rPr lang="it-IT" sz="1200" dirty="0"/>
+              <a:t>)</a:t>
+            </a:r>
+          </a:p>
+          <a:p>
+            <a:r>
+              <a:rPr lang="it-IT" sz="1200" dirty="0"/>
+              <a:t>        val </a:t>
+            </a:r>
+            <a:r>
+              <a:rPr lang="it-IT" sz="1200" dirty="0" err="1"/>
+              <a:t>nfcManager</a:t>
+            </a:r>
+            <a:r>
+              <a:rPr lang="it-IT" sz="1200" dirty="0"/>
+              <a:t> = </a:t>
+            </a:r>
+            <a:r>
+              <a:rPr lang="it-IT" sz="1200" dirty="0" err="1"/>
+              <a:t>getSystemService</a:t>
+            </a:r>
+            <a:r>
+              <a:rPr lang="it-IT" sz="1200" dirty="0"/>
+              <a:t>(NFC_SERVICE) </a:t>
+            </a:r>
+            <a:r>
+              <a:rPr lang="it-IT" sz="1200" dirty="0" err="1"/>
+              <a:t>as</a:t>
+            </a:r>
+            <a:r>
+              <a:rPr lang="it-IT" sz="1200" dirty="0"/>
+              <a:t> </a:t>
+            </a:r>
+            <a:r>
+              <a:rPr lang="it-IT" sz="1200" dirty="0" err="1"/>
+              <a:t>NfcManager</a:t>
+            </a:r>
+            <a:endParaRPr lang="it-IT" sz="1200" dirty="0"/>
+          </a:p>
+          <a:p>
+            <a:r>
+              <a:rPr lang="it-IT" sz="1200" dirty="0"/>
+              <a:t>        </a:t>
+            </a:r>
+            <a:r>
+              <a:rPr lang="it-IT" sz="1200" dirty="0" err="1"/>
+              <a:t>nfcAdapter</a:t>
+            </a:r>
+            <a:r>
+              <a:rPr lang="it-IT" sz="1200" dirty="0"/>
+              <a:t> = </a:t>
+            </a:r>
+            <a:r>
+              <a:rPr lang="it-IT" sz="1200" dirty="0" err="1"/>
+              <a:t>nfcManager.defaultAdapter</a:t>
+            </a:r>
+            <a:endParaRPr lang="it-IT" sz="1200" dirty="0"/>
+          </a:p>
+          <a:p>
+            <a:r>
+              <a:rPr lang="it-IT" sz="1200" dirty="0"/>
+              <a:t>        </a:t>
+            </a:r>
+            <a:r>
+              <a:rPr lang="it-IT" sz="1200" dirty="0" err="1"/>
+              <a:t>setContent</a:t>
+            </a:r>
+            <a:r>
+              <a:rPr lang="it-IT" sz="1200" dirty="0"/>
+              <a:t> {</a:t>
+            </a:r>
+          </a:p>
+          <a:p>
+            <a:r>
+              <a:rPr lang="it-IT" sz="1200" dirty="0"/>
+              <a:t>            </a:t>
+            </a:r>
+            <a:r>
+              <a:rPr lang="it-IT" sz="1200" dirty="0" err="1"/>
+              <a:t>NFCApp</a:t>
+            </a:r>
+            <a:r>
+              <a:rPr lang="it-IT" sz="1200" dirty="0"/>
+              <a:t>()</a:t>
+            </a:r>
+          </a:p>
+          <a:p>
+            <a:r>
+              <a:rPr lang="it-IT" sz="1200" dirty="0"/>
+              <a:t>        }</a:t>
+            </a:r>
+          </a:p>
+          <a:p>
+            <a:r>
+              <a:rPr lang="it-IT" sz="1200" dirty="0"/>
+              <a:t>    }</a:t>
+            </a:r>
+          </a:p>
+          <a:p>
+            <a:r>
+              <a:rPr lang="it-IT" sz="1200" dirty="0"/>
+              <a:t>    </a:t>
+            </a:r>
+            <a:r>
+              <a:rPr lang="it-IT" sz="1200" dirty="0" err="1"/>
+              <a:t>override</a:t>
+            </a:r>
+            <a:r>
+              <a:rPr lang="it-IT" sz="1200" dirty="0"/>
+              <a:t> </a:t>
+            </a:r>
+            <a:r>
+              <a:rPr lang="it-IT" sz="1200" dirty="0" err="1"/>
+              <a:t>fun</a:t>
+            </a:r>
+            <a:r>
+              <a:rPr lang="it-IT" sz="1200" dirty="0"/>
+              <a:t> </a:t>
+            </a:r>
+            <a:r>
+              <a:rPr lang="it-IT" sz="1200" dirty="0" err="1"/>
+              <a:t>onResume</a:t>
+            </a:r>
+            <a:r>
+              <a:rPr lang="it-IT" sz="1200" dirty="0"/>
+              <a:t>() {</a:t>
+            </a:r>
+          </a:p>
+          <a:p>
+            <a:r>
+              <a:rPr lang="it-IT" sz="1200" dirty="0"/>
+              <a:t>        </a:t>
+            </a:r>
+            <a:r>
+              <a:rPr lang="it-IT" sz="1200" dirty="0" err="1"/>
+              <a:t>super.onResume</a:t>
+            </a:r>
+            <a:r>
+              <a:rPr lang="it-IT" sz="1200" dirty="0"/>
+              <a:t>()</a:t>
+            </a:r>
+          </a:p>
+          <a:p>
+            <a:r>
+              <a:rPr lang="it-IT" sz="1200" dirty="0"/>
+              <a:t>        </a:t>
+            </a:r>
+            <a:r>
+              <a:rPr lang="it-IT" sz="1200" dirty="0" err="1"/>
+              <a:t>nfcAdapter.enableForegroundDispatch</a:t>
+            </a:r>
+            <a:r>
+              <a:rPr lang="it-IT" sz="1200" dirty="0"/>
+              <a:t>(</a:t>
+            </a:r>
+            <a:r>
+              <a:rPr lang="it-IT" sz="1200" dirty="0" err="1"/>
+              <a:t>this</a:t>
+            </a:r>
+            <a:r>
+              <a:rPr lang="it-IT" sz="1200" dirty="0"/>
+              <a:t>, </a:t>
+            </a:r>
+            <a:r>
+              <a:rPr lang="it-IT" sz="1200" dirty="0" err="1"/>
+              <a:t>null</a:t>
+            </a:r>
+            <a:r>
+              <a:rPr lang="it-IT" sz="1200" dirty="0"/>
+              <a:t>, </a:t>
+            </a:r>
+            <a:r>
+              <a:rPr lang="it-IT" sz="1200" dirty="0" err="1"/>
+              <a:t>null</a:t>
+            </a:r>
+            <a:r>
+              <a:rPr lang="it-IT" sz="1200" dirty="0"/>
+              <a:t>, </a:t>
+            </a:r>
+            <a:r>
+              <a:rPr lang="it-IT" sz="1200" dirty="0" err="1"/>
+              <a:t>null</a:t>
+            </a:r>
+            <a:r>
+              <a:rPr lang="it-IT" sz="1200" dirty="0"/>
+              <a:t>)</a:t>
+            </a:r>
+          </a:p>
+          <a:p>
+            <a:r>
+              <a:rPr lang="it-IT" sz="1200" dirty="0"/>
+              <a:t>    }</a:t>
+            </a:r>
+          </a:p>
+          <a:p>
+            <a:r>
+              <a:rPr lang="it-IT" sz="1200" dirty="0"/>
+              <a:t>    </a:t>
+            </a:r>
+            <a:r>
+              <a:rPr lang="it-IT" sz="1200" dirty="0" err="1"/>
+              <a:t>override</a:t>
+            </a:r>
+            <a:r>
+              <a:rPr lang="it-IT" sz="1200" dirty="0"/>
+              <a:t> </a:t>
+            </a:r>
+            <a:r>
+              <a:rPr lang="it-IT" sz="1200" dirty="0" err="1"/>
+              <a:t>fun</a:t>
+            </a:r>
+            <a:r>
+              <a:rPr lang="it-IT" sz="1200" dirty="0"/>
+              <a:t> </a:t>
+            </a:r>
+            <a:r>
+              <a:rPr lang="it-IT" sz="1200" dirty="0" err="1"/>
+              <a:t>onPause</a:t>
+            </a:r>
+            <a:r>
+              <a:rPr lang="it-IT" sz="1200" dirty="0"/>
+              <a:t>() {</a:t>
+            </a:r>
+          </a:p>
+          <a:p>
+            <a:r>
+              <a:rPr lang="it-IT" sz="1200" dirty="0"/>
+              <a:t>        </a:t>
+            </a:r>
+            <a:r>
+              <a:rPr lang="it-IT" sz="1200" dirty="0" err="1"/>
+              <a:t>super.onPause</a:t>
+            </a:r>
+            <a:r>
+              <a:rPr lang="it-IT" sz="1200" dirty="0"/>
+              <a:t>()</a:t>
+            </a:r>
+          </a:p>
+          <a:p>
+            <a:r>
+              <a:rPr lang="it-IT" sz="1200" dirty="0"/>
+              <a:t>        </a:t>
+            </a:r>
+            <a:r>
+              <a:rPr lang="it-IT" sz="1200" dirty="0" err="1"/>
+              <a:t>nfcAdapter.disableForegroundDispatch</a:t>
+            </a:r>
+            <a:r>
+              <a:rPr lang="it-IT" sz="1200" dirty="0"/>
+              <a:t>(</a:t>
+            </a:r>
+            <a:r>
+              <a:rPr lang="it-IT" sz="1200" dirty="0" err="1"/>
+              <a:t>this</a:t>
+            </a:r>
+            <a:r>
+              <a:rPr lang="it-IT" sz="1200" dirty="0"/>
+              <a:t>)</a:t>
+            </a:r>
+          </a:p>
+          <a:p>
+            <a:r>
+              <a:rPr lang="it-IT" sz="1200" dirty="0"/>
+              <a:t>    }</a:t>
+            </a:r>
+          </a:p>
+          <a:p>
+            <a:r>
+              <a:rPr lang="it-IT" sz="1200" dirty="0"/>
+              <a:t>}</a:t>
+            </a:r>
+          </a:p>
+          <a:p>
+            <a:r>
+              <a:rPr lang="it-IT" sz="1200" dirty="0"/>
+              <a:t>@Preview</a:t>
+            </a:r>
+          </a:p>
+          <a:p>
+            <a:r>
+              <a:rPr lang="it-IT" sz="1200" dirty="0"/>
+              <a:t>@Composable</a:t>
+            </a:r>
+          </a:p>
+          <a:p>
+            <a:r>
+              <a:rPr lang="it-IT" sz="1200" dirty="0" err="1"/>
+              <a:t>fun</a:t>
+            </a:r>
+            <a:r>
+              <a:rPr lang="it-IT" sz="1200" dirty="0"/>
+              <a:t> </a:t>
+            </a:r>
+            <a:r>
+              <a:rPr lang="it-IT" sz="1200" dirty="0" err="1"/>
+              <a:t>NFCApp</a:t>
+            </a:r>
+            <a:r>
+              <a:rPr lang="it-IT" sz="1200" dirty="0"/>
+              <a:t>() {</a:t>
+            </a:r>
+          </a:p>
+          <a:p>
+            <a:r>
+              <a:rPr lang="it-IT" sz="1200" dirty="0"/>
+              <a:t>    Surface(color = </a:t>
+            </a:r>
+            <a:r>
+              <a:rPr lang="it-IT" sz="1200" dirty="0" err="1"/>
+              <a:t>MaterialTheme.colors.background</a:t>
+            </a:r>
+            <a:r>
+              <a:rPr lang="it-IT" sz="1200" dirty="0"/>
+              <a:t>) {</a:t>
+            </a:r>
+          </a:p>
+          <a:p>
+            <a:r>
+              <a:rPr lang="it-IT" sz="1200" dirty="0"/>
+              <a:t>        val </a:t>
+            </a:r>
+            <a:r>
+              <a:rPr lang="it-IT" sz="1200" dirty="0" err="1"/>
+              <a:t>tagContent</a:t>
+            </a:r>
+            <a:r>
+              <a:rPr lang="it-IT" sz="1200" dirty="0"/>
+              <a:t> = </a:t>
+            </a:r>
+            <a:r>
+              <a:rPr lang="it-IT" sz="1200" dirty="0" err="1"/>
+              <a:t>remember</a:t>
+            </a:r>
+            <a:r>
+              <a:rPr lang="it-IT" sz="1200" dirty="0"/>
+              <a:t> { </a:t>
+            </a:r>
+            <a:r>
+              <a:rPr lang="it-IT" sz="1200" dirty="0" err="1"/>
+              <a:t>mutableStateOf</a:t>
+            </a:r>
+            <a:r>
+              <a:rPr lang="it-IT" sz="1200" dirty="0"/>
+              <a:t>("") }</a:t>
+            </a:r>
+          </a:p>
+          <a:p>
+            <a:r>
+              <a:rPr lang="it-IT" sz="1200" dirty="0"/>
+              <a:t>        </a:t>
+            </a:r>
+            <a:r>
+              <a:rPr lang="it-IT" sz="1200" dirty="0" err="1"/>
+              <a:t>Column</a:t>
+            </a:r>
+            <a:r>
+              <a:rPr lang="it-IT" sz="1200" dirty="0"/>
+              <a:t>(</a:t>
+            </a:r>
+            <a:r>
+              <a:rPr lang="it-IT" sz="1200" dirty="0" err="1"/>
+              <a:t>modifier</a:t>
+            </a:r>
+            <a:r>
+              <a:rPr lang="it-IT" sz="1200" dirty="0"/>
+              <a:t> = </a:t>
+            </a:r>
+            <a:r>
+              <a:rPr lang="it-IT" sz="1200" dirty="0" err="1"/>
+              <a:t>Modifier.padding</a:t>
+            </a:r>
+            <a:r>
+              <a:rPr lang="it-IT" sz="1200" dirty="0"/>
+              <a:t>(16.dp)) {</a:t>
+            </a:r>
+          </a:p>
+          <a:p>
+            <a:r>
+              <a:rPr lang="it-IT" sz="1200" dirty="0"/>
+              <a:t>            Text(text = "Contenuto del tag NFC:")</a:t>
+            </a:r>
+          </a:p>
+          <a:p>
+            <a:r>
+              <a:rPr lang="it-IT" sz="1200" dirty="0"/>
+              <a:t>            Text(text = </a:t>
+            </a:r>
+            <a:r>
+              <a:rPr lang="it-IT" sz="1200" dirty="0" err="1"/>
+              <a:t>tagContent.value</a:t>
+            </a:r>
+            <a:r>
+              <a:rPr lang="it-IT" sz="1200" dirty="0"/>
+              <a:t>, </a:t>
+            </a:r>
+            <a:r>
+              <a:rPr lang="it-IT" sz="1200" dirty="0" err="1"/>
+              <a:t>modifier</a:t>
+            </a:r>
+            <a:r>
+              <a:rPr lang="it-IT" sz="1200" dirty="0"/>
+              <a:t> = </a:t>
+            </a:r>
+            <a:r>
+              <a:rPr lang="it-IT" sz="1200" dirty="0" err="1"/>
+              <a:t>Modifier.padding</a:t>
+            </a:r>
+            <a:r>
+              <a:rPr lang="it-IT" sz="1200" dirty="0"/>
+              <a:t>(bottom = 16.dp))</a:t>
+            </a:r>
+          </a:p>
+          <a:p>
+            <a:r>
+              <a:rPr lang="it-IT" sz="1200" dirty="0"/>
+              <a:t>            Button(</a:t>
+            </a:r>
+            <a:r>
+              <a:rPr lang="it-IT" sz="1200" dirty="0" err="1"/>
+              <a:t>onClick</a:t>
+            </a:r>
+            <a:r>
+              <a:rPr lang="it-IT" sz="1200" dirty="0"/>
+              <a:t> = { /* TODO */ }) {</a:t>
+            </a:r>
+          </a:p>
+          <a:p>
+            <a:r>
+              <a:rPr lang="it-IT" sz="1200" dirty="0"/>
+              <a:t>                Text("Attiva NFC")</a:t>
+            </a:r>
+          </a:p>
+          <a:p>
+            <a:r>
+              <a:rPr lang="it-IT" sz="1200" dirty="0"/>
+              <a:t>...</a:t>
+            </a:r>
+          </a:p>
+        </p:txBody>
+      </p:sp>
+      <p:sp>
+        <p:nvSpPr>
+          <p:cNvPr id="7" name="CasellaDiTesto 6">
+            <a:extLst>
+              <a:ext uri="{FF2B5EF4-FFF2-40B4-BE49-F238E27FC236}">
+                <a16:creationId xmlns:a16="http://schemas.microsoft.com/office/drawing/2014/main" id="{B349C7DD-0DD7-F9BB-DA70-3108325D5082}"/>
+              </a:ext>
+            </a:extLst>
+          </p:cNvPr>
+          <p:cNvSpPr txBox="1"/>
+          <p:nvPr/>
+        </p:nvSpPr>
+        <p:spPr>
+          <a:xfrm>
+            <a:off x="4741333" y="2426817"/>
+            <a:ext cx="7326489" cy="2585323"/>
+          </a:xfrm>
+          <a:prstGeom prst="rect">
+            <a:avLst/>
+          </a:prstGeom>
+        </p:spPr>
+        <p:style>
+          <a:lnRef idx="2">
+            <a:schemeClr val="accent2"/>
+          </a:lnRef>
+          <a:fillRef idx="1">
+            <a:schemeClr val="lt1"/>
+          </a:fillRef>
+          <a:effectRef idx="0">
+            <a:schemeClr val="accent2"/>
+          </a:effectRef>
+          <a:fontRef idx="minor">
+            <a:schemeClr val="dk1"/>
+          </a:fontRef>
+        </p:style>
+        <p:txBody>
+          <a:bodyPr wrap="square" rtlCol="0">
+            <a:spAutoFit/>
+          </a:bodyPr>
+          <a:lstStyle/>
+          <a:p>
+            <a:pPr marL="285750" indent="-285750">
+              <a:buFont typeface="Arial" panose="020B0604020202020204" pitchFamily="34" charset="0"/>
+              <a:buChar char="•"/>
+            </a:pPr>
+            <a:r>
+              <a:rPr lang="it-IT" dirty="0"/>
+              <a:t>La variabile </a:t>
+            </a:r>
+            <a:r>
+              <a:rPr lang="it-IT" dirty="0" err="1"/>
+              <a:t>nfcAdapter</a:t>
+            </a:r>
+            <a:r>
+              <a:rPr lang="it-IT" dirty="0"/>
+              <a:t> viene inizializzata nel metodo </a:t>
+            </a:r>
+            <a:r>
+              <a:rPr lang="it-IT" dirty="0" err="1"/>
+              <a:t>onCreate</a:t>
+            </a:r>
+            <a:endParaRPr lang="it-IT" dirty="0"/>
+          </a:p>
+          <a:p>
+            <a:r>
+              <a:rPr lang="it-IT" dirty="0"/>
+              <a:t>     utilizzando il </a:t>
+            </a:r>
+            <a:r>
+              <a:rPr lang="it-IT" dirty="0" err="1"/>
+              <a:t>NfcManager</a:t>
+            </a:r>
+            <a:r>
+              <a:rPr lang="it-IT" dirty="0"/>
+              <a:t>, in esso viene richiesto il servizio al SO </a:t>
+            </a:r>
+            <a:r>
+              <a:rPr lang="it-IT" dirty="0" err="1"/>
+              <a:t>Andorid</a:t>
+            </a:r>
+            <a:r>
+              <a:rPr lang="it-IT" dirty="0"/>
+              <a:t>. </a:t>
+            </a:r>
+          </a:p>
+          <a:p>
+            <a:pPr marL="285750" indent="-285750">
+              <a:buFont typeface="Arial" panose="020B0604020202020204" pitchFamily="34" charset="0"/>
+              <a:buChar char="•"/>
+            </a:pPr>
+            <a:r>
+              <a:rPr lang="it-IT" dirty="0"/>
+              <a:t>Il metodo </a:t>
+            </a:r>
+            <a:r>
+              <a:rPr lang="it-IT" dirty="0" err="1"/>
+              <a:t>onResume</a:t>
+            </a:r>
+            <a:r>
+              <a:rPr lang="it-IT" dirty="0"/>
+              <a:t> abilita il </a:t>
+            </a:r>
+            <a:r>
+              <a:rPr lang="it-IT" dirty="0" err="1"/>
+              <a:t>dispatch</a:t>
+            </a:r>
+            <a:r>
+              <a:rPr lang="it-IT" dirty="0"/>
+              <a:t> NFC </a:t>
+            </a:r>
+          </a:p>
+          <a:p>
+            <a:r>
+              <a:rPr lang="it-IT" dirty="0"/>
+              <a:t>    col metodo </a:t>
+            </a:r>
+            <a:r>
+              <a:rPr lang="it-IT" dirty="0" err="1"/>
+              <a:t>enableForegroundDispatch</a:t>
+            </a:r>
+            <a:r>
+              <a:rPr lang="it-IT" dirty="0"/>
+              <a:t> </a:t>
+            </a:r>
+          </a:p>
+          <a:p>
+            <a:pPr marL="285750" indent="-285750">
+              <a:buFont typeface="Arial" panose="020B0604020202020204" pitchFamily="34" charset="0"/>
+              <a:buChar char="•"/>
+            </a:pPr>
+            <a:r>
+              <a:rPr lang="it-IT" dirty="0"/>
+              <a:t>Il metodo </a:t>
+            </a:r>
+            <a:r>
+              <a:rPr lang="it-IT" dirty="0" err="1"/>
+              <a:t>onPause</a:t>
+            </a:r>
+            <a:r>
+              <a:rPr lang="it-IT" dirty="0"/>
+              <a:t> lo disabilita con il metodo </a:t>
+            </a:r>
+          </a:p>
+          <a:p>
+            <a:r>
+              <a:rPr lang="it-IT" dirty="0"/>
+              <a:t>    </a:t>
+            </a:r>
+            <a:r>
+              <a:rPr lang="it-IT" dirty="0" err="1"/>
+              <a:t>disableForegroundDispatch</a:t>
+            </a:r>
+            <a:r>
+              <a:rPr lang="it-IT" dirty="0"/>
+              <a:t> quando l'attività entra in pausa.</a:t>
+            </a:r>
+          </a:p>
+          <a:p>
+            <a:pPr marL="285750" indent="-285750">
+              <a:buFont typeface="Arial" panose="020B0604020202020204" pitchFamily="34" charset="0"/>
+              <a:buChar char="•"/>
+            </a:pPr>
+            <a:r>
+              <a:rPr lang="it-IT" dirty="0"/>
+              <a:t>La funzione </a:t>
+            </a:r>
+            <a:r>
+              <a:rPr lang="it-IT" dirty="0" err="1"/>
+              <a:t>NFCApp</a:t>
+            </a:r>
+            <a:r>
+              <a:rPr lang="it-IT" dirty="0"/>
+              <a:t> definisce l'interfaccia utente,</a:t>
+            </a:r>
+          </a:p>
+          <a:p>
+            <a:r>
+              <a:rPr lang="it-IT" dirty="0"/>
+              <a:t>    la funzione definisce un'interfaccia utente con un pulsante Attiva NFC</a:t>
+            </a:r>
+          </a:p>
+          <a:p>
+            <a:r>
+              <a:rPr lang="it-IT" dirty="0"/>
+              <a:t>    e una casella di testo dove verrà letto il contenuto del tag NFC.</a:t>
+            </a:r>
+          </a:p>
+        </p:txBody>
+      </p:sp>
+      <p:cxnSp>
+        <p:nvCxnSpPr>
+          <p:cNvPr id="9" name="Connettore 2 8">
+            <a:extLst>
+              <a:ext uri="{FF2B5EF4-FFF2-40B4-BE49-F238E27FC236}">
+                <a16:creationId xmlns:a16="http://schemas.microsoft.com/office/drawing/2014/main" id="{2CAF22CF-E4E6-DAD3-97D8-27C67DE40DB5}"/>
+              </a:ext>
+            </a:extLst>
+          </p:cNvPr>
+          <p:cNvCxnSpPr>
+            <a:cxnSpLocks/>
+          </p:cNvCxnSpPr>
+          <p:nvPr/>
+        </p:nvCxnSpPr>
+        <p:spPr>
+          <a:xfrm flipH="1" flipV="1">
+            <a:off x="4052711" y="2280356"/>
+            <a:ext cx="801511" cy="349759"/>
+          </a:xfrm>
+          <a:prstGeom prst="straightConnector1">
+            <a:avLst/>
+          </a:prstGeom>
+          <a:ln>
+            <a:tailEnd type="triangle"/>
+          </a:ln>
+        </p:spPr>
+        <p:style>
+          <a:lnRef idx="1">
+            <a:schemeClr val="dk1"/>
+          </a:lnRef>
+          <a:fillRef idx="0">
+            <a:schemeClr val="dk1"/>
+          </a:fillRef>
+          <a:effectRef idx="0">
+            <a:schemeClr val="dk1"/>
+          </a:effectRef>
+          <a:fontRef idx="minor">
+            <a:schemeClr val="tx1"/>
+          </a:fontRef>
+        </p:style>
+      </p:cxnSp>
+      <p:cxnSp>
+        <p:nvCxnSpPr>
+          <p:cNvPr id="12" name="Connettore 2 11">
+            <a:extLst>
+              <a:ext uri="{FF2B5EF4-FFF2-40B4-BE49-F238E27FC236}">
+                <a16:creationId xmlns:a16="http://schemas.microsoft.com/office/drawing/2014/main" id="{EAB314B4-8E50-0DC9-5B99-C00F650C9C86}"/>
+              </a:ext>
+            </a:extLst>
+          </p:cNvPr>
+          <p:cNvCxnSpPr>
+            <a:cxnSpLocks/>
+          </p:cNvCxnSpPr>
+          <p:nvPr/>
+        </p:nvCxnSpPr>
+        <p:spPr>
+          <a:xfrm flipH="1">
+            <a:off x="2325511" y="3160571"/>
+            <a:ext cx="2528711" cy="158362"/>
+          </a:xfrm>
+          <a:prstGeom prst="straightConnector1">
+            <a:avLst/>
+          </a:prstGeom>
+          <a:ln>
+            <a:tailEnd type="triangle"/>
+          </a:ln>
+        </p:spPr>
+        <p:style>
+          <a:lnRef idx="1">
+            <a:schemeClr val="dk1"/>
+          </a:lnRef>
+          <a:fillRef idx="0">
+            <a:schemeClr val="dk1"/>
+          </a:fillRef>
+          <a:effectRef idx="0">
+            <a:schemeClr val="dk1"/>
+          </a:effectRef>
+          <a:fontRef idx="minor">
+            <a:schemeClr val="tx1"/>
+          </a:fontRef>
+        </p:style>
+      </p:cxnSp>
+      <p:cxnSp>
+        <p:nvCxnSpPr>
+          <p:cNvPr id="14" name="Connettore 2 13">
+            <a:extLst>
+              <a:ext uri="{FF2B5EF4-FFF2-40B4-BE49-F238E27FC236}">
+                <a16:creationId xmlns:a16="http://schemas.microsoft.com/office/drawing/2014/main" id="{4B05BF08-2247-A5BB-0A30-B771F2C0B3B0}"/>
+              </a:ext>
+            </a:extLst>
+          </p:cNvPr>
+          <p:cNvCxnSpPr>
+            <a:cxnSpLocks/>
+          </p:cNvCxnSpPr>
+          <p:nvPr/>
+        </p:nvCxnSpPr>
+        <p:spPr>
+          <a:xfrm flipH="1">
+            <a:off x="2607733" y="3697429"/>
+            <a:ext cx="2246489" cy="349759"/>
+          </a:xfrm>
+          <a:prstGeom prst="straightConnector1">
+            <a:avLst/>
+          </a:prstGeom>
+          <a:ln>
+            <a:tailEnd type="triangle"/>
+          </a:ln>
+        </p:spPr>
+        <p:style>
+          <a:lnRef idx="1">
+            <a:schemeClr val="dk1"/>
+          </a:lnRef>
+          <a:fillRef idx="0">
+            <a:schemeClr val="dk1"/>
+          </a:fillRef>
+          <a:effectRef idx="0">
+            <a:schemeClr val="dk1"/>
+          </a:effectRef>
+          <a:fontRef idx="minor">
+            <a:schemeClr val="tx1"/>
+          </a:fontRef>
+        </p:style>
+      </p:cxnSp>
+      <p:cxnSp>
+        <p:nvCxnSpPr>
+          <p:cNvPr id="16" name="Connettore 2 15">
+            <a:extLst>
+              <a:ext uri="{FF2B5EF4-FFF2-40B4-BE49-F238E27FC236}">
+                <a16:creationId xmlns:a16="http://schemas.microsoft.com/office/drawing/2014/main" id="{0C3734FD-F03F-5A0F-B561-55835F28F0A5}"/>
+              </a:ext>
+            </a:extLst>
+          </p:cNvPr>
+          <p:cNvCxnSpPr>
+            <a:cxnSpLocks/>
+          </p:cNvCxnSpPr>
+          <p:nvPr/>
+        </p:nvCxnSpPr>
+        <p:spPr>
+          <a:xfrm flipH="1">
+            <a:off x="1941689" y="4227886"/>
+            <a:ext cx="2912533" cy="863403"/>
+          </a:xfrm>
+          <a:prstGeom prst="straightConnector1">
+            <a:avLst/>
+          </a:prstGeom>
+          <a:ln>
+            <a:tailEnd type="triangle"/>
+          </a:ln>
+        </p:spPr>
+        <p:style>
+          <a:lnRef idx="1">
+            <a:schemeClr val="dk1"/>
+          </a:lnRef>
+          <a:fillRef idx="0">
+            <a:schemeClr val="dk1"/>
+          </a:fillRef>
+          <a:effectRef idx="0">
+            <a:schemeClr val="dk1"/>
+          </a:effectRef>
+          <a:fontRef idx="minor">
+            <a:schemeClr val="tx1"/>
+          </a:fontRef>
+        </p:style>
+      </p:cxnSp>
+    </p:spTree>
+    <p:extLst>
+      <p:ext uri="{BB962C8B-B14F-4D97-AF65-F5344CB8AC3E}">
+        <p14:creationId xmlns:p14="http://schemas.microsoft.com/office/powerpoint/2010/main" val="3571302941"/>
+      </p:ext>
+    </p:extLst>
+  </p:cSld>
+  <p:clrMapOvr>
+    <a:masterClrMapping/>
+  </p:clrMapOvr>
+  <mc:AlternateContent xmlns:mc="http://schemas.openxmlformats.org/markup-compatibility/2006">
+    <mc:Choice xmlns:p159="http://schemas.microsoft.com/office/powerpoint/2015/09/main" Requires="p159">
+      <p:transition xmlns:p14="http://schemas.microsoft.com/office/powerpoint/2010/main" spd="slow" p14:dur="2000">
+        <p159:morph option="byObject"/>
       </p:transition>
     </mc:Choice>
     <mc:Fallback>
@@ -45403,6 +50271,15 @@
 </file>
 
 <file path=customXml/item1.xml><?xml version="1.0" encoding="utf-8"?>
+<?mso-contentType ?>
+<FormTemplates xmlns="http://schemas.microsoft.com/sharepoint/v3/contenttype/forms">
+  <Display>DocumentLibraryForm</Display>
+  <Edit>DocumentLibraryForm</Edit>
+  <New>DocumentLibraryForm</New>
+</FormTemplates>
+</file>
+
+<file path=customXml/item2.xml><?xml version="1.0" encoding="utf-8"?>
 <ct:contentTypeSchema xmlns:ct="http://schemas.microsoft.com/office/2006/metadata/contentType" xmlns:ma="http://schemas.microsoft.com/office/2006/metadata/properties/metaAttributes" ct:_="" ma:_="" ma:contentTypeName="Document" ma:contentTypeID="0x010100B7AF0B0BCC99C64BAEE3636705749181" ma:contentTypeVersion="12" ma:contentTypeDescription="Create a new document." ma:contentTypeScope="" ma:versionID="ee8d00a137df102de886bcf5c7573794">
   <xsd:schema xmlns:xsd="http://www.w3.org/2001/XMLSchema" xmlns:xs="http://www.w3.org/2001/XMLSchema" xmlns:p="http://schemas.microsoft.com/office/2006/metadata/properties" xmlns:ns3="6149ad73-68cb-484b-9a43-7dbe8c89501a" xmlns:ns4="10dcc929-1977-4edb-84a8-194d4ce81613" targetNamespace="http://schemas.microsoft.com/office/2006/metadata/properties" ma:root="true" ma:fieldsID="285dd08a225c66ca30a67e4adc3134e5" ns3:_="" ns4:_="">
     <xsd:import namespace="6149ad73-68cb-484b-9a43-7dbe8c89501a"/>
@@ -45617,15 +50494,6 @@
 </ct:contentTypeSchema>
 </file>
 
-<file path=customXml/item2.xml><?xml version="1.0" encoding="utf-8"?>
-<?mso-contentType ?>
-<FormTemplates xmlns="http://schemas.microsoft.com/sharepoint/v3/contenttype/forms">
-  <Display>DocumentLibraryForm</Display>
-  <Edit>DocumentLibraryForm</Edit>
-  <New>DocumentLibraryForm</New>
-</FormTemplates>
-</file>
-
 <file path=customXml/item3.xml><?xml version="1.0" encoding="utf-8"?>
 <p:properties xmlns:p="http://schemas.microsoft.com/office/2006/metadata/properties" xmlns:xsi="http://www.w3.org/2001/XMLSchema-instance" xmlns:pc="http://schemas.microsoft.com/office/infopath/2007/PartnerControls">
   <documentManagement>
@@ -45635,6 +50503,14 @@
 </file>
 
 <file path=customXml/itemProps1.xml><?xml version="1.0" encoding="utf-8"?>
+<ds:datastoreItem xmlns:ds="http://schemas.openxmlformats.org/officeDocument/2006/customXml" ds:itemID="{6989E170-A711-42E4-B066-1DA0C0F1C859}">
+  <ds:schemaRefs>
+    <ds:schemaRef ds:uri="http://schemas.microsoft.com/sharepoint/v3/contenttype/forms"/>
+  </ds:schemaRefs>
+</ds:datastoreItem>
+</file>
+
+<file path=customXml/itemProps2.xml><?xml version="1.0" encoding="utf-8"?>
 <ds:datastoreItem xmlns:ds="http://schemas.openxmlformats.org/officeDocument/2006/customXml" ds:itemID="{A3190819-4B55-4784-89B1-88B359FA2517}">
   <ds:schemaRefs>
     <ds:schemaRef ds:uri="http://schemas.microsoft.com/office/2006/metadata/contentType"/>
@@ -45649,14 +50525,6 @@
     <ds:schemaRef ds:uri="http://purl.org/dc/elements/1.1/"/>
     <ds:schemaRef ds:uri="http://purl.org/dc/terms/"/>
     <ds:schemaRef ds:uri="http://schemas.microsoft.com/internal/obd"/>
-  </ds:schemaRefs>
-</ds:datastoreItem>
-</file>
-
-<file path=customXml/itemProps2.xml><?xml version="1.0" encoding="utf-8"?>
-<ds:datastoreItem xmlns:ds="http://schemas.openxmlformats.org/officeDocument/2006/customXml" ds:itemID="{6989E170-A711-42E4-B066-1DA0C0F1C859}">
-  <ds:schemaRefs>
-    <ds:schemaRef ds:uri="http://schemas.microsoft.com/sharepoint/v3/contenttype/forms"/>
   </ds:schemaRefs>
 </ds:datastoreItem>
 </file>
